--- a/docs/ppt.pptx
+++ b/docs/ppt.pptx
@@ -2,15 +2,18 @@
 <file path=ppt/presentation.xml><?xml version="1.0" encoding="utf-8"?>
 <p:presentation xmlns:a="http://schemas.openxmlformats.org/drawingml/2006/main" xmlns:r="http://schemas.openxmlformats.org/officeDocument/2006/relationships" xmlns:p="http://schemas.openxmlformats.org/presentationml/2006/main" saveSubsetFonts="1">
   <p:sldMasterIdLst>
-    <p:sldMasterId id="2147483648" r:id="rId1"/>
+    <p:sldMasterId id="2147483684" r:id="rId1"/>
   </p:sldMasterIdLst>
   <p:notesMasterIdLst>
-    <p:notesMasterId r:id="rId5"/>
+    <p:notesMasterId r:id="rId8"/>
   </p:notesMasterIdLst>
   <p:sldIdLst>
     <p:sldId id="256" r:id="rId2"/>
-    <p:sldId id="258" r:id="rId3"/>
-    <p:sldId id="257" r:id="rId4"/>
+    <p:sldId id="259" r:id="rId3"/>
+    <p:sldId id="258" r:id="rId4"/>
+    <p:sldId id="260" r:id="rId5"/>
+    <p:sldId id="257" r:id="rId6"/>
+    <p:sldId id="261" r:id="rId7"/>
   </p:sldIdLst>
   <p:sldSz cx="12192000" cy="6858000"/>
   <p:notesSz cx="6858000" cy="9144000"/>
@@ -18,7 +21,7 @@
     <a:defPPr>
       <a:defRPr lang="en-US"/>
     </a:defPPr>
-    <a:lvl1pPr marL="0" algn="l" defTabSz="914400" rtl="0" eaLnBrk="1" latinLnBrk="0" hangingPunct="1">
+    <a:lvl1pPr marL="0" algn="l" defTabSz="457200" rtl="0" eaLnBrk="1" latinLnBrk="0" hangingPunct="1">
       <a:defRPr sz="1800" kern="1200">
         <a:solidFill>
           <a:schemeClr val="tx1"/>
@@ -28,7 +31,7 @@
         <a:cs typeface="+mn-cs"/>
       </a:defRPr>
     </a:lvl1pPr>
-    <a:lvl2pPr marL="457200" algn="l" defTabSz="914400" rtl="0" eaLnBrk="1" latinLnBrk="0" hangingPunct="1">
+    <a:lvl2pPr marL="457200" algn="l" defTabSz="457200" rtl="0" eaLnBrk="1" latinLnBrk="0" hangingPunct="1">
       <a:defRPr sz="1800" kern="1200">
         <a:solidFill>
           <a:schemeClr val="tx1"/>
@@ -38,7 +41,7 @@
         <a:cs typeface="+mn-cs"/>
       </a:defRPr>
     </a:lvl2pPr>
-    <a:lvl3pPr marL="914400" algn="l" defTabSz="914400" rtl="0" eaLnBrk="1" latinLnBrk="0" hangingPunct="1">
+    <a:lvl3pPr marL="914400" algn="l" defTabSz="457200" rtl="0" eaLnBrk="1" latinLnBrk="0" hangingPunct="1">
       <a:defRPr sz="1800" kern="1200">
         <a:solidFill>
           <a:schemeClr val="tx1"/>
@@ -48,7 +51,7 @@
         <a:cs typeface="+mn-cs"/>
       </a:defRPr>
     </a:lvl3pPr>
-    <a:lvl4pPr marL="1371600" algn="l" defTabSz="914400" rtl="0" eaLnBrk="1" latinLnBrk="0" hangingPunct="1">
+    <a:lvl4pPr marL="1371600" algn="l" defTabSz="457200" rtl="0" eaLnBrk="1" latinLnBrk="0" hangingPunct="1">
       <a:defRPr sz="1800" kern="1200">
         <a:solidFill>
           <a:schemeClr val="tx1"/>
@@ -58,7 +61,7 @@
         <a:cs typeface="+mn-cs"/>
       </a:defRPr>
     </a:lvl4pPr>
-    <a:lvl5pPr marL="1828800" algn="l" defTabSz="914400" rtl="0" eaLnBrk="1" latinLnBrk="0" hangingPunct="1">
+    <a:lvl5pPr marL="1828800" algn="l" defTabSz="457200" rtl="0" eaLnBrk="1" latinLnBrk="0" hangingPunct="1">
       <a:defRPr sz="1800" kern="1200">
         <a:solidFill>
           <a:schemeClr val="tx1"/>
@@ -68,7 +71,7 @@
         <a:cs typeface="+mn-cs"/>
       </a:defRPr>
     </a:lvl5pPr>
-    <a:lvl6pPr marL="2286000" algn="l" defTabSz="914400" rtl="0" eaLnBrk="1" latinLnBrk="0" hangingPunct="1">
+    <a:lvl6pPr marL="2286000" algn="l" defTabSz="457200" rtl="0" eaLnBrk="1" latinLnBrk="0" hangingPunct="1">
       <a:defRPr sz="1800" kern="1200">
         <a:solidFill>
           <a:schemeClr val="tx1"/>
@@ -78,7 +81,7 @@
         <a:cs typeface="+mn-cs"/>
       </a:defRPr>
     </a:lvl6pPr>
-    <a:lvl7pPr marL="2743200" algn="l" defTabSz="914400" rtl="0" eaLnBrk="1" latinLnBrk="0" hangingPunct="1">
+    <a:lvl7pPr marL="2743200" algn="l" defTabSz="457200" rtl="0" eaLnBrk="1" latinLnBrk="0" hangingPunct="1">
       <a:defRPr sz="1800" kern="1200">
         <a:solidFill>
           <a:schemeClr val="tx1"/>
@@ -88,7 +91,7 @@
         <a:cs typeface="+mn-cs"/>
       </a:defRPr>
     </a:lvl7pPr>
-    <a:lvl8pPr marL="3200400" algn="l" defTabSz="914400" rtl="0" eaLnBrk="1" latinLnBrk="0" hangingPunct="1">
+    <a:lvl8pPr marL="3200400" algn="l" defTabSz="457200" rtl="0" eaLnBrk="1" latinLnBrk="0" hangingPunct="1">
       <a:defRPr sz="1800" kern="1200">
         <a:solidFill>
           <a:schemeClr val="tx1"/>
@@ -98,7 +101,7 @@
         <a:cs typeface="+mn-cs"/>
       </a:defRPr>
     </a:lvl8pPr>
-    <a:lvl9pPr marL="3657600" algn="l" defTabSz="914400" rtl="0" eaLnBrk="1" latinLnBrk="0" hangingPunct="1">
+    <a:lvl9pPr marL="3657600" algn="l" defTabSz="457200" rtl="0" eaLnBrk="1" latinLnBrk="0" hangingPunct="1">
       <a:defRPr sz="1800" kern="1200">
         <a:solidFill>
           <a:schemeClr val="tx1"/>
@@ -109,6 +112,11 @@
       </a:defRPr>
     </a:lvl9pPr>
   </p:defaultTextStyle>
+  <p:extLst>
+    <p:ext uri="{EFAFB233-063F-42B5-8137-9DF3F51BA10A}">
+      <p15:sldGuideLst xmlns:p15="http://schemas.microsoft.com/office/powerpoint/2012/main"/>
+    </p:ext>
+  </p:extLst>
 </p:presentation>
 </file>
 
@@ -194,7 +202,7 @@
           <a:p>
             <a:fld id="{AC935EBA-5C54-4623-B73D-80AC31792057}" type="datetimeFigureOut">
               <a:rPr lang="en-IN" smtClean="0"/>
-              <a:t>02-04-2024</a:t>
+              <a:t>12-04-2024</a:t>
             </a:fld>
             <a:endParaRPr lang="en-IN"/>
           </a:p>
@@ -463,7 +471,7 @@
 </file>
 
 <file path=ppt/slideLayouts/slideLayout1.xml><?xml version="1.0" encoding="utf-8"?>
-<p:sldLayout xmlns:a="http://schemas.openxmlformats.org/drawingml/2006/main" xmlns:r="http://schemas.openxmlformats.org/officeDocument/2006/relationships" xmlns:p="http://schemas.openxmlformats.org/presentationml/2006/main" type="title" preserve="1">
+<p:sldLayout xmlns:a="http://schemas.openxmlformats.org/drawingml/2006/main" xmlns:r="http://schemas.openxmlformats.org/officeDocument/2006/relationships" xmlns:p="http://schemas.openxmlformats.org/presentationml/2006/main" showMasterSp="0" type="title" preserve="1">
   <p:cSld name="Title Slide">
     <p:spTree>
       <p:nvGrpSpPr>
@@ -481,13 +489,83 @@
       </p:grpSpPr>
       <p:sp>
         <p:nvSpPr>
-          <p:cNvPr id="2" name="Title 1">
-            <a:extLst>
-              <a:ext uri="{FF2B5EF4-FFF2-40B4-BE49-F238E27FC236}">
-                <a16:creationId xmlns:a16="http://schemas.microsoft.com/office/drawing/2014/main" id="{E8EF8D51-B174-36BE-2410-56B4C83AE33A}"/>
-              </a:ext>
-            </a:extLst>
-          </p:cNvPr>
+          <p:cNvPr id="7" name="Rectangle 6"/>
+          <p:cNvSpPr/>
+          <p:nvPr/>
+        </p:nvSpPr>
+        <p:spPr>
+          <a:xfrm>
+            <a:off x="3175" y="6400800"/>
+            <a:ext cx="12188825" cy="457200"/>
+          </a:xfrm>
+          <a:prstGeom prst="rect">
+            <a:avLst/>
+          </a:prstGeom>
+          <a:solidFill>
+            <a:schemeClr val="accent2"/>
+          </a:solidFill>
+          <a:ln>
+            <a:noFill/>
+          </a:ln>
+        </p:spPr>
+        <p:style>
+          <a:lnRef idx="2">
+            <a:schemeClr val="accent1">
+              <a:shade val="50000"/>
+            </a:schemeClr>
+          </a:lnRef>
+          <a:fillRef idx="1">
+            <a:schemeClr val="accent1"/>
+          </a:fillRef>
+          <a:effectRef idx="0">
+            <a:schemeClr val="accent1"/>
+          </a:effectRef>
+          <a:fontRef idx="minor">
+            <a:schemeClr val="lt1"/>
+          </a:fontRef>
+        </p:style>
+      </p:sp>
+      <p:sp>
+        <p:nvSpPr>
+          <p:cNvPr id="8" name="Rectangle 7"/>
+          <p:cNvSpPr/>
+          <p:nvPr/>
+        </p:nvSpPr>
+        <p:spPr>
+          <a:xfrm>
+            <a:off x="15" y="6334316"/>
+            <a:ext cx="12188825" cy="64008"/>
+          </a:xfrm>
+          <a:prstGeom prst="rect">
+            <a:avLst/>
+          </a:prstGeom>
+          <a:solidFill>
+            <a:schemeClr val="accent1"/>
+          </a:solidFill>
+          <a:ln>
+            <a:noFill/>
+          </a:ln>
+        </p:spPr>
+        <p:style>
+          <a:lnRef idx="2">
+            <a:schemeClr val="accent1">
+              <a:shade val="50000"/>
+            </a:schemeClr>
+          </a:lnRef>
+          <a:fillRef idx="1">
+            <a:schemeClr val="accent1"/>
+          </a:fillRef>
+          <a:effectRef idx="0">
+            <a:schemeClr val="accent1"/>
+          </a:effectRef>
+          <a:fontRef idx="minor">
+            <a:schemeClr val="lt1"/>
+          </a:fontRef>
+        </p:style>
+      </p:sp>
+      <p:sp>
+        <p:nvSpPr>
+          <p:cNvPr id="2" name="Title 1"/>
           <p:cNvSpPr>
             <a:spLocks noGrp="1"/>
           </p:cNvSpPr>
@@ -497,15 +575,27 @@
         </p:nvSpPr>
         <p:spPr>
           <a:xfrm>
-            <a:off x="1524000" y="1122363"/>
-            <a:ext cx="9144000" cy="2387600"/>
-          </a:xfrm>
-        </p:spPr>
-        <p:txBody>
-          <a:bodyPr anchor="b"/>
+            <a:off x="1097280" y="758952"/>
+            <a:ext cx="10058400" cy="3566160"/>
+          </a:xfrm>
+        </p:spPr>
+        <p:txBody>
+          <a:bodyPr anchor="b">
+            <a:normAutofit/>
+          </a:bodyPr>
           <a:lstStyle>
-            <a:lvl1pPr algn="ctr">
-              <a:defRPr sz="6000"/>
+            <a:lvl1pPr algn="l">
+              <a:lnSpc>
+                <a:spcPct val="85000"/>
+              </a:lnSpc>
+              <a:defRPr sz="8000" spc="-50" baseline="0">
+                <a:solidFill>
+                  <a:schemeClr val="tx1">
+                    <a:lumMod val="85000"/>
+                    <a:lumOff val="15000"/>
+                  </a:schemeClr>
+                </a:solidFill>
+              </a:defRPr>
             </a:lvl1pPr>
           </a:lstStyle>
           <a:p>
@@ -513,19 +603,13 @@
               <a:rPr lang="en-US"/>
               <a:t>Click to edit Master title style</a:t>
             </a:r>
-            <a:endParaRPr lang="en-IN"/>
-          </a:p>
-        </p:txBody>
-      </p:sp>
-      <p:sp>
-        <p:nvSpPr>
-          <p:cNvPr id="3" name="Subtitle 2">
-            <a:extLst>
-              <a:ext uri="{FF2B5EF4-FFF2-40B4-BE49-F238E27FC236}">
-                <a16:creationId xmlns:a16="http://schemas.microsoft.com/office/drawing/2014/main" id="{24B9E1A9-AD66-DC39-B133-48AFA747DE17}"/>
-              </a:ext>
-            </a:extLst>
-          </p:cNvPr>
+            <a:endParaRPr lang="en-US" dirty="0"/>
+          </a:p>
+        </p:txBody>
+      </p:sp>
+      <p:sp>
+        <p:nvSpPr>
+          <p:cNvPr id="3" name="Subtitle 2"/>
           <p:cNvSpPr>
             <a:spLocks noGrp="1"/>
           </p:cNvSpPr>
@@ -535,48 +619,55 @@
         </p:nvSpPr>
         <p:spPr>
           <a:xfrm>
-            <a:off x="1524000" y="3602038"/>
-            <a:ext cx="9144000" cy="1655762"/>
-          </a:xfrm>
-        </p:spPr>
-        <p:txBody>
-          <a:bodyPr/>
+            <a:off x="1100051" y="4455620"/>
+            <a:ext cx="10058400" cy="1143000"/>
+          </a:xfrm>
+        </p:spPr>
+        <p:txBody>
+          <a:bodyPr lIns="91440" rIns="91440">
+            <a:normAutofit/>
+          </a:bodyPr>
           <a:lstStyle>
-            <a:lvl1pPr marL="0" indent="0" algn="ctr">
+            <a:lvl1pPr marL="0" indent="0" algn="l">
               <a:buNone/>
-              <a:defRPr sz="2400"/>
+              <a:defRPr sz="2400" cap="all" spc="200" baseline="0">
+                <a:solidFill>
+                  <a:schemeClr val="tx2"/>
+                </a:solidFill>
+                <a:latin typeface="+mj-lt"/>
+              </a:defRPr>
             </a:lvl1pPr>
             <a:lvl2pPr marL="457200" indent="0" algn="ctr">
               <a:buNone/>
-              <a:defRPr sz="2000"/>
+              <a:defRPr sz="2400"/>
             </a:lvl2pPr>
             <a:lvl3pPr marL="914400" indent="0" algn="ctr">
               <a:buNone/>
-              <a:defRPr sz="1800"/>
+              <a:defRPr sz="2400"/>
             </a:lvl3pPr>
             <a:lvl4pPr marL="1371600" indent="0" algn="ctr">
               <a:buNone/>
-              <a:defRPr sz="1600"/>
+              <a:defRPr sz="2000"/>
             </a:lvl4pPr>
             <a:lvl5pPr marL="1828800" indent="0" algn="ctr">
               <a:buNone/>
-              <a:defRPr sz="1600"/>
+              <a:defRPr sz="2000"/>
             </a:lvl5pPr>
             <a:lvl6pPr marL="2286000" indent="0" algn="ctr">
               <a:buNone/>
-              <a:defRPr sz="1600"/>
+              <a:defRPr sz="2000"/>
             </a:lvl6pPr>
             <a:lvl7pPr marL="2743200" indent="0" algn="ctr">
               <a:buNone/>
-              <a:defRPr sz="1600"/>
+              <a:defRPr sz="2000"/>
             </a:lvl7pPr>
             <a:lvl8pPr marL="3200400" indent="0" algn="ctr">
               <a:buNone/>
-              <a:defRPr sz="1600"/>
+              <a:defRPr sz="2000"/>
             </a:lvl8pPr>
             <a:lvl9pPr marL="3657600" indent="0" algn="ctr">
               <a:buNone/>
-              <a:defRPr sz="1600"/>
+              <a:defRPr sz="2000"/>
             </a:lvl9pPr>
           </a:lstStyle>
           <a:p>
@@ -584,19 +675,13 @@
               <a:rPr lang="en-US"/>
               <a:t>Click to edit Master subtitle style</a:t>
             </a:r>
-            <a:endParaRPr lang="en-IN"/>
-          </a:p>
-        </p:txBody>
-      </p:sp>
-      <p:sp>
-        <p:nvSpPr>
-          <p:cNvPr id="4" name="Date Placeholder 3">
-            <a:extLst>
-              <a:ext uri="{FF2B5EF4-FFF2-40B4-BE49-F238E27FC236}">
-                <a16:creationId xmlns:a16="http://schemas.microsoft.com/office/drawing/2014/main" id="{BB8E7A6C-99D2-8D8B-ECF0-F1AC4C183477}"/>
-              </a:ext>
-            </a:extLst>
-          </p:cNvPr>
+            <a:endParaRPr lang="en-US" dirty="0"/>
+          </a:p>
+        </p:txBody>
+      </p:sp>
+      <p:sp>
+        <p:nvSpPr>
+          <p:cNvPr id="4" name="Date Placeholder 3"/>
           <p:cNvSpPr>
             <a:spLocks noGrp="1"/>
           </p:cNvSpPr>
@@ -611,7 +696,7 @@
           <a:p>
             <a:fld id="{50B7AA29-206B-446B-82D7-C9E61C6AC57E}" type="datetimeFigureOut">
               <a:rPr lang="en-IN" smtClean="0"/>
-              <a:t>02-04-2024</a:t>
+              <a:t>12-04-2024</a:t>
             </a:fld>
             <a:endParaRPr lang="en-IN"/>
           </a:p>
@@ -619,13 +704,7 @@
       </p:sp>
       <p:sp>
         <p:nvSpPr>
-          <p:cNvPr id="5" name="Footer Placeholder 4">
-            <a:extLst>
-              <a:ext uri="{FF2B5EF4-FFF2-40B4-BE49-F238E27FC236}">
-                <a16:creationId xmlns:a16="http://schemas.microsoft.com/office/drawing/2014/main" id="{458C8334-8D17-7D98-FEB1-8AA75DB37CD7}"/>
-              </a:ext>
-            </a:extLst>
-          </p:cNvPr>
+          <p:cNvPr id="5" name="Footer Placeholder 4"/>
           <p:cNvSpPr>
             <a:spLocks noGrp="1"/>
           </p:cNvSpPr>
@@ -644,13 +723,7 @@
       </p:sp>
       <p:sp>
         <p:nvSpPr>
-          <p:cNvPr id="6" name="Slide Number Placeholder 5">
-            <a:extLst>
-              <a:ext uri="{FF2B5EF4-FFF2-40B4-BE49-F238E27FC236}">
-                <a16:creationId xmlns:a16="http://schemas.microsoft.com/office/drawing/2014/main" id="{69A03879-B167-617D-50D3-6C5959E4C752}"/>
-              </a:ext>
-            </a:extLst>
-          </p:cNvPr>
+          <p:cNvPr id="6" name="Slide Number Placeholder 5"/>
           <p:cNvSpPr>
             <a:spLocks noGrp="1"/>
           </p:cNvSpPr>
@@ -671,10 +744,48 @@
           </a:p>
         </p:txBody>
       </p:sp>
+      <p:cxnSp>
+        <p:nvCxnSpPr>
+          <p:cNvPr id="9" name="Straight Connector 8"/>
+          <p:cNvCxnSpPr/>
+          <p:nvPr/>
+        </p:nvCxnSpPr>
+        <p:spPr>
+          <a:xfrm>
+            <a:off x="1207658" y="4343400"/>
+            <a:ext cx="9875520" cy="0"/>
+          </a:xfrm>
+          <a:prstGeom prst="line">
+            <a:avLst/>
+          </a:prstGeom>
+          <a:ln w="6350">
+            <a:solidFill>
+              <a:schemeClr val="tx1">
+                <a:lumMod val="50000"/>
+                <a:lumOff val="50000"/>
+              </a:schemeClr>
+            </a:solidFill>
+          </a:ln>
+        </p:spPr>
+        <p:style>
+          <a:lnRef idx="1">
+            <a:schemeClr val="accent1"/>
+          </a:lnRef>
+          <a:fillRef idx="0">
+            <a:schemeClr val="accent1"/>
+          </a:fillRef>
+          <a:effectRef idx="0">
+            <a:schemeClr val="accent1"/>
+          </a:effectRef>
+          <a:fontRef idx="minor">
+            <a:schemeClr val="tx1"/>
+          </a:fontRef>
+        </p:style>
+      </p:cxnSp>
     </p:spTree>
     <p:extLst>
       <p:ext uri="{BB962C8B-B14F-4D97-AF65-F5344CB8AC3E}">
-        <p14:creationId xmlns:p14="http://schemas.microsoft.com/office/powerpoint/2010/main" val="2381018052"/>
+        <p14:creationId xmlns:p14="http://schemas.microsoft.com/office/powerpoint/2010/main" val="3379442687"/>
       </p:ext>
     </p:extLst>
   </p:cSld>
@@ -703,13 +814,7 @@
       </p:grpSpPr>
       <p:sp>
         <p:nvSpPr>
-          <p:cNvPr id="2" name="Title 1">
-            <a:extLst>
-              <a:ext uri="{FF2B5EF4-FFF2-40B4-BE49-F238E27FC236}">
-                <a16:creationId xmlns:a16="http://schemas.microsoft.com/office/drawing/2014/main" id="{18FBBC3B-BE94-1AAF-7EBD-AC1018E3A78B}"/>
-              </a:ext>
-            </a:extLst>
-          </p:cNvPr>
+          <p:cNvPr id="2" name="Title 1"/>
           <p:cNvSpPr>
             <a:spLocks noGrp="1"/>
           </p:cNvSpPr>
@@ -726,19 +831,13 @@
               <a:rPr lang="en-US"/>
               <a:t>Click to edit Master title style</a:t>
             </a:r>
-            <a:endParaRPr lang="en-IN"/>
-          </a:p>
-        </p:txBody>
-      </p:sp>
-      <p:sp>
-        <p:nvSpPr>
-          <p:cNvPr id="3" name="Vertical Text Placeholder 2">
-            <a:extLst>
-              <a:ext uri="{FF2B5EF4-FFF2-40B4-BE49-F238E27FC236}">
-                <a16:creationId xmlns:a16="http://schemas.microsoft.com/office/drawing/2014/main" id="{FC0D42E8-FB3E-E6B1-CBEC-AE5B827988B1}"/>
-              </a:ext>
-            </a:extLst>
-          </p:cNvPr>
+            <a:endParaRPr lang="en-US" dirty="0"/>
+          </a:p>
+        </p:txBody>
+      </p:sp>
+      <p:sp>
+        <p:nvSpPr>
+          <p:cNvPr id="3" name="Vertical Text Placeholder 2"/>
           <p:cNvSpPr>
             <a:spLocks noGrp="1"/>
           </p:cNvSpPr>
@@ -748,7 +847,7 @@
         </p:nvSpPr>
         <p:spPr/>
         <p:txBody>
-          <a:bodyPr vert="eaVert"/>
+          <a:bodyPr vert="eaVert" lIns="45720" tIns="0" rIns="45720" bIns="0"/>
           <a:lstStyle/>
           <a:p>
             <a:pPr lvl="0"/>
@@ -784,19 +883,13 @@
               <a:rPr lang="en-US"/>
               <a:t>Fifth level</a:t>
             </a:r>
-            <a:endParaRPr lang="en-IN"/>
-          </a:p>
-        </p:txBody>
-      </p:sp>
-      <p:sp>
-        <p:nvSpPr>
-          <p:cNvPr id="4" name="Date Placeholder 3">
-            <a:extLst>
-              <a:ext uri="{FF2B5EF4-FFF2-40B4-BE49-F238E27FC236}">
-                <a16:creationId xmlns:a16="http://schemas.microsoft.com/office/drawing/2014/main" id="{AC7B8889-1C4E-8E67-24AC-6A9CB6B5AA15}"/>
-              </a:ext>
-            </a:extLst>
-          </p:cNvPr>
+            <a:endParaRPr lang="en-US" dirty="0"/>
+          </a:p>
+        </p:txBody>
+      </p:sp>
+      <p:sp>
+        <p:nvSpPr>
+          <p:cNvPr id="4" name="Date Placeholder 3"/>
           <p:cNvSpPr>
             <a:spLocks noGrp="1"/>
           </p:cNvSpPr>
@@ -811,7 +904,7 @@
           <a:p>
             <a:fld id="{50B7AA29-206B-446B-82D7-C9E61C6AC57E}" type="datetimeFigureOut">
               <a:rPr lang="en-IN" smtClean="0"/>
-              <a:t>02-04-2024</a:t>
+              <a:t>12-04-2024</a:t>
             </a:fld>
             <a:endParaRPr lang="en-IN"/>
           </a:p>
@@ -819,13 +912,7 @@
       </p:sp>
       <p:sp>
         <p:nvSpPr>
-          <p:cNvPr id="5" name="Footer Placeholder 4">
-            <a:extLst>
-              <a:ext uri="{FF2B5EF4-FFF2-40B4-BE49-F238E27FC236}">
-                <a16:creationId xmlns:a16="http://schemas.microsoft.com/office/drawing/2014/main" id="{456E27AB-0C25-6D4E-182B-EA4278F51B0F}"/>
-              </a:ext>
-            </a:extLst>
-          </p:cNvPr>
+          <p:cNvPr id="5" name="Footer Placeholder 4"/>
           <p:cNvSpPr>
             <a:spLocks noGrp="1"/>
           </p:cNvSpPr>
@@ -844,13 +931,7 @@
       </p:sp>
       <p:sp>
         <p:nvSpPr>
-          <p:cNvPr id="6" name="Slide Number Placeholder 5">
-            <a:extLst>
-              <a:ext uri="{FF2B5EF4-FFF2-40B4-BE49-F238E27FC236}">
-                <a16:creationId xmlns:a16="http://schemas.microsoft.com/office/drawing/2014/main" id="{FE5880BE-74D3-369E-6AA9-72EFA00FC9D5}"/>
-              </a:ext>
-            </a:extLst>
-          </p:cNvPr>
+          <p:cNvPr id="6" name="Slide Number Placeholder 5"/>
           <p:cNvSpPr>
             <a:spLocks noGrp="1"/>
           </p:cNvSpPr>
@@ -874,7 +955,7 @@
     </p:spTree>
     <p:extLst>
       <p:ext uri="{BB962C8B-B14F-4D97-AF65-F5344CB8AC3E}">
-        <p14:creationId xmlns:p14="http://schemas.microsoft.com/office/powerpoint/2010/main" val="3668278908"/>
+        <p14:creationId xmlns:p14="http://schemas.microsoft.com/office/powerpoint/2010/main" val="122651727"/>
       </p:ext>
     </p:extLst>
   </p:cSld>
@@ -885,7 +966,7 @@
 </file>
 
 <file path=ppt/slideLayouts/slideLayout11.xml><?xml version="1.0" encoding="utf-8"?>
-<p:sldLayout xmlns:a="http://schemas.openxmlformats.org/drawingml/2006/main" xmlns:r="http://schemas.openxmlformats.org/officeDocument/2006/relationships" xmlns:p="http://schemas.openxmlformats.org/presentationml/2006/main" type="vertTitleAndTx" preserve="1">
+<p:sldLayout xmlns:a="http://schemas.openxmlformats.org/drawingml/2006/main" xmlns:r="http://schemas.openxmlformats.org/officeDocument/2006/relationships" xmlns:p="http://schemas.openxmlformats.org/presentationml/2006/main" showMasterSp="0" type="vertTitleAndTx" preserve="1">
   <p:cSld name="Vertical Title and Text">
     <p:spTree>
       <p:nvGrpSpPr>
@@ -903,13 +984,83 @@
       </p:grpSpPr>
       <p:sp>
         <p:nvSpPr>
-          <p:cNvPr id="2" name="Vertical Title 1">
-            <a:extLst>
-              <a:ext uri="{FF2B5EF4-FFF2-40B4-BE49-F238E27FC236}">
-                <a16:creationId xmlns:a16="http://schemas.microsoft.com/office/drawing/2014/main" id="{343F75CE-DF6B-7CCB-FA36-197CC6F7843F}"/>
-              </a:ext>
-            </a:extLst>
-          </p:cNvPr>
+          <p:cNvPr id="7" name="Rectangle 6"/>
+          <p:cNvSpPr/>
+          <p:nvPr/>
+        </p:nvSpPr>
+        <p:spPr>
+          <a:xfrm>
+            <a:off x="3175" y="6400800"/>
+            <a:ext cx="12188825" cy="457200"/>
+          </a:xfrm>
+          <a:prstGeom prst="rect">
+            <a:avLst/>
+          </a:prstGeom>
+          <a:solidFill>
+            <a:schemeClr val="accent2"/>
+          </a:solidFill>
+          <a:ln>
+            <a:noFill/>
+          </a:ln>
+        </p:spPr>
+        <p:style>
+          <a:lnRef idx="2">
+            <a:schemeClr val="accent1">
+              <a:shade val="50000"/>
+            </a:schemeClr>
+          </a:lnRef>
+          <a:fillRef idx="1">
+            <a:schemeClr val="accent1"/>
+          </a:fillRef>
+          <a:effectRef idx="0">
+            <a:schemeClr val="accent1"/>
+          </a:effectRef>
+          <a:fontRef idx="minor">
+            <a:schemeClr val="lt1"/>
+          </a:fontRef>
+        </p:style>
+      </p:sp>
+      <p:sp>
+        <p:nvSpPr>
+          <p:cNvPr id="8" name="Rectangle 7"/>
+          <p:cNvSpPr/>
+          <p:nvPr/>
+        </p:nvSpPr>
+        <p:spPr>
+          <a:xfrm>
+            <a:off x="15" y="6334316"/>
+            <a:ext cx="12188825" cy="64008"/>
+          </a:xfrm>
+          <a:prstGeom prst="rect">
+            <a:avLst/>
+          </a:prstGeom>
+          <a:solidFill>
+            <a:schemeClr val="accent1"/>
+          </a:solidFill>
+          <a:ln>
+            <a:noFill/>
+          </a:ln>
+        </p:spPr>
+        <p:style>
+          <a:lnRef idx="2">
+            <a:schemeClr val="accent1">
+              <a:shade val="50000"/>
+            </a:schemeClr>
+          </a:lnRef>
+          <a:fillRef idx="1">
+            <a:schemeClr val="accent1"/>
+          </a:fillRef>
+          <a:effectRef idx="0">
+            <a:schemeClr val="accent1"/>
+          </a:effectRef>
+          <a:fontRef idx="minor">
+            <a:schemeClr val="lt1"/>
+          </a:fontRef>
+        </p:style>
+      </p:sp>
+      <p:sp>
+        <p:nvSpPr>
+          <p:cNvPr id="2" name="Vertical Title 1"/>
           <p:cNvSpPr>
             <a:spLocks noGrp="1"/>
           </p:cNvSpPr>
@@ -919,8 +1070,8 @@
         </p:nvSpPr>
         <p:spPr>
           <a:xfrm>
-            <a:off x="8724900" y="365125"/>
-            <a:ext cx="2628900" cy="5811838"/>
+            <a:off x="8724900" y="414778"/>
+            <a:ext cx="2628900" cy="5757421"/>
           </a:xfrm>
         </p:spPr>
         <p:txBody>
@@ -931,19 +1082,13 @@
               <a:rPr lang="en-US"/>
               <a:t>Click to edit Master title style</a:t>
             </a:r>
-            <a:endParaRPr lang="en-IN"/>
-          </a:p>
-        </p:txBody>
-      </p:sp>
-      <p:sp>
-        <p:nvSpPr>
-          <p:cNvPr id="3" name="Vertical Text Placeholder 2">
-            <a:extLst>
-              <a:ext uri="{FF2B5EF4-FFF2-40B4-BE49-F238E27FC236}">
-                <a16:creationId xmlns:a16="http://schemas.microsoft.com/office/drawing/2014/main" id="{800B97C0-FB06-A0C0-26FA-941AA7901665}"/>
-              </a:ext>
-            </a:extLst>
-          </p:cNvPr>
+            <a:endParaRPr lang="en-US" dirty="0"/>
+          </a:p>
+        </p:txBody>
+      </p:sp>
+      <p:sp>
+        <p:nvSpPr>
+          <p:cNvPr id="3" name="Vertical Text Placeholder 2"/>
           <p:cNvSpPr>
             <a:spLocks noGrp="1"/>
           </p:cNvSpPr>
@@ -953,12 +1098,12 @@
         </p:nvSpPr>
         <p:spPr>
           <a:xfrm>
-            <a:off x="838200" y="365125"/>
-            <a:ext cx="7734300" cy="5811838"/>
-          </a:xfrm>
-        </p:spPr>
-        <p:txBody>
-          <a:bodyPr vert="eaVert"/>
+            <a:off x="838200" y="414778"/>
+            <a:ext cx="7734300" cy="5757422"/>
+          </a:xfrm>
+        </p:spPr>
+        <p:txBody>
+          <a:bodyPr vert="eaVert" lIns="45720" tIns="0" rIns="45720" bIns="0"/>
           <a:lstStyle/>
           <a:p>
             <a:pPr lvl="0"/>
@@ -994,19 +1139,13 @@
               <a:rPr lang="en-US"/>
               <a:t>Fifth level</a:t>
             </a:r>
-            <a:endParaRPr lang="en-IN"/>
-          </a:p>
-        </p:txBody>
-      </p:sp>
-      <p:sp>
-        <p:nvSpPr>
-          <p:cNvPr id="4" name="Date Placeholder 3">
-            <a:extLst>
-              <a:ext uri="{FF2B5EF4-FFF2-40B4-BE49-F238E27FC236}">
-                <a16:creationId xmlns:a16="http://schemas.microsoft.com/office/drawing/2014/main" id="{20B7C9CA-65C7-A33F-87E1-186D3F713E07}"/>
-              </a:ext>
-            </a:extLst>
-          </p:cNvPr>
+            <a:endParaRPr lang="en-US" dirty="0"/>
+          </a:p>
+        </p:txBody>
+      </p:sp>
+      <p:sp>
+        <p:nvSpPr>
+          <p:cNvPr id="4" name="Date Placeholder 3"/>
           <p:cNvSpPr>
             <a:spLocks noGrp="1"/>
           </p:cNvSpPr>
@@ -1021,7 +1160,7 @@
           <a:p>
             <a:fld id="{50B7AA29-206B-446B-82D7-C9E61C6AC57E}" type="datetimeFigureOut">
               <a:rPr lang="en-IN" smtClean="0"/>
-              <a:t>02-04-2024</a:t>
+              <a:t>12-04-2024</a:t>
             </a:fld>
             <a:endParaRPr lang="en-IN"/>
           </a:p>
@@ -1029,13 +1168,7 @@
       </p:sp>
       <p:sp>
         <p:nvSpPr>
-          <p:cNvPr id="5" name="Footer Placeholder 4">
-            <a:extLst>
-              <a:ext uri="{FF2B5EF4-FFF2-40B4-BE49-F238E27FC236}">
-                <a16:creationId xmlns:a16="http://schemas.microsoft.com/office/drawing/2014/main" id="{51DFEAA9-9D8B-CEE7-BCB2-9B24A661E8A4}"/>
-              </a:ext>
-            </a:extLst>
-          </p:cNvPr>
+          <p:cNvPr id="5" name="Footer Placeholder 4"/>
           <p:cNvSpPr>
             <a:spLocks noGrp="1"/>
           </p:cNvSpPr>
@@ -1054,13 +1187,7 @@
       </p:sp>
       <p:sp>
         <p:nvSpPr>
-          <p:cNvPr id="6" name="Slide Number Placeholder 5">
-            <a:extLst>
-              <a:ext uri="{FF2B5EF4-FFF2-40B4-BE49-F238E27FC236}">
-                <a16:creationId xmlns:a16="http://schemas.microsoft.com/office/drawing/2014/main" id="{3737CA4A-FECA-05B0-7BFF-BBE4CDC39C27}"/>
-              </a:ext>
-            </a:extLst>
-          </p:cNvPr>
+          <p:cNvPr id="6" name="Slide Number Placeholder 5"/>
           <p:cNvSpPr>
             <a:spLocks noGrp="1"/>
           </p:cNvSpPr>
@@ -1084,7 +1211,7 @@
     </p:spTree>
     <p:extLst>
       <p:ext uri="{BB962C8B-B14F-4D97-AF65-F5344CB8AC3E}">
-        <p14:creationId xmlns:p14="http://schemas.microsoft.com/office/powerpoint/2010/main" val="1792700740"/>
+        <p14:creationId xmlns:p14="http://schemas.microsoft.com/office/powerpoint/2010/main" val="2000521310"/>
       </p:ext>
     </p:extLst>
   </p:cSld>
@@ -1113,13 +1240,7 @@
       </p:grpSpPr>
       <p:sp>
         <p:nvSpPr>
-          <p:cNvPr id="2" name="Title 1">
-            <a:extLst>
-              <a:ext uri="{FF2B5EF4-FFF2-40B4-BE49-F238E27FC236}">
-                <a16:creationId xmlns:a16="http://schemas.microsoft.com/office/drawing/2014/main" id="{704FC383-3327-AE5F-3295-CD2D0E4A344D}"/>
-              </a:ext>
-            </a:extLst>
-          </p:cNvPr>
+          <p:cNvPr id="2" name="Title 1"/>
           <p:cNvSpPr>
             <a:spLocks noGrp="1"/>
           </p:cNvSpPr>
@@ -1130,25 +1251,23 @@
         <p:spPr/>
         <p:txBody>
           <a:bodyPr/>
-          <a:lstStyle/>
+          <a:lstStyle>
+            <a:lvl1pPr marL="0">
+              <a:defRPr/>
+            </a:lvl1pPr>
+          </a:lstStyle>
           <a:p>
             <a:r>
               <a:rPr lang="en-US"/>
               <a:t>Click to edit Master title style</a:t>
             </a:r>
-            <a:endParaRPr lang="en-IN"/>
-          </a:p>
-        </p:txBody>
-      </p:sp>
-      <p:sp>
-        <p:nvSpPr>
-          <p:cNvPr id="3" name="Content Placeholder 2">
-            <a:extLst>
-              <a:ext uri="{FF2B5EF4-FFF2-40B4-BE49-F238E27FC236}">
-                <a16:creationId xmlns:a16="http://schemas.microsoft.com/office/drawing/2014/main" id="{08003822-7674-75E0-2917-6117A1BA44B5}"/>
-              </a:ext>
-            </a:extLst>
-          </p:cNvPr>
+            <a:endParaRPr lang="en-US" dirty="0"/>
+          </a:p>
+        </p:txBody>
+      </p:sp>
+      <p:sp>
+        <p:nvSpPr>
+          <p:cNvPr id="3" name="Content Placeholder 2"/>
           <p:cNvSpPr>
             <a:spLocks noGrp="1"/>
           </p:cNvSpPr>
@@ -1194,19 +1313,13 @@
               <a:rPr lang="en-US"/>
               <a:t>Fifth level</a:t>
             </a:r>
-            <a:endParaRPr lang="en-IN"/>
-          </a:p>
-        </p:txBody>
-      </p:sp>
-      <p:sp>
-        <p:nvSpPr>
-          <p:cNvPr id="4" name="Date Placeholder 3">
-            <a:extLst>
-              <a:ext uri="{FF2B5EF4-FFF2-40B4-BE49-F238E27FC236}">
-                <a16:creationId xmlns:a16="http://schemas.microsoft.com/office/drawing/2014/main" id="{5BC54FF4-924B-AFC8-70F3-A466508DA290}"/>
-              </a:ext>
-            </a:extLst>
-          </p:cNvPr>
+            <a:endParaRPr lang="en-US" dirty="0"/>
+          </a:p>
+        </p:txBody>
+      </p:sp>
+      <p:sp>
+        <p:nvSpPr>
+          <p:cNvPr id="4" name="Date Placeholder 3"/>
           <p:cNvSpPr>
             <a:spLocks noGrp="1"/>
           </p:cNvSpPr>
@@ -1221,7 +1334,7 @@
           <a:p>
             <a:fld id="{50B7AA29-206B-446B-82D7-C9E61C6AC57E}" type="datetimeFigureOut">
               <a:rPr lang="en-IN" smtClean="0"/>
-              <a:t>02-04-2024</a:t>
+              <a:t>12-04-2024</a:t>
             </a:fld>
             <a:endParaRPr lang="en-IN"/>
           </a:p>
@@ -1229,13 +1342,7 @@
       </p:sp>
       <p:sp>
         <p:nvSpPr>
-          <p:cNvPr id="5" name="Footer Placeholder 4">
-            <a:extLst>
-              <a:ext uri="{FF2B5EF4-FFF2-40B4-BE49-F238E27FC236}">
-                <a16:creationId xmlns:a16="http://schemas.microsoft.com/office/drawing/2014/main" id="{12B77E17-5249-74DA-47B3-1B8FB5B93ED6}"/>
-              </a:ext>
-            </a:extLst>
-          </p:cNvPr>
+          <p:cNvPr id="5" name="Footer Placeholder 4"/>
           <p:cNvSpPr>
             <a:spLocks noGrp="1"/>
           </p:cNvSpPr>
@@ -1254,13 +1361,7 @@
       </p:sp>
       <p:sp>
         <p:nvSpPr>
-          <p:cNvPr id="6" name="Slide Number Placeholder 5">
-            <a:extLst>
-              <a:ext uri="{FF2B5EF4-FFF2-40B4-BE49-F238E27FC236}">
-                <a16:creationId xmlns:a16="http://schemas.microsoft.com/office/drawing/2014/main" id="{ECF64972-B5C9-D446-95C8-69F75EFB3778}"/>
-              </a:ext>
-            </a:extLst>
-          </p:cNvPr>
+          <p:cNvPr id="6" name="Slide Number Placeholder 5"/>
           <p:cNvSpPr>
             <a:spLocks noGrp="1"/>
           </p:cNvSpPr>
@@ -1284,7 +1385,7 @@
     </p:spTree>
     <p:extLst>
       <p:ext uri="{BB962C8B-B14F-4D97-AF65-F5344CB8AC3E}">
-        <p14:creationId xmlns:p14="http://schemas.microsoft.com/office/powerpoint/2010/main" val="3566466007"/>
+        <p14:creationId xmlns:p14="http://schemas.microsoft.com/office/powerpoint/2010/main" val="369950101"/>
       </p:ext>
     </p:extLst>
   </p:cSld>
@@ -1295,8 +1396,16 @@
 </file>
 
 <file path=ppt/slideLayouts/slideLayout3.xml><?xml version="1.0" encoding="utf-8"?>
-<p:sldLayout xmlns:a="http://schemas.openxmlformats.org/drawingml/2006/main" xmlns:r="http://schemas.openxmlformats.org/officeDocument/2006/relationships" xmlns:p="http://schemas.openxmlformats.org/presentationml/2006/main" type="secHead" preserve="1">
+<p:sldLayout xmlns:a="http://schemas.openxmlformats.org/drawingml/2006/main" xmlns:r="http://schemas.openxmlformats.org/officeDocument/2006/relationships" xmlns:p="http://schemas.openxmlformats.org/presentationml/2006/main" showMasterSp="0" type="secHead" preserve="1">
   <p:cSld name="Section Header">
+    <p:bg>
+      <p:bgPr>
+        <a:solidFill>
+          <a:schemeClr val="bg1"/>
+        </a:solidFill>
+        <a:effectLst/>
+      </p:bgPr>
+    </p:bg>
     <p:spTree>
       <p:nvGrpSpPr>
         <p:cNvPr id="1" name=""/>
@@ -1313,13 +1422,83 @@
       </p:grpSpPr>
       <p:sp>
         <p:nvSpPr>
-          <p:cNvPr id="2" name="Title 1">
-            <a:extLst>
-              <a:ext uri="{FF2B5EF4-FFF2-40B4-BE49-F238E27FC236}">
-                <a16:creationId xmlns:a16="http://schemas.microsoft.com/office/drawing/2014/main" id="{835284A0-C716-65E6-3596-EAAC1218DA10}"/>
-              </a:ext>
-            </a:extLst>
-          </p:cNvPr>
+          <p:cNvPr id="7" name="Rectangle 6"/>
+          <p:cNvSpPr/>
+          <p:nvPr/>
+        </p:nvSpPr>
+        <p:spPr>
+          <a:xfrm>
+            <a:off x="3175" y="6400800"/>
+            <a:ext cx="12188825" cy="457200"/>
+          </a:xfrm>
+          <a:prstGeom prst="rect">
+            <a:avLst/>
+          </a:prstGeom>
+          <a:solidFill>
+            <a:schemeClr val="accent2"/>
+          </a:solidFill>
+          <a:ln>
+            <a:noFill/>
+          </a:ln>
+        </p:spPr>
+        <p:style>
+          <a:lnRef idx="2">
+            <a:schemeClr val="accent1">
+              <a:shade val="50000"/>
+            </a:schemeClr>
+          </a:lnRef>
+          <a:fillRef idx="1">
+            <a:schemeClr val="accent1"/>
+          </a:fillRef>
+          <a:effectRef idx="0">
+            <a:schemeClr val="accent1"/>
+          </a:effectRef>
+          <a:fontRef idx="minor">
+            <a:schemeClr val="lt1"/>
+          </a:fontRef>
+        </p:style>
+      </p:sp>
+      <p:sp>
+        <p:nvSpPr>
+          <p:cNvPr id="8" name="Rectangle 7"/>
+          <p:cNvSpPr/>
+          <p:nvPr/>
+        </p:nvSpPr>
+        <p:spPr>
+          <a:xfrm>
+            <a:off x="15" y="6334316"/>
+            <a:ext cx="12188825" cy="64008"/>
+          </a:xfrm>
+          <a:prstGeom prst="rect">
+            <a:avLst/>
+          </a:prstGeom>
+          <a:solidFill>
+            <a:schemeClr val="accent1"/>
+          </a:solidFill>
+          <a:ln>
+            <a:noFill/>
+          </a:ln>
+        </p:spPr>
+        <p:style>
+          <a:lnRef idx="2">
+            <a:schemeClr val="accent1">
+              <a:shade val="50000"/>
+            </a:schemeClr>
+          </a:lnRef>
+          <a:fillRef idx="1">
+            <a:schemeClr val="accent1"/>
+          </a:fillRef>
+          <a:effectRef idx="0">
+            <a:schemeClr val="accent1"/>
+          </a:effectRef>
+          <a:fontRef idx="minor">
+            <a:schemeClr val="lt1"/>
+          </a:fontRef>
+        </p:style>
+      </p:sp>
+      <p:sp>
+        <p:nvSpPr>
+          <p:cNvPr id="2" name="Title 1"/>
           <p:cNvSpPr>
             <a:spLocks noGrp="1"/>
           </p:cNvSpPr>
@@ -1329,15 +1508,27 @@
         </p:nvSpPr>
         <p:spPr>
           <a:xfrm>
-            <a:off x="831850" y="1709738"/>
-            <a:ext cx="10515600" cy="2852737"/>
-          </a:xfrm>
-        </p:spPr>
-        <p:txBody>
-          <a:bodyPr anchor="b"/>
+            <a:off x="1097280" y="758952"/>
+            <a:ext cx="10058400" cy="3566160"/>
+          </a:xfrm>
+        </p:spPr>
+        <p:txBody>
+          <a:bodyPr anchor="b" anchorCtr="0">
+            <a:normAutofit/>
+          </a:bodyPr>
           <a:lstStyle>
             <a:lvl1pPr>
-              <a:defRPr sz="6000"/>
+              <a:lnSpc>
+                <a:spcPct val="85000"/>
+              </a:lnSpc>
+              <a:defRPr sz="8000" b="0">
+                <a:solidFill>
+                  <a:schemeClr val="tx1">
+                    <a:lumMod val="85000"/>
+                    <a:lumOff val="15000"/>
+                  </a:schemeClr>
+                </a:solidFill>
+              </a:defRPr>
             </a:lvl1pPr>
           </a:lstStyle>
           <a:p>
@@ -1345,19 +1536,13 @@
               <a:rPr lang="en-US"/>
               <a:t>Click to edit Master title style</a:t>
             </a:r>
-            <a:endParaRPr lang="en-IN"/>
-          </a:p>
-        </p:txBody>
-      </p:sp>
-      <p:sp>
-        <p:nvSpPr>
-          <p:cNvPr id="3" name="Text Placeholder 2">
-            <a:extLst>
-              <a:ext uri="{FF2B5EF4-FFF2-40B4-BE49-F238E27FC236}">
-                <a16:creationId xmlns:a16="http://schemas.microsoft.com/office/drawing/2014/main" id="{180B5415-A105-543F-2D47-9EF90296C5F1}"/>
-              </a:ext>
-            </a:extLst>
-          </p:cNvPr>
+            <a:endParaRPr lang="en-US" dirty="0"/>
+          </a:p>
+        </p:txBody>
+      </p:sp>
+      <p:sp>
+        <p:nvSpPr>
+          <p:cNvPr id="3" name="Text Placeholder 2"/>
           <p:cNvSpPr>
             <a:spLocks noGrp="1"/>
           </p:cNvSpPr>
@@ -1367,26 +1552,27 @@
         </p:nvSpPr>
         <p:spPr>
           <a:xfrm>
-            <a:off x="831850" y="4589463"/>
-            <a:ext cx="10515600" cy="1500187"/>
-          </a:xfrm>
-        </p:spPr>
-        <p:txBody>
-          <a:bodyPr/>
+            <a:off x="1097280" y="4453128"/>
+            <a:ext cx="10058400" cy="1143000"/>
+          </a:xfrm>
+        </p:spPr>
+        <p:txBody>
+          <a:bodyPr lIns="91440" rIns="91440" anchor="t" anchorCtr="0">
+            <a:normAutofit/>
+          </a:bodyPr>
           <a:lstStyle>
             <a:lvl1pPr marL="0" indent="0">
               <a:buNone/>
-              <a:defRPr sz="2400">
+              <a:defRPr sz="2400" cap="all" spc="200" baseline="0">
                 <a:solidFill>
-                  <a:schemeClr val="tx1">
-                    <a:tint val="75000"/>
-                  </a:schemeClr>
+                  <a:schemeClr val="tx2"/>
                 </a:solidFill>
+                <a:latin typeface="+mj-lt"/>
               </a:defRPr>
             </a:lvl1pPr>
             <a:lvl2pPr marL="457200" indent="0">
               <a:buNone/>
-              <a:defRPr sz="2000">
+              <a:defRPr sz="1800">
                 <a:solidFill>
                   <a:schemeClr val="tx1">
                     <a:tint val="75000"/>
@@ -1396,7 +1582,7 @@
             </a:lvl2pPr>
             <a:lvl3pPr marL="914400" indent="0">
               <a:buNone/>
-              <a:defRPr sz="1800">
+              <a:defRPr sz="1600">
                 <a:solidFill>
                   <a:schemeClr val="tx1">
                     <a:tint val="75000"/>
@@ -1406,7 +1592,7 @@
             </a:lvl3pPr>
             <a:lvl4pPr marL="1371600" indent="0">
               <a:buNone/>
-              <a:defRPr sz="1600">
+              <a:defRPr sz="1400">
                 <a:solidFill>
                   <a:schemeClr val="tx1">
                     <a:tint val="75000"/>
@@ -1416,7 +1602,7 @@
             </a:lvl4pPr>
             <a:lvl5pPr marL="1828800" indent="0">
               <a:buNone/>
-              <a:defRPr sz="1600">
+              <a:defRPr sz="1400">
                 <a:solidFill>
                   <a:schemeClr val="tx1">
                     <a:tint val="75000"/>
@@ -1426,7 +1612,7 @@
             </a:lvl5pPr>
             <a:lvl6pPr marL="2286000" indent="0">
               <a:buNone/>
-              <a:defRPr sz="1600">
+              <a:defRPr sz="1400">
                 <a:solidFill>
                   <a:schemeClr val="tx1">
                     <a:tint val="75000"/>
@@ -1436,7 +1622,7 @@
             </a:lvl6pPr>
             <a:lvl7pPr marL="2743200" indent="0">
               <a:buNone/>
-              <a:defRPr sz="1600">
+              <a:defRPr sz="1400">
                 <a:solidFill>
                   <a:schemeClr val="tx1">
                     <a:tint val="75000"/>
@@ -1446,7 +1632,7 @@
             </a:lvl7pPr>
             <a:lvl8pPr marL="3200400" indent="0">
               <a:buNone/>
-              <a:defRPr sz="1600">
+              <a:defRPr sz="1400">
                 <a:solidFill>
                   <a:schemeClr val="tx1">
                     <a:tint val="75000"/>
@@ -1456,7 +1642,7 @@
             </a:lvl8pPr>
             <a:lvl9pPr marL="3657600" indent="0">
               <a:buNone/>
-              <a:defRPr sz="1600">
+              <a:defRPr sz="1400">
                 <a:solidFill>
                   <a:schemeClr val="tx1">
                     <a:tint val="75000"/>
@@ -1476,13 +1662,7 @@
       </p:sp>
       <p:sp>
         <p:nvSpPr>
-          <p:cNvPr id="4" name="Date Placeholder 3">
-            <a:extLst>
-              <a:ext uri="{FF2B5EF4-FFF2-40B4-BE49-F238E27FC236}">
-                <a16:creationId xmlns:a16="http://schemas.microsoft.com/office/drawing/2014/main" id="{37829DAA-47B9-F67E-EF45-B05A6BA516D0}"/>
-              </a:ext>
-            </a:extLst>
-          </p:cNvPr>
+          <p:cNvPr id="4" name="Date Placeholder 3"/>
           <p:cNvSpPr>
             <a:spLocks noGrp="1"/>
           </p:cNvSpPr>
@@ -1497,7 +1677,7 @@
           <a:p>
             <a:fld id="{50B7AA29-206B-446B-82D7-C9E61C6AC57E}" type="datetimeFigureOut">
               <a:rPr lang="en-IN" smtClean="0"/>
-              <a:t>02-04-2024</a:t>
+              <a:t>12-04-2024</a:t>
             </a:fld>
             <a:endParaRPr lang="en-IN"/>
           </a:p>
@@ -1505,13 +1685,7 @@
       </p:sp>
       <p:sp>
         <p:nvSpPr>
-          <p:cNvPr id="5" name="Footer Placeholder 4">
-            <a:extLst>
-              <a:ext uri="{FF2B5EF4-FFF2-40B4-BE49-F238E27FC236}">
-                <a16:creationId xmlns:a16="http://schemas.microsoft.com/office/drawing/2014/main" id="{C8ECDB4F-9252-7E18-C3F0-3706C43956DC}"/>
-              </a:ext>
-            </a:extLst>
-          </p:cNvPr>
+          <p:cNvPr id="5" name="Footer Placeholder 4"/>
           <p:cNvSpPr>
             <a:spLocks noGrp="1"/>
           </p:cNvSpPr>
@@ -1530,13 +1704,7 @@
       </p:sp>
       <p:sp>
         <p:nvSpPr>
-          <p:cNvPr id="6" name="Slide Number Placeholder 5">
-            <a:extLst>
-              <a:ext uri="{FF2B5EF4-FFF2-40B4-BE49-F238E27FC236}">
-                <a16:creationId xmlns:a16="http://schemas.microsoft.com/office/drawing/2014/main" id="{B72F65E1-F5F8-82B4-33A8-E1BD1013739E}"/>
-              </a:ext>
-            </a:extLst>
-          </p:cNvPr>
+          <p:cNvPr id="6" name="Slide Number Placeholder 5"/>
           <p:cNvSpPr>
             <a:spLocks noGrp="1"/>
           </p:cNvSpPr>
@@ -1557,10 +1725,48 @@
           </a:p>
         </p:txBody>
       </p:sp>
+      <p:cxnSp>
+        <p:nvCxnSpPr>
+          <p:cNvPr id="9" name="Straight Connector 8"/>
+          <p:cNvCxnSpPr/>
+          <p:nvPr/>
+        </p:nvCxnSpPr>
+        <p:spPr>
+          <a:xfrm>
+            <a:off x="1207658" y="4343400"/>
+            <a:ext cx="9875520" cy="0"/>
+          </a:xfrm>
+          <a:prstGeom prst="line">
+            <a:avLst/>
+          </a:prstGeom>
+          <a:ln w="6350">
+            <a:solidFill>
+              <a:schemeClr val="tx1">
+                <a:lumMod val="50000"/>
+                <a:lumOff val="50000"/>
+              </a:schemeClr>
+            </a:solidFill>
+          </a:ln>
+        </p:spPr>
+        <p:style>
+          <a:lnRef idx="1">
+            <a:schemeClr val="accent1"/>
+          </a:lnRef>
+          <a:fillRef idx="0">
+            <a:schemeClr val="accent1"/>
+          </a:fillRef>
+          <a:effectRef idx="0">
+            <a:schemeClr val="accent1"/>
+          </a:effectRef>
+          <a:fontRef idx="minor">
+            <a:schemeClr val="tx1"/>
+          </a:fontRef>
+        </p:style>
+      </p:cxnSp>
     </p:spTree>
     <p:extLst>
       <p:ext uri="{BB962C8B-B14F-4D97-AF65-F5344CB8AC3E}">
-        <p14:creationId xmlns:p14="http://schemas.microsoft.com/office/powerpoint/2010/main" val="2911382609"/>
+        <p14:creationId xmlns:p14="http://schemas.microsoft.com/office/powerpoint/2010/main" val="4222083517"/>
       </p:ext>
     </p:extLst>
   </p:cSld>
@@ -1589,13 +1795,7 @@
       </p:grpSpPr>
       <p:sp>
         <p:nvSpPr>
-          <p:cNvPr id="2" name="Title 1">
-            <a:extLst>
-              <a:ext uri="{FF2B5EF4-FFF2-40B4-BE49-F238E27FC236}">
-                <a16:creationId xmlns:a16="http://schemas.microsoft.com/office/drawing/2014/main" id="{5798896A-4EFD-7BEA-1CAC-7F48FE121D94}"/>
-              </a:ext>
-            </a:extLst>
-          </p:cNvPr>
+          <p:cNvPr id="8" name="Title 7"/>
           <p:cNvSpPr>
             <a:spLocks noGrp="1"/>
           </p:cNvSpPr>
@@ -1603,7 +1803,12 @@
             <p:ph type="title"/>
           </p:nvPr>
         </p:nvSpPr>
-        <p:spPr/>
+        <p:spPr>
+          <a:xfrm>
+            <a:off x="1097280" y="286603"/>
+            <a:ext cx="10058400" cy="1450757"/>
+          </a:xfrm>
+        </p:spPr>
         <p:txBody>
           <a:bodyPr/>
           <a:lstStyle/>
@@ -1612,19 +1817,13 @@
               <a:rPr lang="en-US"/>
               <a:t>Click to edit Master title style</a:t>
             </a:r>
-            <a:endParaRPr lang="en-IN"/>
-          </a:p>
-        </p:txBody>
-      </p:sp>
-      <p:sp>
-        <p:nvSpPr>
-          <p:cNvPr id="3" name="Content Placeholder 2">
-            <a:extLst>
-              <a:ext uri="{FF2B5EF4-FFF2-40B4-BE49-F238E27FC236}">
-                <a16:creationId xmlns:a16="http://schemas.microsoft.com/office/drawing/2014/main" id="{E7423740-E379-E5E9-3682-23398DEFF516}"/>
-              </a:ext>
-            </a:extLst>
-          </p:cNvPr>
+            <a:endParaRPr lang="en-US" dirty="0"/>
+          </a:p>
+        </p:txBody>
+      </p:sp>
+      <p:sp>
+        <p:nvSpPr>
+          <p:cNvPr id="3" name="Content Placeholder 2"/>
           <p:cNvSpPr>
             <a:spLocks noGrp="1"/>
           </p:cNvSpPr>
@@ -1634,8 +1833,8 @@
         </p:nvSpPr>
         <p:spPr>
           <a:xfrm>
-            <a:off x="838200" y="1825625"/>
-            <a:ext cx="5181600" cy="4351338"/>
+            <a:off x="1097279" y="1845734"/>
+            <a:ext cx="4937760" cy="4023360"/>
           </a:xfrm>
         </p:spPr>
         <p:txBody>
@@ -1675,19 +1874,13 @@
               <a:rPr lang="en-US"/>
               <a:t>Fifth level</a:t>
             </a:r>
-            <a:endParaRPr lang="en-IN"/>
-          </a:p>
-        </p:txBody>
-      </p:sp>
-      <p:sp>
-        <p:nvSpPr>
-          <p:cNvPr id="4" name="Content Placeholder 3">
-            <a:extLst>
-              <a:ext uri="{FF2B5EF4-FFF2-40B4-BE49-F238E27FC236}">
-                <a16:creationId xmlns:a16="http://schemas.microsoft.com/office/drawing/2014/main" id="{3BFD4CF2-2F77-4CEC-EC28-A67709957B41}"/>
-              </a:ext>
-            </a:extLst>
-          </p:cNvPr>
+            <a:endParaRPr lang="en-US" dirty="0"/>
+          </a:p>
+        </p:txBody>
+      </p:sp>
+      <p:sp>
+        <p:nvSpPr>
+          <p:cNvPr id="4" name="Content Placeholder 3"/>
           <p:cNvSpPr>
             <a:spLocks noGrp="1"/>
           </p:cNvSpPr>
@@ -1697,8 +1890,8 @@
         </p:nvSpPr>
         <p:spPr>
           <a:xfrm>
-            <a:off x="6172200" y="1825625"/>
-            <a:ext cx="5181600" cy="4351338"/>
+            <a:off x="6217920" y="1845735"/>
+            <a:ext cx="4937760" cy="4023360"/>
           </a:xfrm>
         </p:spPr>
         <p:txBody>
@@ -1738,19 +1931,13 @@
               <a:rPr lang="en-US"/>
               <a:t>Fifth level</a:t>
             </a:r>
-            <a:endParaRPr lang="en-IN"/>
-          </a:p>
-        </p:txBody>
-      </p:sp>
-      <p:sp>
-        <p:nvSpPr>
-          <p:cNvPr id="5" name="Date Placeholder 4">
-            <a:extLst>
-              <a:ext uri="{FF2B5EF4-FFF2-40B4-BE49-F238E27FC236}">
-                <a16:creationId xmlns:a16="http://schemas.microsoft.com/office/drawing/2014/main" id="{8A50BA92-5487-9ED9-EDEF-5E3CEDCC0CD7}"/>
-              </a:ext>
-            </a:extLst>
-          </p:cNvPr>
+            <a:endParaRPr lang="en-US" dirty="0"/>
+          </a:p>
+        </p:txBody>
+      </p:sp>
+      <p:sp>
+        <p:nvSpPr>
+          <p:cNvPr id="5" name="Date Placeholder 4"/>
           <p:cNvSpPr>
             <a:spLocks noGrp="1"/>
           </p:cNvSpPr>
@@ -1765,7 +1952,7 @@
           <a:p>
             <a:fld id="{50B7AA29-206B-446B-82D7-C9E61C6AC57E}" type="datetimeFigureOut">
               <a:rPr lang="en-IN" smtClean="0"/>
-              <a:t>02-04-2024</a:t>
+              <a:t>12-04-2024</a:t>
             </a:fld>
             <a:endParaRPr lang="en-IN"/>
           </a:p>
@@ -1773,13 +1960,7 @@
       </p:sp>
       <p:sp>
         <p:nvSpPr>
-          <p:cNvPr id="6" name="Footer Placeholder 5">
-            <a:extLst>
-              <a:ext uri="{FF2B5EF4-FFF2-40B4-BE49-F238E27FC236}">
-                <a16:creationId xmlns:a16="http://schemas.microsoft.com/office/drawing/2014/main" id="{C15D1FD0-6D7A-C9B2-76ED-AA9B510901CB}"/>
-              </a:ext>
-            </a:extLst>
-          </p:cNvPr>
+          <p:cNvPr id="6" name="Footer Placeholder 5"/>
           <p:cNvSpPr>
             <a:spLocks noGrp="1"/>
           </p:cNvSpPr>
@@ -1798,13 +1979,7 @@
       </p:sp>
       <p:sp>
         <p:nvSpPr>
-          <p:cNvPr id="7" name="Slide Number Placeholder 6">
-            <a:extLst>
-              <a:ext uri="{FF2B5EF4-FFF2-40B4-BE49-F238E27FC236}">
-                <a16:creationId xmlns:a16="http://schemas.microsoft.com/office/drawing/2014/main" id="{63ECC2DA-2D2D-9A90-5B56-E35CFDCA8BDC}"/>
-              </a:ext>
-            </a:extLst>
-          </p:cNvPr>
+          <p:cNvPr id="7" name="Slide Number Placeholder 6"/>
           <p:cNvSpPr>
             <a:spLocks noGrp="1"/>
           </p:cNvSpPr>
@@ -1828,7 +2003,7 @@
     </p:spTree>
     <p:extLst>
       <p:ext uri="{BB962C8B-B14F-4D97-AF65-F5344CB8AC3E}">
-        <p14:creationId xmlns:p14="http://schemas.microsoft.com/office/powerpoint/2010/main" val="1981454718"/>
+        <p14:creationId xmlns:p14="http://schemas.microsoft.com/office/powerpoint/2010/main" val="29032083"/>
       </p:ext>
     </p:extLst>
   </p:cSld>
@@ -1857,13 +2032,7 @@
       </p:grpSpPr>
       <p:sp>
         <p:nvSpPr>
-          <p:cNvPr id="2" name="Title 1">
-            <a:extLst>
-              <a:ext uri="{FF2B5EF4-FFF2-40B4-BE49-F238E27FC236}">
-                <a16:creationId xmlns:a16="http://schemas.microsoft.com/office/drawing/2014/main" id="{8E6E5E52-6033-37A8-01E5-C30F9A272153}"/>
-              </a:ext>
-            </a:extLst>
-          </p:cNvPr>
+          <p:cNvPr id="10" name="Title 9"/>
           <p:cNvSpPr>
             <a:spLocks noGrp="1"/>
           </p:cNvSpPr>
@@ -1873,8 +2042,8 @@
         </p:nvSpPr>
         <p:spPr>
           <a:xfrm>
-            <a:off x="839788" y="365125"/>
-            <a:ext cx="10515600" cy="1325563"/>
+            <a:off x="1097280" y="286603"/>
+            <a:ext cx="10058400" cy="1450757"/>
           </a:xfrm>
         </p:spPr>
         <p:txBody>
@@ -1885,19 +2054,13 @@
               <a:rPr lang="en-US"/>
               <a:t>Click to edit Master title style</a:t>
             </a:r>
-            <a:endParaRPr lang="en-IN"/>
-          </a:p>
-        </p:txBody>
-      </p:sp>
-      <p:sp>
-        <p:nvSpPr>
-          <p:cNvPr id="3" name="Text Placeholder 2">
-            <a:extLst>
-              <a:ext uri="{FF2B5EF4-FFF2-40B4-BE49-F238E27FC236}">
-                <a16:creationId xmlns:a16="http://schemas.microsoft.com/office/drawing/2014/main" id="{959DBD7E-A9A6-0576-16E9-565CAB099916}"/>
-              </a:ext>
-            </a:extLst>
-          </p:cNvPr>
+            <a:endParaRPr lang="en-US" dirty="0"/>
+          </a:p>
+        </p:txBody>
+      </p:sp>
+      <p:sp>
+        <p:nvSpPr>
+          <p:cNvPr id="3" name="Text Placeholder 2"/>
           <p:cNvSpPr>
             <a:spLocks noGrp="1"/>
           </p:cNvSpPr>
@@ -1907,16 +2070,22 @@
         </p:nvSpPr>
         <p:spPr>
           <a:xfrm>
-            <a:off x="839788" y="1681163"/>
-            <a:ext cx="5157787" cy="823912"/>
-          </a:xfrm>
-        </p:spPr>
-        <p:txBody>
-          <a:bodyPr anchor="b"/>
+            <a:off x="1097280" y="1846052"/>
+            <a:ext cx="4937760" cy="736282"/>
+          </a:xfrm>
+        </p:spPr>
+        <p:txBody>
+          <a:bodyPr lIns="91440" rIns="91440" anchor="ctr">
+            <a:normAutofit/>
+          </a:bodyPr>
           <a:lstStyle>
             <a:lvl1pPr marL="0" indent="0">
               <a:buNone/>
-              <a:defRPr sz="2400" b="1"/>
+              <a:defRPr sz="2000" b="0" cap="all" baseline="0">
+                <a:solidFill>
+                  <a:schemeClr val="tx2"/>
+                </a:solidFill>
+              </a:defRPr>
             </a:lvl1pPr>
             <a:lvl2pPr marL="457200" indent="0">
               <a:buNone/>
@@ -1962,13 +2131,7 @@
       </p:sp>
       <p:sp>
         <p:nvSpPr>
-          <p:cNvPr id="4" name="Content Placeholder 3">
-            <a:extLst>
-              <a:ext uri="{FF2B5EF4-FFF2-40B4-BE49-F238E27FC236}">
-                <a16:creationId xmlns:a16="http://schemas.microsoft.com/office/drawing/2014/main" id="{407C4211-E703-0630-AD0C-149CD3E7F37C}"/>
-              </a:ext>
-            </a:extLst>
-          </p:cNvPr>
+          <p:cNvPr id="4" name="Content Placeholder 3"/>
           <p:cNvSpPr>
             <a:spLocks noGrp="1"/>
           </p:cNvSpPr>
@@ -1978,8 +2141,8 @@
         </p:nvSpPr>
         <p:spPr>
           <a:xfrm>
-            <a:off x="839788" y="2505075"/>
-            <a:ext cx="5157787" cy="3684588"/>
+            <a:off x="1097280" y="2582334"/>
+            <a:ext cx="4937760" cy="3378200"/>
           </a:xfrm>
         </p:spPr>
         <p:txBody>
@@ -2019,19 +2182,13 @@
               <a:rPr lang="en-US"/>
               <a:t>Fifth level</a:t>
             </a:r>
-            <a:endParaRPr lang="en-IN"/>
-          </a:p>
-        </p:txBody>
-      </p:sp>
-      <p:sp>
-        <p:nvSpPr>
-          <p:cNvPr id="5" name="Text Placeholder 4">
-            <a:extLst>
-              <a:ext uri="{FF2B5EF4-FFF2-40B4-BE49-F238E27FC236}">
-                <a16:creationId xmlns:a16="http://schemas.microsoft.com/office/drawing/2014/main" id="{BDC4DDF9-5E8F-479C-D22E-C297DCD28A5E}"/>
-              </a:ext>
-            </a:extLst>
-          </p:cNvPr>
+            <a:endParaRPr lang="en-US" dirty="0"/>
+          </a:p>
+        </p:txBody>
+      </p:sp>
+      <p:sp>
+        <p:nvSpPr>
+          <p:cNvPr id="5" name="Text Placeholder 4"/>
           <p:cNvSpPr>
             <a:spLocks noGrp="1"/>
           </p:cNvSpPr>
@@ -2041,16 +2198,22 @@
         </p:nvSpPr>
         <p:spPr>
           <a:xfrm>
-            <a:off x="6172200" y="1681163"/>
-            <a:ext cx="5183188" cy="823912"/>
-          </a:xfrm>
-        </p:spPr>
-        <p:txBody>
-          <a:bodyPr anchor="b"/>
+            <a:off x="6217920" y="1846052"/>
+            <a:ext cx="4937760" cy="736282"/>
+          </a:xfrm>
+        </p:spPr>
+        <p:txBody>
+          <a:bodyPr lIns="91440" rIns="91440" anchor="ctr">
+            <a:normAutofit/>
+          </a:bodyPr>
           <a:lstStyle>
             <a:lvl1pPr marL="0" indent="0">
               <a:buNone/>
-              <a:defRPr sz="2400" b="1"/>
+              <a:defRPr sz="2000" b="0" cap="all" baseline="0">
+                <a:solidFill>
+                  <a:schemeClr val="tx2"/>
+                </a:solidFill>
+              </a:defRPr>
             </a:lvl1pPr>
             <a:lvl2pPr marL="457200" indent="0">
               <a:buNone/>
@@ -2096,13 +2259,7 @@
       </p:sp>
       <p:sp>
         <p:nvSpPr>
-          <p:cNvPr id="6" name="Content Placeholder 5">
-            <a:extLst>
-              <a:ext uri="{FF2B5EF4-FFF2-40B4-BE49-F238E27FC236}">
-                <a16:creationId xmlns:a16="http://schemas.microsoft.com/office/drawing/2014/main" id="{463405E6-B8BC-1550-22AC-829D2D32D108}"/>
-              </a:ext>
-            </a:extLst>
-          </p:cNvPr>
+          <p:cNvPr id="6" name="Content Placeholder 5"/>
           <p:cNvSpPr>
             <a:spLocks noGrp="1"/>
           </p:cNvSpPr>
@@ -2112,8 +2269,8 @@
         </p:nvSpPr>
         <p:spPr>
           <a:xfrm>
-            <a:off x="6172200" y="2505075"/>
-            <a:ext cx="5183188" cy="3684588"/>
+            <a:off x="6217920" y="2582334"/>
+            <a:ext cx="4937760" cy="3378200"/>
           </a:xfrm>
         </p:spPr>
         <p:txBody>
@@ -2153,19 +2310,13 @@
               <a:rPr lang="en-US"/>
               <a:t>Fifth level</a:t>
             </a:r>
-            <a:endParaRPr lang="en-IN"/>
-          </a:p>
-        </p:txBody>
-      </p:sp>
-      <p:sp>
-        <p:nvSpPr>
-          <p:cNvPr id="7" name="Date Placeholder 6">
-            <a:extLst>
-              <a:ext uri="{FF2B5EF4-FFF2-40B4-BE49-F238E27FC236}">
-                <a16:creationId xmlns:a16="http://schemas.microsoft.com/office/drawing/2014/main" id="{A831C455-01C1-AE08-CB84-A707B03FA315}"/>
-              </a:ext>
-            </a:extLst>
-          </p:cNvPr>
+            <a:endParaRPr lang="en-US" dirty="0"/>
+          </a:p>
+        </p:txBody>
+      </p:sp>
+      <p:sp>
+        <p:nvSpPr>
+          <p:cNvPr id="7" name="Date Placeholder 6"/>
           <p:cNvSpPr>
             <a:spLocks noGrp="1"/>
           </p:cNvSpPr>
@@ -2180,7 +2331,7 @@
           <a:p>
             <a:fld id="{50B7AA29-206B-446B-82D7-C9E61C6AC57E}" type="datetimeFigureOut">
               <a:rPr lang="en-IN" smtClean="0"/>
-              <a:t>02-04-2024</a:t>
+              <a:t>12-04-2024</a:t>
             </a:fld>
             <a:endParaRPr lang="en-IN"/>
           </a:p>
@@ -2188,13 +2339,7 @@
       </p:sp>
       <p:sp>
         <p:nvSpPr>
-          <p:cNvPr id="8" name="Footer Placeholder 7">
-            <a:extLst>
-              <a:ext uri="{FF2B5EF4-FFF2-40B4-BE49-F238E27FC236}">
-                <a16:creationId xmlns:a16="http://schemas.microsoft.com/office/drawing/2014/main" id="{910C532C-54A2-0E44-CA36-CBB0DB34B3F8}"/>
-              </a:ext>
-            </a:extLst>
-          </p:cNvPr>
+          <p:cNvPr id="8" name="Footer Placeholder 7"/>
           <p:cNvSpPr>
             <a:spLocks noGrp="1"/>
           </p:cNvSpPr>
@@ -2213,13 +2358,7 @@
       </p:sp>
       <p:sp>
         <p:nvSpPr>
-          <p:cNvPr id="9" name="Slide Number Placeholder 8">
-            <a:extLst>
-              <a:ext uri="{FF2B5EF4-FFF2-40B4-BE49-F238E27FC236}">
-                <a16:creationId xmlns:a16="http://schemas.microsoft.com/office/drawing/2014/main" id="{29347478-838A-241B-A9AB-5255F069A2D3}"/>
-              </a:ext>
-            </a:extLst>
-          </p:cNvPr>
+          <p:cNvPr id="9" name="Slide Number Placeholder 8"/>
           <p:cNvSpPr>
             <a:spLocks noGrp="1"/>
           </p:cNvSpPr>
@@ -2243,7 +2382,7 @@
     </p:spTree>
     <p:extLst>
       <p:ext uri="{BB962C8B-B14F-4D97-AF65-F5344CB8AC3E}">
-        <p14:creationId xmlns:p14="http://schemas.microsoft.com/office/powerpoint/2010/main" val="3586484015"/>
+        <p14:creationId xmlns:p14="http://schemas.microsoft.com/office/powerpoint/2010/main" val="967230626"/>
       </p:ext>
     </p:extLst>
   </p:cSld>
@@ -2272,13 +2411,7 @@
       </p:grpSpPr>
       <p:sp>
         <p:nvSpPr>
-          <p:cNvPr id="2" name="Title 1">
-            <a:extLst>
-              <a:ext uri="{FF2B5EF4-FFF2-40B4-BE49-F238E27FC236}">
-                <a16:creationId xmlns:a16="http://schemas.microsoft.com/office/drawing/2014/main" id="{10175D31-65D2-27ED-6D78-45D1E6FBD43A}"/>
-              </a:ext>
-            </a:extLst>
-          </p:cNvPr>
+          <p:cNvPr id="2" name="Title 1"/>
           <p:cNvSpPr>
             <a:spLocks noGrp="1"/>
           </p:cNvSpPr>
@@ -2295,19 +2428,13 @@
               <a:rPr lang="en-US"/>
               <a:t>Click to edit Master title style</a:t>
             </a:r>
-            <a:endParaRPr lang="en-IN"/>
-          </a:p>
-        </p:txBody>
-      </p:sp>
-      <p:sp>
-        <p:nvSpPr>
-          <p:cNvPr id="3" name="Date Placeholder 2">
-            <a:extLst>
-              <a:ext uri="{FF2B5EF4-FFF2-40B4-BE49-F238E27FC236}">
-                <a16:creationId xmlns:a16="http://schemas.microsoft.com/office/drawing/2014/main" id="{6403DF49-79E3-6F23-179E-92CCC5C471A6}"/>
-              </a:ext>
-            </a:extLst>
-          </p:cNvPr>
+            <a:endParaRPr lang="en-US" dirty="0"/>
+          </a:p>
+        </p:txBody>
+      </p:sp>
+      <p:sp>
+        <p:nvSpPr>
+          <p:cNvPr id="3" name="Date Placeholder 2"/>
           <p:cNvSpPr>
             <a:spLocks noGrp="1"/>
           </p:cNvSpPr>
@@ -2322,7 +2449,7 @@
           <a:p>
             <a:fld id="{50B7AA29-206B-446B-82D7-C9E61C6AC57E}" type="datetimeFigureOut">
               <a:rPr lang="en-IN" smtClean="0"/>
-              <a:t>02-04-2024</a:t>
+              <a:t>12-04-2024</a:t>
             </a:fld>
             <a:endParaRPr lang="en-IN"/>
           </a:p>
@@ -2330,13 +2457,7 @@
       </p:sp>
       <p:sp>
         <p:nvSpPr>
-          <p:cNvPr id="4" name="Footer Placeholder 3">
-            <a:extLst>
-              <a:ext uri="{FF2B5EF4-FFF2-40B4-BE49-F238E27FC236}">
-                <a16:creationId xmlns:a16="http://schemas.microsoft.com/office/drawing/2014/main" id="{FB7B586A-B432-7CDD-3B79-979454A2F7E6}"/>
-              </a:ext>
-            </a:extLst>
-          </p:cNvPr>
+          <p:cNvPr id="4" name="Footer Placeholder 3"/>
           <p:cNvSpPr>
             <a:spLocks noGrp="1"/>
           </p:cNvSpPr>
@@ -2355,13 +2476,7 @@
       </p:sp>
       <p:sp>
         <p:nvSpPr>
-          <p:cNvPr id="5" name="Slide Number Placeholder 4">
-            <a:extLst>
-              <a:ext uri="{FF2B5EF4-FFF2-40B4-BE49-F238E27FC236}">
-                <a16:creationId xmlns:a16="http://schemas.microsoft.com/office/drawing/2014/main" id="{C8953594-0C85-207A-7952-64CA7A94A69D}"/>
-              </a:ext>
-            </a:extLst>
-          </p:cNvPr>
+          <p:cNvPr id="5" name="Slide Number Placeholder 4"/>
           <p:cNvSpPr>
             <a:spLocks noGrp="1"/>
           </p:cNvSpPr>
@@ -2385,7 +2500,7 @@
     </p:spTree>
     <p:extLst>
       <p:ext uri="{BB962C8B-B14F-4D97-AF65-F5344CB8AC3E}">
-        <p14:creationId xmlns:p14="http://schemas.microsoft.com/office/powerpoint/2010/main" val="2078012200"/>
+        <p14:creationId xmlns:p14="http://schemas.microsoft.com/office/powerpoint/2010/main" val="803651954"/>
       </p:ext>
     </p:extLst>
   </p:cSld>
@@ -2396,7 +2511,7 @@
 </file>
 
 <file path=ppt/slideLayouts/slideLayout7.xml><?xml version="1.0" encoding="utf-8"?>
-<p:sldLayout xmlns:a="http://schemas.openxmlformats.org/drawingml/2006/main" xmlns:r="http://schemas.openxmlformats.org/officeDocument/2006/relationships" xmlns:p="http://schemas.openxmlformats.org/presentationml/2006/main" type="blank" preserve="1">
+<p:sldLayout xmlns:a="http://schemas.openxmlformats.org/drawingml/2006/main" xmlns:r="http://schemas.openxmlformats.org/officeDocument/2006/relationships" xmlns:p="http://schemas.openxmlformats.org/presentationml/2006/main" showMasterSp="0" type="blank" preserve="1">
   <p:cSld name="Blank">
     <p:spTree>
       <p:nvGrpSpPr>
@@ -2414,13 +2529,83 @@
       </p:grpSpPr>
       <p:sp>
         <p:nvSpPr>
-          <p:cNvPr id="2" name="Date Placeholder 1">
-            <a:extLst>
-              <a:ext uri="{FF2B5EF4-FFF2-40B4-BE49-F238E27FC236}">
-                <a16:creationId xmlns:a16="http://schemas.microsoft.com/office/drawing/2014/main" id="{FC6FDA48-4005-605A-C8D2-58C44BE0E5E8}"/>
-              </a:ext>
-            </a:extLst>
-          </p:cNvPr>
+          <p:cNvPr id="5" name="Rectangle 4"/>
+          <p:cNvSpPr/>
+          <p:nvPr/>
+        </p:nvSpPr>
+        <p:spPr>
+          <a:xfrm>
+            <a:off x="3175" y="6400800"/>
+            <a:ext cx="12188825" cy="457200"/>
+          </a:xfrm>
+          <a:prstGeom prst="rect">
+            <a:avLst/>
+          </a:prstGeom>
+          <a:solidFill>
+            <a:schemeClr val="accent2"/>
+          </a:solidFill>
+          <a:ln>
+            <a:noFill/>
+          </a:ln>
+        </p:spPr>
+        <p:style>
+          <a:lnRef idx="2">
+            <a:schemeClr val="accent1">
+              <a:shade val="50000"/>
+            </a:schemeClr>
+          </a:lnRef>
+          <a:fillRef idx="1">
+            <a:schemeClr val="accent1"/>
+          </a:fillRef>
+          <a:effectRef idx="0">
+            <a:schemeClr val="accent1"/>
+          </a:effectRef>
+          <a:fontRef idx="minor">
+            <a:schemeClr val="lt1"/>
+          </a:fontRef>
+        </p:style>
+      </p:sp>
+      <p:sp>
+        <p:nvSpPr>
+          <p:cNvPr id="6" name="Rectangle 5"/>
+          <p:cNvSpPr/>
+          <p:nvPr/>
+        </p:nvSpPr>
+        <p:spPr>
+          <a:xfrm>
+            <a:off x="15" y="6334316"/>
+            <a:ext cx="12188825" cy="64008"/>
+          </a:xfrm>
+          <a:prstGeom prst="rect">
+            <a:avLst/>
+          </a:prstGeom>
+          <a:solidFill>
+            <a:schemeClr val="accent1"/>
+          </a:solidFill>
+          <a:ln>
+            <a:noFill/>
+          </a:ln>
+        </p:spPr>
+        <p:style>
+          <a:lnRef idx="2">
+            <a:schemeClr val="accent1">
+              <a:shade val="50000"/>
+            </a:schemeClr>
+          </a:lnRef>
+          <a:fillRef idx="1">
+            <a:schemeClr val="accent1"/>
+          </a:fillRef>
+          <a:effectRef idx="0">
+            <a:schemeClr val="accent1"/>
+          </a:effectRef>
+          <a:fontRef idx="minor">
+            <a:schemeClr val="lt1"/>
+          </a:fontRef>
+        </p:style>
+      </p:sp>
+      <p:sp>
+        <p:nvSpPr>
+          <p:cNvPr id="7" name="Date Placeholder 6"/>
           <p:cNvSpPr>
             <a:spLocks noGrp="1"/>
           </p:cNvSpPr>
@@ -2435,7 +2620,7 @@
           <a:p>
             <a:fld id="{50B7AA29-206B-446B-82D7-C9E61C6AC57E}" type="datetimeFigureOut">
               <a:rPr lang="en-IN" smtClean="0"/>
-              <a:t>02-04-2024</a:t>
+              <a:t>12-04-2024</a:t>
             </a:fld>
             <a:endParaRPr lang="en-IN"/>
           </a:p>
@@ -2443,13 +2628,7 @@
       </p:sp>
       <p:sp>
         <p:nvSpPr>
-          <p:cNvPr id="3" name="Footer Placeholder 2">
-            <a:extLst>
-              <a:ext uri="{FF2B5EF4-FFF2-40B4-BE49-F238E27FC236}">
-                <a16:creationId xmlns:a16="http://schemas.microsoft.com/office/drawing/2014/main" id="{B1BE4592-E06D-982D-D42F-9FE0ADE7B7A2}"/>
-              </a:ext>
-            </a:extLst>
-          </p:cNvPr>
+          <p:cNvPr id="8" name="Footer Placeholder 7"/>
           <p:cNvSpPr>
             <a:spLocks noGrp="1"/>
           </p:cNvSpPr>
@@ -2460,7 +2639,15 @@
         <p:spPr/>
         <p:txBody>
           <a:bodyPr/>
-          <a:lstStyle/>
+          <a:lstStyle>
+            <a:lvl1pPr>
+              <a:defRPr>
+                <a:solidFill>
+                  <a:srgbClr val="FFFFFF"/>
+                </a:solidFill>
+              </a:defRPr>
+            </a:lvl1pPr>
+          </a:lstStyle>
           <a:p>
             <a:endParaRPr lang="en-IN"/>
           </a:p>
@@ -2468,13 +2655,7 @@
       </p:sp>
       <p:sp>
         <p:nvSpPr>
-          <p:cNvPr id="4" name="Slide Number Placeholder 3">
-            <a:extLst>
-              <a:ext uri="{FF2B5EF4-FFF2-40B4-BE49-F238E27FC236}">
-                <a16:creationId xmlns:a16="http://schemas.microsoft.com/office/drawing/2014/main" id="{CB90A595-D016-A5B8-D5B5-DCC39221E185}"/>
-              </a:ext>
-            </a:extLst>
-          </p:cNvPr>
+          <p:cNvPr id="9" name="Slide Number Placeholder 8"/>
           <p:cNvSpPr>
             <a:spLocks noGrp="1"/>
           </p:cNvSpPr>
@@ -2498,7 +2679,7 @@
     </p:spTree>
     <p:extLst>
       <p:ext uri="{BB962C8B-B14F-4D97-AF65-F5344CB8AC3E}">
-        <p14:creationId xmlns:p14="http://schemas.microsoft.com/office/powerpoint/2010/main" val="1255633561"/>
+        <p14:creationId xmlns:p14="http://schemas.microsoft.com/office/powerpoint/2010/main" val="2603466846"/>
       </p:ext>
     </p:extLst>
   </p:cSld>
@@ -2509,7 +2690,7 @@
 </file>
 
 <file path=ppt/slideLayouts/slideLayout8.xml><?xml version="1.0" encoding="utf-8"?>
-<p:sldLayout xmlns:a="http://schemas.openxmlformats.org/drawingml/2006/main" xmlns:r="http://schemas.openxmlformats.org/officeDocument/2006/relationships" xmlns:p="http://schemas.openxmlformats.org/presentationml/2006/main" type="objTx" preserve="1">
+<p:sldLayout xmlns:a="http://schemas.openxmlformats.org/drawingml/2006/main" xmlns:r="http://schemas.openxmlformats.org/officeDocument/2006/relationships" xmlns:p="http://schemas.openxmlformats.org/presentationml/2006/main" showMasterSp="0" type="objTx" preserve="1">
   <p:cSld name="Content with Caption">
     <p:spTree>
       <p:nvGrpSpPr>
@@ -2527,13 +2708,83 @@
       </p:grpSpPr>
       <p:sp>
         <p:nvSpPr>
-          <p:cNvPr id="2" name="Title 1">
-            <a:extLst>
-              <a:ext uri="{FF2B5EF4-FFF2-40B4-BE49-F238E27FC236}">
-                <a16:creationId xmlns:a16="http://schemas.microsoft.com/office/drawing/2014/main" id="{7B52947B-7EB6-D531-782E-2296A9683AEC}"/>
-              </a:ext>
-            </a:extLst>
-          </p:cNvPr>
+          <p:cNvPr id="8" name="Rectangle 7"/>
+          <p:cNvSpPr/>
+          <p:nvPr/>
+        </p:nvSpPr>
+        <p:spPr>
+          <a:xfrm>
+            <a:off x="16" y="0"/>
+            <a:ext cx="4050791" cy="6858000"/>
+          </a:xfrm>
+          <a:prstGeom prst="rect">
+            <a:avLst/>
+          </a:prstGeom>
+          <a:solidFill>
+            <a:schemeClr val="accent2"/>
+          </a:solidFill>
+          <a:ln>
+            <a:noFill/>
+          </a:ln>
+        </p:spPr>
+        <p:style>
+          <a:lnRef idx="2">
+            <a:schemeClr val="accent1">
+              <a:shade val="50000"/>
+            </a:schemeClr>
+          </a:lnRef>
+          <a:fillRef idx="1">
+            <a:schemeClr val="accent1"/>
+          </a:fillRef>
+          <a:effectRef idx="0">
+            <a:schemeClr val="accent1"/>
+          </a:effectRef>
+          <a:fontRef idx="minor">
+            <a:schemeClr val="lt1"/>
+          </a:fontRef>
+        </p:style>
+      </p:sp>
+      <p:sp>
+        <p:nvSpPr>
+          <p:cNvPr id="9" name="Rectangle 8"/>
+          <p:cNvSpPr/>
+          <p:nvPr/>
+        </p:nvSpPr>
+        <p:spPr>
+          <a:xfrm>
+            <a:off x="4040071" y="0"/>
+            <a:ext cx="64008" cy="6858000"/>
+          </a:xfrm>
+          <a:prstGeom prst="rect">
+            <a:avLst/>
+          </a:prstGeom>
+          <a:solidFill>
+            <a:schemeClr val="accent1"/>
+          </a:solidFill>
+          <a:ln>
+            <a:noFill/>
+          </a:ln>
+        </p:spPr>
+        <p:style>
+          <a:lnRef idx="2">
+            <a:schemeClr val="accent1">
+              <a:shade val="50000"/>
+            </a:schemeClr>
+          </a:lnRef>
+          <a:fillRef idx="1">
+            <a:schemeClr val="accent1"/>
+          </a:fillRef>
+          <a:effectRef idx="0">
+            <a:schemeClr val="accent1"/>
+          </a:effectRef>
+          <a:fontRef idx="minor">
+            <a:schemeClr val="lt1"/>
+          </a:fontRef>
+        </p:style>
+      </p:sp>
+      <p:sp>
+        <p:nvSpPr>
+          <p:cNvPr id="2" name="Title 1"/>
           <p:cNvSpPr>
             <a:spLocks noGrp="1"/>
           </p:cNvSpPr>
@@ -2543,15 +2794,21 @@
         </p:nvSpPr>
         <p:spPr>
           <a:xfrm>
-            <a:off x="839788" y="457200"/>
-            <a:ext cx="3932237" cy="1600200"/>
-          </a:xfrm>
-        </p:spPr>
-        <p:txBody>
-          <a:bodyPr anchor="b"/>
+            <a:off x="457200" y="594359"/>
+            <a:ext cx="3200400" cy="2286000"/>
+          </a:xfrm>
+        </p:spPr>
+        <p:txBody>
+          <a:bodyPr anchor="b">
+            <a:normAutofit/>
+          </a:bodyPr>
           <a:lstStyle>
             <a:lvl1pPr>
-              <a:defRPr sz="3200"/>
+              <a:defRPr sz="3600" b="0">
+                <a:solidFill>
+                  <a:srgbClr val="FFFFFF"/>
+                </a:solidFill>
+              </a:defRPr>
             </a:lvl1pPr>
           </a:lstStyle>
           <a:p>
@@ -2559,19 +2816,13 @@
               <a:rPr lang="en-US"/>
               <a:t>Click to edit Master title style</a:t>
             </a:r>
-            <a:endParaRPr lang="en-IN"/>
-          </a:p>
-        </p:txBody>
-      </p:sp>
-      <p:sp>
-        <p:nvSpPr>
-          <p:cNvPr id="3" name="Content Placeholder 2">
-            <a:extLst>
-              <a:ext uri="{FF2B5EF4-FFF2-40B4-BE49-F238E27FC236}">
-                <a16:creationId xmlns:a16="http://schemas.microsoft.com/office/drawing/2014/main" id="{51842BB9-C23C-07C5-5920-8DAEE6E73704}"/>
-              </a:ext>
-            </a:extLst>
-          </p:cNvPr>
+            <a:endParaRPr lang="en-US" dirty="0"/>
+          </a:p>
+        </p:txBody>
+      </p:sp>
+      <p:sp>
+        <p:nvSpPr>
+          <p:cNvPr id="3" name="Content Placeholder 2"/>
           <p:cNvSpPr>
             <a:spLocks noGrp="1"/>
           </p:cNvSpPr>
@@ -2581,41 +2832,13 @@
         </p:nvSpPr>
         <p:spPr>
           <a:xfrm>
-            <a:off x="5183188" y="987425"/>
-            <a:ext cx="6172200" cy="4873625"/>
+            <a:off x="4800600" y="731520"/>
+            <a:ext cx="6492240" cy="5257800"/>
           </a:xfrm>
         </p:spPr>
         <p:txBody>
           <a:bodyPr/>
-          <a:lstStyle>
-            <a:lvl1pPr>
-              <a:defRPr sz="3200"/>
-            </a:lvl1pPr>
-            <a:lvl2pPr>
-              <a:defRPr sz="2800"/>
-            </a:lvl2pPr>
-            <a:lvl3pPr>
-              <a:defRPr sz="2400"/>
-            </a:lvl3pPr>
-            <a:lvl4pPr>
-              <a:defRPr sz="2000"/>
-            </a:lvl4pPr>
-            <a:lvl5pPr>
-              <a:defRPr sz="2000"/>
-            </a:lvl5pPr>
-            <a:lvl6pPr>
-              <a:defRPr sz="2000"/>
-            </a:lvl6pPr>
-            <a:lvl7pPr>
-              <a:defRPr sz="2000"/>
-            </a:lvl7pPr>
-            <a:lvl8pPr>
-              <a:defRPr sz="2000"/>
-            </a:lvl8pPr>
-            <a:lvl9pPr>
-              <a:defRPr sz="2000"/>
-            </a:lvl9pPr>
-          </a:lstStyle>
+          <a:lstStyle/>
           <a:p>
             <a:pPr lvl="0"/>
             <a:r>
@@ -2650,19 +2873,13 @@
               <a:rPr lang="en-US"/>
               <a:t>Fifth level</a:t>
             </a:r>
-            <a:endParaRPr lang="en-IN"/>
-          </a:p>
-        </p:txBody>
-      </p:sp>
-      <p:sp>
-        <p:nvSpPr>
-          <p:cNvPr id="4" name="Text Placeholder 3">
-            <a:extLst>
-              <a:ext uri="{FF2B5EF4-FFF2-40B4-BE49-F238E27FC236}">
-                <a16:creationId xmlns:a16="http://schemas.microsoft.com/office/drawing/2014/main" id="{0A7571A5-300D-2AA5-C510-AD583BF01E6A}"/>
-              </a:ext>
-            </a:extLst>
-          </p:cNvPr>
+            <a:endParaRPr lang="en-US" dirty="0"/>
+          </a:p>
+        </p:txBody>
+      </p:sp>
+      <p:sp>
+        <p:nvSpPr>
+          <p:cNvPr id="4" name="Text Placeholder 3"/>
           <p:cNvSpPr>
             <a:spLocks noGrp="1"/>
           </p:cNvSpPr>
@@ -2672,48 +2889,54 @@
         </p:nvSpPr>
         <p:spPr>
           <a:xfrm>
-            <a:off x="839788" y="2057400"/>
-            <a:ext cx="3932237" cy="3811588"/>
-          </a:xfrm>
-        </p:spPr>
-        <p:txBody>
-          <a:bodyPr/>
+            <a:off x="457200" y="2926080"/>
+            <a:ext cx="3200400" cy="3379124"/>
+          </a:xfrm>
+        </p:spPr>
+        <p:txBody>
+          <a:bodyPr lIns="91440" rIns="91440">
+            <a:normAutofit/>
+          </a:bodyPr>
           <a:lstStyle>
             <a:lvl1pPr marL="0" indent="0">
               <a:buNone/>
-              <a:defRPr sz="1600"/>
+              <a:defRPr sz="1500">
+                <a:solidFill>
+                  <a:srgbClr val="FFFFFF"/>
+                </a:solidFill>
+              </a:defRPr>
             </a:lvl1pPr>
             <a:lvl2pPr marL="457200" indent="0">
               <a:buNone/>
-              <a:defRPr sz="1400"/>
+              <a:defRPr sz="1200"/>
             </a:lvl2pPr>
             <a:lvl3pPr marL="914400" indent="0">
               <a:buNone/>
-              <a:defRPr sz="1200"/>
+              <a:defRPr sz="1000"/>
             </a:lvl3pPr>
             <a:lvl4pPr marL="1371600" indent="0">
               <a:buNone/>
-              <a:defRPr sz="1000"/>
+              <a:defRPr sz="900"/>
             </a:lvl4pPr>
             <a:lvl5pPr marL="1828800" indent="0">
               <a:buNone/>
-              <a:defRPr sz="1000"/>
+              <a:defRPr sz="900"/>
             </a:lvl5pPr>
             <a:lvl6pPr marL="2286000" indent="0">
               <a:buNone/>
-              <a:defRPr sz="1000"/>
+              <a:defRPr sz="900"/>
             </a:lvl6pPr>
             <a:lvl7pPr marL="2743200" indent="0">
               <a:buNone/>
-              <a:defRPr sz="1000"/>
+              <a:defRPr sz="900"/>
             </a:lvl7pPr>
             <a:lvl8pPr marL="3200400" indent="0">
               <a:buNone/>
-              <a:defRPr sz="1000"/>
+              <a:defRPr sz="900"/>
             </a:lvl8pPr>
             <a:lvl9pPr marL="3657600" indent="0">
               <a:buNone/>
-              <a:defRPr sz="1000"/>
+              <a:defRPr sz="900"/>
             </a:lvl9pPr>
           </a:lstStyle>
           <a:p>
@@ -2727,13 +2950,7 @@
       </p:sp>
       <p:sp>
         <p:nvSpPr>
-          <p:cNvPr id="5" name="Date Placeholder 4">
-            <a:extLst>
-              <a:ext uri="{FF2B5EF4-FFF2-40B4-BE49-F238E27FC236}">
-                <a16:creationId xmlns:a16="http://schemas.microsoft.com/office/drawing/2014/main" id="{0B168F9C-69BE-3241-330E-59F8B0473D50}"/>
-              </a:ext>
-            </a:extLst>
-          </p:cNvPr>
+          <p:cNvPr id="5" name="Date Placeholder 4"/>
           <p:cNvSpPr>
             <a:spLocks noGrp="1"/>
           </p:cNvSpPr>
@@ -2741,14 +2958,23 @@
             <p:ph type="dt" sz="half" idx="10"/>
           </p:nvPr>
         </p:nvSpPr>
-        <p:spPr/>
+        <p:spPr>
+          <a:xfrm>
+            <a:off x="465512" y="6459785"/>
+            <a:ext cx="2618510" cy="365125"/>
+          </a:xfrm>
+        </p:spPr>
         <p:txBody>
           <a:bodyPr/>
-          <a:lstStyle/>
+          <a:lstStyle>
+            <a:lvl1pPr algn="l">
+              <a:defRPr/>
+            </a:lvl1pPr>
+          </a:lstStyle>
           <a:p>
             <a:fld id="{50B7AA29-206B-446B-82D7-C9E61C6AC57E}" type="datetimeFigureOut">
               <a:rPr lang="en-IN" smtClean="0"/>
-              <a:t>02-04-2024</a:t>
+              <a:t>12-04-2024</a:t>
             </a:fld>
             <a:endParaRPr lang="en-IN"/>
           </a:p>
@@ -2756,13 +2982,7 @@
       </p:sp>
       <p:sp>
         <p:nvSpPr>
-          <p:cNvPr id="6" name="Footer Placeholder 5">
-            <a:extLst>
-              <a:ext uri="{FF2B5EF4-FFF2-40B4-BE49-F238E27FC236}">
-                <a16:creationId xmlns:a16="http://schemas.microsoft.com/office/drawing/2014/main" id="{20CB3D8D-EBE4-C550-5FA4-8BF6A0330642}"/>
-              </a:ext>
-            </a:extLst>
-          </p:cNvPr>
+          <p:cNvPr id="6" name="Footer Placeholder 5"/>
           <p:cNvSpPr>
             <a:spLocks noGrp="1"/>
           </p:cNvSpPr>
@@ -2770,10 +2990,23 @@
             <p:ph type="ftr" sz="quarter" idx="11"/>
           </p:nvPr>
         </p:nvSpPr>
-        <p:spPr/>
+        <p:spPr>
+          <a:xfrm>
+            <a:off x="4800600" y="6459785"/>
+            <a:ext cx="4648200" cy="365125"/>
+          </a:xfrm>
+        </p:spPr>
         <p:txBody>
           <a:bodyPr/>
-          <a:lstStyle/>
+          <a:lstStyle>
+            <a:lvl1pPr algn="l">
+              <a:defRPr>
+                <a:solidFill>
+                  <a:schemeClr val="tx2"/>
+                </a:solidFill>
+              </a:defRPr>
+            </a:lvl1pPr>
+          </a:lstStyle>
           <a:p>
             <a:endParaRPr lang="en-IN"/>
           </a:p>
@@ -2781,13 +3014,7 @@
       </p:sp>
       <p:sp>
         <p:nvSpPr>
-          <p:cNvPr id="7" name="Slide Number Placeholder 6">
-            <a:extLst>
-              <a:ext uri="{FF2B5EF4-FFF2-40B4-BE49-F238E27FC236}">
-                <a16:creationId xmlns:a16="http://schemas.microsoft.com/office/drawing/2014/main" id="{1E84C4EF-9632-7BE0-3CA1-837D4BB40AE8}"/>
-              </a:ext>
-            </a:extLst>
-          </p:cNvPr>
+          <p:cNvPr id="7" name="Slide Number Placeholder 6"/>
           <p:cNvSpPr>
             <a:spLocks noGrp="1"/>
           </p:cNvSpPr>
@@ -2798,7 +3025,15 @@
         <p:spPr/>
         <p:txBody>
           <a:bodyPr/>
-          <a:lstStyle/>
+          <a:lstStyle>
+            <a:lvl1pPr>
+              <a:defRPr>
+                <a:solidFill>
+                  <a:schemeClr val="tx2"/>
+                </a:solidFill>
+              </a:defRPr>
+            </a:lvl1pPr>
+          </a:lstStyle>
           <a:p>
             <a:fld id="{28FBD309-C0B8-4162-AE96-3EB6F07AF2A1}" type="slidenum">
               <a:rPr lang="en-IN" smtClean="0"/>
@@ -2811,7 +3046,7 @@
     </p:spTree>
     <p:extLst>
       <p:ext uri="{BB962C8B-B14F-4D97-AF65-F5344CB8AC3E}">
-        <p14:creationId xmlns:p14="http://schemas.microsoft.com/office/powerpoint/2010/main" val="2407297379"/>
+        <p14:creationId xmlns:p14="http://schemas.microsoft.com/office/powerpoint/2010/main" val="3283782521"/>
       </p:ext>
     </p:extLst>
   </p:cSld>
@@ -2822,7 +3057,7 @@
 </file>
 
 <file path=ppt/slideLayouts/slideLayout9.xml><?xml version="1.0" encoding="utf-8"?>
-<p:sldLayout xmlns:a="http://schemas.openxmlformats.org/drawingml/2006/main" xmlns:r="http://schemas.openxmlformats.org/officeDocument/2006/relationships" xmlns:p="http://schemas.openxmlformats.org/presentationml/2006/main" type="picTx" preserve="1">
+<p:sldLayout xmlns:a="http://schemas.openxmlformats.org/drawingml/2006/main" xmlns:r="http://schemas.openxmlformats.org/officeDocument/2006/relationships" xmlns:p="http://schemas.openxmlformats.org/presentationml/2006/main" showMasterSp="0" type="picTx" preserve="1">
   <p:cSld name="Picture with Caption">
     <p:spTree>
       <p:nvGrpSpPr>
@@ -2840,13 +3075,83 @@
       </p:grpSpPr>
       <p:sp>
         <p:nvSpPr>
-          <p:cNvPr id="2" name="Title 1">
-            <a:extLst>
-              <a:ext uri="{FF2B5EF4-FFF2-40B4-BE49-F238E27FC236}">
-                <a16:creationId xmlns:a16="http://schemas.microsoft.com/office/drawing/2014/main" id="{57F16B64-31DD-2AF7-68EA-ECD4351E181F}"/>
-              </a:ext>
-            </a:extLst>
-          </p:cNvPr>
+          <p:cNvPr id="8" name="Rectangle 7"/>
+          <p:cNvSpPr/>
+          <p:nvPr/>
+        </p:nvSpPr>
+        <p:spPr>
+          <a:xfrm>
+            <a:off x="0" y="4953000"/>
+            <a:ext cx="12188825" cy="1905000"/>
+          </a:xfrm>
+          <a:prstGeom prst="rect">
+            <a:avLst/>
+          </a:prstGeom>
+          <a:solidFill>
+            <a:schemeClr val="accent2"/>
+          </a:solidFill>
+          <a:ln>
+            <a:noFill/>
+          </a:ln>
+        </p:spPr>
+        <p:style>
+          <a:lnRef idx="2">
+            <a:schemeClr val="accent1">
+              <a:shade val="50000"/>
+            </a:schemeClr>
+          </a:lnRef>
+          <a:fillRef idx="1">
+            <a:schemeClr val="accent1"/>
+          </a:fillRef>
+          <a:effectRef idx="0">
+            <a:schemeClr val="accent1"/>
+          </a:effectRef>
+          <a:fontRef idx="minor">
+            <a:schemeClr val="lt1"/>
+          </a:fontRef>
+        </p:style>
+      </p:sp>
+      <p:sp>
+        <p:nvSpPr>
+          <p:cNvPr id="9" name="Rectangle 8"/>
+          <p:cNvSpPr/>
+          <p:nvPr/>
+        </p:nvSpPr>
+        <p:spPr>
+          <a:xfrm>
+            <a:off x="15" y="4915076"/>
+            <a:ext cx="12188825" cy="64008"/>
+          </a:xfrm>
+          <a:prstGeom prst="rect">
+            <a:avLst/>
+          </a:prstGeom>
+          <a:solidFill>
+            <a:schemeClr val="accent1"/>
+          </a:solidFill>
+          <a:ln>
+            <a:noFill/>
+          </a:ln>
+        </p:spPr>
+        <p:style>
+          <a:lnRef idx="2">
+            <a:schemeClr val="accent1">
+              <a:shade val="50000"/>
+            </a:schemeClr>
+          </a:lnRef>
+          <a:fillRef idx="1">
+            <a:schemeClr val="accent1"/>
+          </a:fillRef>
+          <a:effectRef idx="0">
+            <a:schemeClr val="accent1"/>
+          </a:effectRef>
+          <a:fontRef idx="minor">
+            <a:schemeClr val="lt1"/>
+          </a:fontRef>
+        </p:style>
+      </p:sp>
+      <p:sp>
+        <p:nvSpPr>
+          <p:cNvPr id="2" name="Title 1"/>
           <p:cNvSpPr>
             <a:spLocks noGrp="1"/>
           </p:cNvSpPr>
@@ -2856,15 +3161,21 @@
         </p:nvSpPr>
         <p:spPr>
           <a:xfrm>
-            <a:off x="839788" y="457200"/>
-            <a:ext cx="3932237" cy="1600200"/>
-          </a:xfrm>
-        </p:spPr>
-        <p:txBody>
-          <a:bodyPr anchor="b"/>
+            <a:off x="1097280" y="5074920"/>
+            <a:ext cx="10113264" cy="822960"/>
+          </a:xfrm>
+        </p:spPr>
+        <p:txBody>
+          <a:bodyPr lIns="91440" tIns="0" rIns="91440" bIns="0" anchor="b">
+            <a:noAutofit/>
+          </a:bodyPr>
           <a:lstStyle>
             <a:lvl1pPr>
-              <a:defRPr sz="3200"/>
+              <a:defRPr sz="3600" b="0">
+                <a:solidFill>
+                  <a:srgbClr val="FFFFFF"/>
+                </a:solidFill>
+              </a:defRPr>
             </a:lvl1pPr>
           </a:lstStyle>
           <a:p>
@@ -2872,21 +3183,15 @@
               <a:rPr lang="en-US"/>
               <a:t>Click to edit Master title style</a:t>
             </a:r>
-            <a:endParaRPr lang="en-IN"/>
-          </a:p>
-        </p:txBody>
-      </p:sp>
-      <p:sp>
-        <p:nvSpPr>
-          <p:cNvPr id="3" name="Picture Placeholder 2">
-            <a:extLst>
-              <a:ext uri="{FF2B5EF4-FFF2-40B4-BE49-F238E27FC236}">
-                <a16:creationId xmlns:a16="http://schemas.microsoft.com/office/drawing/2014/main" id="{886C918D-7D82-68F2-89E2-737466A3EAA1}"/>
-              </a:ext>
-            </a:extLst>
-          </p:cNvPr>
+            <a:endParaRPr lang="en-US" dirty="0"/>
+          </a:p>
+        </p:txBody>
+      </p:sp>
+      <p:sp>
+        <p:nvSpPr>
+          <p:cNvPr id="3" name="Picture Placeholder 2"/>
           <p:cNvSpPr>
-            <a:spLocks noGrp="1"/>
+            <a:spLocks noGrp="1" noChangeAspect="1"/>
           </p:cNvSpPr>
           <p:nvPr>
             <p:ph type="pic" idx="1"/>
@@ -2894,16 +3199,26 @@
         </p:nvSpPr>
         <p:spPr>
           <a:xfrm>
-            <a:off x="5183188" y="987425"/>
-            <a:ext cx="6172200" cy="4873625"/>
-          </a:xfrm>
-        </p:spPr>
-        <p:txBody>
-          <a:bodyPr/>
+            <a:off x="15" y="0"/>
+            <a:ext cx="12191985" cy="4915076"/>
+          </a:xfrm>
+          <a:blipFill>
+            <a:blip r:embed="rId2"/>
+            <a:stretch>
+              <a:fillRect/>
+            </a:stretch>
+          </a:blipFill>
+        </p:spPr>
+        <p:txBody>
+          <a:bodyPr lIns="457200" tIns="457200" anchor="t"/>
           <a:lstStyle>
             <a:lvl1pPr marL="0" indent="0">
               <a:buNone/>
-              <a:defRPr sz="3200"/>
+              <a:defRPr sz="3200">
+                <a:solidFill>
+                  <a:schemeClr val="bg1"/>
+                </a:solidFill>
+              </a:defRPr>
             </a:lvl1pPr>
             <a:lvl2pPr marL="457200" indent="0">
               <a:buNone/>
@@ -2939,19 +3254,17 @@
             </a:lvl9pPr>
           </a:lstStyle>
           <a:p>
-            <a:endParaRPr lang="en-IN"/>
-          </a:p>
-        </p:txBody>
-      </p:sp>
-      <p:sp>
-        <p:nvSpPr>
-          <p:cNvPr id="4" name="Text Placeholder 3">
-            <a:extLst>
-              <a:ext uri="{FF2B5EF4-FFF2-40B4-BE49-F238E27FC236}">
-                <a16:creationId xmlns:a16="http://schemas.microsoft.com/office/drawing/2014/main" id="{457945E8-4870-538F-6474-24C29BBDFC70}"/>
-              </a:ext>
-            </a:extLst>
-          </p:cNvPr>
+            <a:r>
+              <a:rPr lang="en-US"/>
+              <a:t>Click icon to add picture</a:t>
+            </a:r>
+            <a:endParaRPr lang="en-US" dirty="0"/>
+          </a:p>
+        </p:txBody>
+      </p:sp>
+      <p:sp>
+        <p:nvSpPr>
+          <p:cNvPr id="4" name="Text Placeholder 3"/>
           <p:cNvSpPr>
             <a:spLocks noGrp="1"/>
           </p:cNvSpPr>
@@ -2961,48 +3274,60 @@
         </p:nvSpPr>
         <p:spPr>
           <a:xfrm>
-            <a:off x="839788" y="2057400"/>
-            <a:ext cx="3932237" cy="3811588"/>
-          </a:xfrm>
-        </p:spPr>
-        <p:txBody>
-          <a:bodyPr/>
+            <a:off x="1097280" y="5907023"/>
+            <a:ext cx="10113264" cy="594360"/>
+          </a:xfrm>
+        </p:spPr>
+        <p:txBody>
+          <a:bodyPr lIns="91440" tIns="0" rIns="91440" bIns="0">
+            <a:normAutofit/>
+          </a:bodyPr>
           <a:lstStyle>
             <a:lvl1pPr marL="0" indent="0">
+              <a:spcBef>
+                <a:spcPts val="0"/>
+              </a:spcBef>
+              <a:spcAft>
+                <a:spcPts val="600"/>
+              </a:spcAft>
               <a:buNone/>
-              <a:defRPr sz="1600"/>
+              <a:defRPr sz="1500">
+                <a:solidFill>
+                  <a:srgbClr val="FFFFFF"/>
+                </a:solidFill>
+              </a:defRPr>
             </a:lvl1pPr>
             <a:lvl2pPr marL="457200" indent="0">
               <a:buNone/>
-              <a:defRPr sz="1400"/>
+              <a:defRPr sz="1200"/>
             </a:lvl2pPr>
             <a:lvl3pPr marL="914400" indent="0">
               <a:buNone/>
-              <a:defRPr sz="1200"/>
+              <a:defRPr sz="1000"/>
             </a:lvl3pPr>
             <a:lvl4pPr marL="1371600" indent="0">
               <a:buNone/>
-              <a:defRPr sz="1000"/>
+              <a:defRPr sz="900"/>
             </a:lvl4pPr>
             <a:lvl5pPr marL="1828800" indent="0">
               <a:buNone/>
-              <a:defRPr sz="1000"/>
+              <a:defRPr sz="900"/>
             </a:lvl5pPr>
             <a:lvl6pPr marL="2286000" indent="0">
               <a:buNone/>
-              <a:defRPr sz="1000"/>
+              <a:defRPr sz="900"/>
             </a:lvl6pPr>
             <a:lvl7pPr marL="2743200" indent="0">
               <a:buNone/>
-              <a:defRPr sz="1000"/>
+              <a:defRPr sz="900"/>
             </a:lvl7pPr>
             <a:lvl8pPr marL="3200400" indent="0">
               <a:buNone/>
-              <a:defRPr sz="1000"/>
+              <a:defRPr sz="900"/>
             </a:lvl8pPr>
             <a:lvl9pPr marL="3657600" indent="0">
               <a:buNone/>
-              <a:defRPr sz="1000"/>
+              <a:defRPr sz="900"/>
             </a:lvl9pPr>
           </a:lstStyle>
           <a:p>
@@ -3016,13 +3341,7 @@
       </p:sp>
       <p:sp>
         <p:nvSpPr>
-          <p:cNvPr id="5" name="Date Placeholder 4">
-            <a:extLst>
-              <a:ext uri="{FF2B5EF4-FFF2-40B4-BE49-F238E27FC236}">
-                <a16:creationId xmlns:a16="http://schemas.microsoft.com/office/drawing/2014/main" id="{EF8E9C1C-A2E5-6A61-8FBC-CF4B4030AE60}"/>
-              </a:ext>
-            </a:extLst>
-          </p:cNvPr>
+          <p:cNvPr id="5" name="Date Placeholder 4"/>
           <p:cNvSpPr>
             <a:spLocks noGrp="1"/>
           </p:cNvSpPr>
@@ -3037,7 +3356,7 @@
           <a:p>
             <a:fld id="{50B7AA29-206B-446B-82D7-C9E61C6AC57E}" type="datetimeFigureOut">
               <a:rPr lang="en-IN" smtClean="0"/>
-              <a:t>02-04-2024</a:t>
+              <a:t>12-04-2024</a:t>
             </a:fld>
             <a:endParaRPr lang="en-IN"/>
           </a:p>
@@ -3045,13 +3364,7 @@
       </p:sp>
       <p:sp>
         <p:nvSpPr>
-          <p:cNvPr id="6" name="Footer Placeholder 5">
-            <a:extLst>
-              <a:ext uri="{FF2B5EF4-FFF2-40B4-BE49-F238E27FC236}">
-                <a16:creationId xmlns:a16="http://schemas.microsoft.com/office/drawing/2014/main" id="{E6D98EB7-0AF3-1A58-487C-E4DB7712EACE}"/>
-              </a:ext>
-            </a:extLst>
-          </p:cNvPr>
+          <p:cNvPr id="6" name="Footer Placeholder 5"/>
           <p:cNvSpPr>
             <a:spLocks noGrp="1"/>
           </p:cNvSpPr>
@@ -3070,13 +3383,7 @@
       </p:sp>
       <p:sp>
         <p:nvSpPr>
-          <p:cNvPr id="7" name="Slide Number Placeholder 6">
-            <a:extLst>
-              <a:ext uri="{FF2B5EF4-FFF2-40B4-BE49-F238E27FC236}">
-                <a16:creationId xmlns:a16="http://schemas.microsoft.com/office/drawing/2014/main" id="{0B9EE2DC-AB29-569A-524F-2FA889FA8A47}"/>
-              </a:ext>
-            </a:extLst>
-          </p:cNvPr>
+          <p:cNvPr id="7" name="Slide Number Placeholder 6"/>
           <p:cNvSpPr>
             <a:spLocks noGrp="1"/>
           </p:cNvSpPr>
@@ -3100,7 +3407,7 @@
     </p:spTree>
     <p:extLst>
       <p:ext uri="{BB962C8B-B14F-4D97-AF65-F5344CB8AC3E}">
-        <p14:creationId xmlns:p14="http://schemas.microsoft.com/office/powerpoint/2010/main" val="3760839495"/>
+        <p14:creationId xmlns:p14="http://schemas.microsoft.com/office/powerpoint/2010/main" val="827324568"/>
       </p:ext>
     </p:extLst>
   </p:cSld>
@@ -3134,13 +3441,83 @@
       </p:grpSpPr>
       <p:sp>
         <p:nvSpPr>
-          <p:cNvPr id="2" name="Title Placeholder 1">
-            <a:extLst>
-              <a:ext uri="{FF2B5EF4-FFF2-40B4-BE49-F238E27FC236}">
-                <a16:creationId xmlns:a16="http://schemas.microsoft.com/office/drawing/2014/main" id="{6107CFDE-A62B-D56D-8B76-5884749D6575}"/>
-              </a:ext>
-            </a:extLst>
-          </p:cNvPr>
+          <p:cNvPr id="7" name="Rectangle 6"/>
+          <p:cNvSpPr/>
+          <p:nvPr/>
+        </p:nvSpPr>
+        <p:spPr>
+          <a:xfrm>
+            <a:off x="1" y="6400800"/>
+            <a:ext cx="12192000" cy="457200"/>
+          </a:xfrm>
+          <a:prstGeom prst="rect">
+            <a:avLst/>
+          </a:prstGeom>
+          <a:solidFill>
+            <a:schemeClr val="accent2"/>
+          </a:solidFill>
+          <a:ln>
+            <a:noFill/>
+          </a:ln>
+        </p:spPr>
+        <p:style>
+          <a:lnRef idx="2">
+            <a:schemeClr val="accent1">
+              <a:shade val="50000"/>
+            </a:schemeClr>
+          </a:lnRef>
+          <a:fillRef idx="1">
+            <a:schemeClr val="accent1"/>
+          </a:fillRef>
+          <a:effectRef idx="0">
+            <a:schemeClr val="accent1"/>
+          </a:effectRef>
+          <a:fontRef idx="minor">
+            <a:schemeClr val="lt1"/>
+          </a:fontRef>
+        </p:style>
+      </p:sp>
+      <p:sp>
+        <p:nvSpPr>
+          <p:cNvPr id="9" name="Rectangle 8"/>
+          <p:cNvSpPr/>
+          <p:nvPr/>
+        </p:nvSpPr>
+        <p:spPr>
+          <a:xfrm>
+            <a:off x="0" y="6334316"/>
+            <a:ext cx="12192001" cy="65998"/>
+          </a:xfrm>
+          <a:prstGeom prst="rect">
+            <a:avLst/>
+          </a:prstGeom>
+          <a:solidFill>
+            <a:schemeClr val="accent1"/>
+          </a:solidFill>
+          <a:ln>
+            <a:noFill/>
+          </a:ln>
+        </p:spPr>
+        <p:style>
+          <a:lnRef idx="2">
+            <a:schemeClr val="accent1">
+              <a:shade val="50000"/>
+            </a:schemeClr>
+          </a:lnRef>
+          <a:fillRef idx="1">
+            <a:schemeClr val="accent1"/>
+          </a:fillRef>
+          <a:effectRef idx="0">
+            <a:schemeClr val="accent1"/>
+          </a:effectRef>
+          <a:fontRef idx="minor">
+            <a:schemeClr val="lt1"/>
+          </a:fontRef>
+        </p:style>
+      </p:sp>
+      <p:sp>
+        <p:nvSpPr>
+          <p:cNvPr id="2" name="Title Placeholder 1"/>
           <p:cNvSpPr>
             <a:spLocks noGrp="1"/>
           </p:cNvSpPr>
@@ -3150,15 +3527,15 @@
         </p:nvSpPr>
         <p:spPr>
           <a:xfrm>
-            <a:off x="838200" y="365125"/>
-            <a:ext cx="10515600" cy="1325563"/>
+            <a:off x="1097280" y="286603"/>
+            <a:ext cx="10058400" cy="1450757"/>
           </a:xfrm>
           <a:prstGeom prst="rect">
             <a:avLst/>
           </a:prstGeom>
         </p:spPr>
         <p:txBody>
-          <a:bodyPr vert="horz" lIns="91440" tIns="45720" rIns="91440" bIns="45720" rtlCol="0" anchor="ctr">
+          <a:bodyPr vert="horz" lIns="91440" tIns="45720" rIns="91440" bIns="45720" rtlCol="0" anchor="b">
             <a:normAutofit/>
           </a:bodyPr>
           <a:lstStyle/>
@@ -3167,19 +3544,13 @@
               <a:rPr lang="en-US"/>
               <a:t>Click to edit Master title style</a:t>
             </a:r>
-            <a:endParaRPr lang="en-IN"/>
-          </a:p>
-        </p:txBody>
-      </p:sp>
-      <p:sp>
-        <p:nvSpPr>
-          <p:cNvPr id="3" name="Text Placeholder 2">
-            <a:extLst>
-              <a:ext uri="{FF2B5EF4-FFF2-40B4-BE49-F238E27FC236}">
-                <a16:creationId xmlns:a16="http://schemas.microsoft.com/office/drawing/2014/main" id="{6AC989EC-6A75-B37D-B9EC-854F4798E4D3}"/>
-              </a:ext>
-            </a:extLst>
-          </p:cNvPr>
+            <a:endParaRPr lang="en-US" dirty="0"/>
+          </a:p>
+        </p:txBody>
+      </p:sp>
+      <p:sp>
+        <p:nvSpPr>
+          <p:cNvPr id="3" name="Text Placeholder 2"/>
           <p:cNvSpPr>
             <a:spLocks noGrp="1"/>
           </p:cNvSpPr>
@@ -3189,15 +3560,15 @@
         </p:nvSpPr>
         <p:spPr>
           <a:xfrm>
-            <a:off x="838200" y="1825625"/>
-            <a:ext cx="10515600" cy="4351338"/>
+            <a:off x="1097280" y="1845734"/>
+            <a:ext cx="10058400" cy="4023360"/>
           </a:xfrm>
           <a:prstGeom prst="rect">
             <a:avLst/>
           </a:prstGeom>
         </p:spPr>
         <p:txBody>
-          <a:bodyPr vert="horz" lIns="91440" tIns="45720" rIns="91440" bIns="45720" rtlCol="0">
+          <a:bodyPr vert="horz" lIns="0" tIns="45720" rIns="0" bIns="45720" rtlCol="0">
             <a:normAutofit/>
           </a:bodyPr>
           <a:lstStyle/>
@@ -3235,19 +3606,13 @@
               <a:rPr lang="en-US"/>
               <a:t>Fifth level</a:t>
             </a:r>
-            <a:endParaRPr lang="en-IN"/>
-          </a:p>
-        </p:txBody>
-      </p:sp>
-      <p:sp>
-        <p:nvSpPr>
-          <p:cNvPr id="4" name="Date Placeholder 3">
-            <a:extLst>
-              <a:ext uri="{FF2B5EF4-FFF2-40B4-BE49-F238E27FC236}">
-                <a16:creationId xmlns:a16="http://schemas.microsoft.com/office/drawing/2014/main" id="{56494863-DE4A-B9E3-738E-221DF1ACCE10}"/>
-              </a:ext>
-            </a:extLst>
-          </p:cNvPr>
+            <a:endParaRPr lang="en-US" dirty="0"/>
+          </a:p>
+        </p:txBody>
+      </p:sp>
+      <p:sp>
+        <p:nvSpPr>
+          <p:cNvPr id="4" name="Date Placeholder 3"/>
           <p:cNvSpPr>
             <a:spLocks noGrp="1"/>
           </p:cNvSpPr>
@@ -3257,8 +3622,8 @@
         </p:nvSpPr>
         <p:spPr>
           <a:xfrm>
-            <a:off x="838200" y="6356350"/>
-            <a:ext cx="2743200" cy="365125"/>
+            <a:off x="1097280" y="6459785"/>
+            <a:ext cx="2472271" cy="365125"/>
           </a:xfrm>
           <a:prstGeom prst="rect">
             <a:avLst/>
@@ -3268,11 +3633,9 @@
           <a:bodyPr vert="horz" lIns="91440" tIns="45720" rIns="91440" bIns="45720" rtlCol="0" anchor="ctr"/>
           <a:lstStyle>
             <a:lvl1pPr algn="l">
-              <a:defRPr sz="1200">
+              <a:defRPr sz="900">
                 <a:solidFill>
-                  <a:schemeClr val="tx1">
-                    <a:tint val="75000"/>
-                  </a:schemeClr>
+                  <a:srgbClr val="FFFFFF"/>
                 </a:solidFill>
               </a:defRPr>
             </a:lvl1pPr>
@@ -3280,7 +3643,7 @@
           <a:p>
             <a:fld id="{50B7AA29-206B-446B-82D7-C9E61C6AC57E}" type="datetimeFigureOut">
               <a:rPr lang="en-IN" smtClean="0"/>
-              <a:t>02-04-2024</a:t>
+              <a:t>12-04-2024</a:t>
             </a:fld>
             <a:endParaRPr lang="en-IN"/>
           </a:p>
@@ -3288,13 +3651,7 @@
       </p:sp>
       <p:sp>
         <p:nvSpPr>
-          <p:cNvPr id="5" name="Footer Placeholder 4">
-            <a:extLst>
-              <a:ext uri="{FF2B5EF4-FFF2-40B4-BE49-F238E27FC236}">
-                <a16:creationId xmlns:a16="http://schemas.microsoft.com/office/drawing/2014/main" id="{FB72EB59-4F6C-02B8-4A6A-94FE8C89B857}"/>
-              </a:ext>
-            </a:extLst>
-          </p:cNvPr>
+          <p:cNvPr id="5" name="Footer Placeholder 4"/>
           <p:cNvSpPr>
             <a:spLocks noGrp="1"/>
           </p:cNvSpPr>
@@ -3304,8 +3661,8 @@
         </p:nvSpPr>
         <p:spPr>
           <a:xfrm>
-            <a:off x="4038600" y="6356350"/>
-            <a:ext cx="4114800" cy="365125"/>
+            <a:off x="3686185" y="6459785"/>
+            <a:ext cx="4822804" cy="365125"/>
           </a:xfrm>
           <a:prstGeom prst="rect">
             <a:avLst/>
@@ -3315,11 +3672,9 @@
           <a:bodyPr vert="horz" lIns="91440" tIns="45720" rIns="91440" bIns="45720" rtlCol="0" anchor="ctr"/>
           <a:lstStyle>
             <a:lvl1pPr algn="ctr">
-              <a:defRPr sz="1200">
+              <a:defRPr sz="900" cap="all" baseline="0">
                 <a:solidFill>
-                  <a:schemeClr val="tx1">
-                    <a:tint val="75000"/>
-                  </a:schemeClr>
+                  <a:srgbClr val="FFFFFF"/>
                 </a:solidFill>
               </a:defRPr>
             </a:lvl1pPr>
@@ -3331,13 +3686,7 @@
       </p:sp>
       <p:sp>
         <p:nvSpPr>
-          <p:cNvPr id="6" name="Slide Number Placeholder 5">
-            <a:extLst>
-              <a:ext uri="{FF2B5EF4-FFF2-40B4-BE49-F238E27FC236}">
-                <a16:creationId xmlns:a16="http://schemas.microsoft.com/office/drawing/2014/main" id="{201CCCFD-CF59-C395-F893-803D44AA5D9B}"/>
-              </a:ext>
-            </a:extLst>
-          </p:cNvPr>
+          <p:cNvPr id="6" name="Slide Number Placeholder 5"/>
           <p:cNvSpPr>
             <a:spLocks noGrp="1"/>
           </p:cNvSpPr>
@@ -3347,8 +3696,8 @@
         </p:nvSpPr>
         <p:spPr>
           <a:xfrm>
-            <a:off x="8610600" y="6356350"/>
-            <a:ext cx="2743200" cy="365125"/>
+            <a:off x="9900458" y="6459785"/>
+            <a:ext cx="1312025" cy="365125"/>
           </a:xfrm>
           <a:prstGeom prst="rect">
             <a:avLst/>
@@ -3358,11 +3707,9 @@
           <a:bodyPr vert="horz" lIns="91440" tIns="45720" rIns="91440" bIns="45720" rtlCol="0" anchor="ctr"/>
           <a:lstStyle>
             <a:lvl1pPr algn="r">
-              <a:defRPr sz="1200">
+              <a:defRPr sz="1050">
                 <a:solidFill>
-                  <a:schemeClr val="tx1">
-                    <a:tint val="75000"/>
-                  </a:schemeClr>
+                  <a:srgbClr val="FFFFFF"/>
                 </a:solidFill>
               </a:defRPr>
             </a:lvl1pPr>
@@ -3376,40 +3723,81 @@
           </a:p>
         </p:txBody>
       </p:sp>
+      <p:cxnSp>
+        <p:nvCxnSpPr>
+          <p:cNvPr id="10" name="Straight Connector 9"/>
+          <p:cNvCxnSpPr/>
+          <p:nvPr/>
+        </p:nvCxnSpPr>
+        <p:spPr>
+          <a:xfrm>
+            <a:off x="1193532" y="1737845"/>
+            <a:ext cx="9966960" cy="0"/>
+          </a:xfrm>
+          <a:prstGeom prst="line">
+            <a:avLst/>
+          </a:prstGeom>
+          <a:ln w="6350">
+            <a:solidFill>
+              <a:schemeClr val="tx1">
+                <a:lumMod val="50000"/>
+                <a:lumOff val="50000"/>
+              </a:schemeClr>
+            </a:solidFill>
+          </a:ln>
+        </p:spPr>
+        <p:style>
+          <a:lnRef idx="1">
+            <a:schemeClr val="accent1"/>
+          </a:lnRef>
+          <a:fillRef idx="0">
+            <a:schemeClr val="accent1"/>
+          </a:fillRef>
+          <a:effectRef idx="0">
+            <a:schemeClr val="accent1"/>
+          </a:effectRef>
+          <a:fontRef idx="minor">
+            <a:schemeClr val="tx1"/>
+          </a:fontRef>
+        </p:style>
+      </p:cxnSp>
     </p:spTree>
     <p:extLst>
       <p:ext uri="{BB962C8B-B14F-4D97-AF65-F5344CB8AC3E}">
-        <p14:creationId xmlns:p14="http://schemas.microsoft.com/office/powerpoint/2010/main" val="3510640520"/>
+        <p14:creationId xmlns:p14="http://schemas.microsoft.com/office/powerpoint/2010/main" val="609178080"/>
       </p:ext>
     </p:extLst>
   </p:cSld>
   <p:clrMap bg1="lt1" tx1="dk1" bg2="lt2" tx2="dk2" accent1="accent1" accent2="accent2" accent3="accent3" accent4="accent4" accent5="accent5" accent6="accent6" hlink="hlink" folHlink="folHlink"/>
   <p:sldLayoutIdLst>
-    <p:sldLayoutId id="2147483649" r:id="rId1"/>
-    <p:sldLayoutId id="2147483650" r:id="rId2"/>
-    <p:sldLayoutId id="2147483651" r:id="rId3"/>
-    <p:sldLayoutId id="2147483652" r:id="rId4"/>
-    <p:sldLayoutId id="2147483653" r:id="rId5"/>
-    <p:sldLayoutId id="2147483654" r:id="rId6"/>
-    <p:sldLayoutId id="2147483655" r:id="rId7"/>
-    <p:sldLayoutId id="2147483656" r:id="rId8"/>
-    <p:sldLayoutId id="2147483657" r:id="rId9"/>
-    <p:sldLayoutId id="2147483658" r:id="rId10"/>
-    <p:sldLayoutId id="2147483659" r:id="rId11"/>
+    <p:sldLayoutId id="2147483685" r:id="rId1"/>
+    <p:sldLayoutId id="2147483686" r:id="rId2"/>
+    <p:sldLayoutId id="2147483687" r:id="rId3"/>
+    <p:sldLayoutId id="2147483688" r:id="rId4"/>
+    <p:sldLayoutId id="2147483689" r:id="rId5"/>
+    <p:sldLayoutId id="2147483690" r:id="rId6"/>
+    <p:sldLayoutId id="2147483691" r:id="rId7"/>
+    <p:sldLayoutId id="2147483692" r:id="rId8"/>
+    <p:sldLayoutId id="2147483693" r:id="rId9"/>
+    <p:sldLayoutId id="2147483694" r:id="rId10"/>
+    <p:sldLayoutId id="2147483695" r:id="rId11"/>
   </p:sldLayoutIdLst>
   <p:txStyles>
     <p:titleStyle>
       <a:lvl1pPr algn="l" defTabSz="914400" rtl="0" eaLnBrk="1" latinLnBrk="0" hangingPunct="1">
         <a:lnSpc>
-          <a:spcPct val="90000"/>
+          <a:spcPct val="85000"/>
         </a:lnSpc>
         <a:spcBef>
           <a:spcPct val="0"/>
         </a:spcBef>
         <a:buNone/>
-        <a:defRPr sz="4400" kern="1200">
+        <a:defRPr sz="4800" kern="1200" spc="-50" baseline="0">
           <a:solidFill>
-            <a:schemeClr val="tx1"/>
+            <a:schemeClr val="tx1">
+              <a:lumMod val="75000"/>
+              <a:lumOff val="25000"/>
+            </a:schemeClr>
           </a:solidFill>
           <a:latin typeface="+mj-lt"/>
           <a:ea typeface="+mj-ea"/>
@@ -3418,162 +3806,244 @@
       </a:lvl1pPr>
     </p:titleStyle>
     <p:bodyStyle>
-      <a:lvl1pPr marL="228600" indent="-228600" algn="l" defTabSz="914400" rtl="0" eaLnBrk="1" latinLnBrk="0" hangingPunct="1">
+      <a:lvl1pPr marL="91440" indent="-91440" algn="l" defTabSz="914400" rtl="0" eaLnBrk="1" latinLnBrk="0" hangingPunct="1">
         <a:lnSpc>
           <a:spcPct val="90000"/>
         </a:lnSpc>
         <a:spcBef>
-          <a:spcPts val="1000"/>
+          <a:spcPts val="1200"/>
         </a:spcBef>
-        <a:buFont typeface="Arial" panose="020B0604020202020204" pitchFamily="34" charset="0"/>
-        <a:buChar char="•"/>
-        <a:defRPr sz="2800" kern="1200">
+        <a:spcAft>
+          <a:spcPts val="200"/>
+        </a:spcAft>
+        <a:buClr>
+          <a:schemeClr val="accent1"/>
+        </a:buClr>
+        <a:buSzPct val="100000"/>
+        <a:buFont typeface="Calibri" panose="020F0502020204030204" pitchFamily="34" charset="0"/>
+        <a:buChar char=" "/>
+        <a:defRPr sz="2000" kern="1200">
           <a:solidFill>
-            <a:schemeClr val="tx1"/>
+            <a:schemeClr val="tx1">
+              <a:lumMod val="75000"/>
+              <a:lumOff val="25000"/>
+            </a:schemeClr>
           </a:solidFill>
           <a:latin typeface="+mn-lt"/>
           <a:ea typeface="+mn-ea"/>
           <a:cs typeface="+mn-cs"/>
         </a:defRPr>
       </a:lvl1pPr>
-      <a:lvl2pPr marL="685800" indent="-228600" algn="l" defTabSz="914400" rtl="0" eaLnBrk="1" latinLnBrk="0" hangingPunct="1">
+      <a:lvl2pPr marL="384048" indent="-182880" algn="l" defTabSz="914400" rtl="0" eaLnBrk="1" latinLnBrk="0" hangingPunct="1">
         <a:lnSpc>
           <a:spcPct val="90000"/>
         </a:lnSpc>
         <a:spcBef>
-          <a:spcPts val="500"/>
+          <a:spcPts val="200"/>
         </a:spcBef>
-        <a:buFont typeface="Arial" panose="020B0604020202020204" pitchFamily="34" charset="0"/>
-        <a:buChar char="•"/>
-        <a:defRPr sz="2400" kern="1200">
+        <a:spcAft>
+          <a:spcPts val="400"/>
+        </a:spcAft>
+        <a:buClr>
+          <a:schemeClr val="accent1"/>
+        </a:buClr>
+        <a:buFont typeface="Calibri" pitchFamily="34" charset="0"/>
+        <a:buChar char="◦"/>
+        <a:defRPr sz="1800" kern="1200">
           <a:solidFill>
-            <a:schemeClr val="tx1"/>
+            <a:schemeClr val="tx1">
+              <a:lumMod val="75000"/>
+              <a:lumOff val="25000"/>
+            </a:schemeClr>
           </a:solidFill>
           <a:latin typeface="+mn-lt"/>
           <a:ea typeface="+mn-ea"/>
           <a:cs typeface="+mn-cs"/>
         </a:defRPr>
       </a:lvl2pPr>
-      <a:lvl3pPr marL="1143000" indent="-228600" algn="l" defTabSz="914400" rtl="0" eaLnBrk="1" latinLnBrk="0" hangingPunct="1">
+      <a:lvl3pPr marL="566928" indent="-182880" algn="l" defTabSz="914400" rtl="0" eaLnBrk="1" latinLnBrk="0" hangingPunct="1">
         <a:lnSpc>
           <a:spcPct val="90000"/>
         </a:lnSpc>
         <a:spcBef>
-          <a:spcPts val="500"/>
+          <a:spcPts val="200"/>
         </a:spcBef>
-        <a:buFont typeface="Arial" panose="020B0604020202020204" pitchFamily="34" charset="0"/>
-        <a:buChar char="•"/>
-        <a:defRPr sz="2000" kern="1200">
+        <a:spcAft>
+          <a:spcPts val="400"/>
+        </a:spcAft>
+        <a:buClr>
+          <a:schemeClr val="accent1"/>
+        </a:buClr>
+        <a:buFont typeface="Calibri" pitchFamily="34" charset="0"/>
+        <a:buChar char="◦"/>
+        <a:defRPr sz="1400" kern="1200">
           <a:solidFill>
-            <a:schemeClr val="tx1"/>
+            <a:schemeClr val="tx1">
+              <a:lumMod val="75000"/>
+              <a:lumOff val="25000"/>
+            </a:schemeClr>
           </a:solidFill>
           <a:latin typeface="+mn-lt"/>
           <a:ea typeface="+mn-ea"/>
           <a:cs typeface="+mn-cs"/>
         </a:defRPr>
       </a:lvl3pPr>
-      <a:lvl4pPr marL="1600200" indent="-228600" algn="l" defTabSz="914400" rtl="0" eaLnBrk="1" latinLnBrk="0" hangingPunct="1">
+      <a:lvl4pPr marL="749808" indent="-182880" algn="l" defTabSz="914400" rtl="0" eaLnBrk="1" latinLnBrk="0" hangingPunct="1">
         <a:lnSpc>
           <a:spcPct val="90000"/>
         </a:lnSpc>
         <a:spcBef>
-          <a:spcPts val="500"/>
+          <a:spcPts val="200"/>
         </a:spcBef>
-        <a:buFont typeface="Arial" panose="020B0604020202020204" pitchFamily="34" charset="0"/>
-        <a:buChar char="•"/>
-        <a:defRPr sz="1800" kern="1200">
+        <a:spcAft>
+          <a:spcPts val="400"/>
+        </a:spcAft>
+        <a:buClr>
+          <a:schemeClr val="accent1"/>
+        </a:buClr>
+        <a:buFont typeface="Calibri" pitchFamily="34" charset="0"/>
+        <a:buChar char="◦"/>
+        <a:defRPr sz="1400" kern="1200">
           <a:solidFill>
-            <a:schemeClr val="tx1"/>
+            <a:schemeClr val="tx1">
+              <a:lumMod val="75000"/>
+              <a:lumOff val="25000"/>
+            </a:schemeClr>
           </a:solidFill>
           <a:latin typeface="+mn-lt"/>
           <a:ea typeface="+mn-ea"/>
           <a:cs typeface="+mn-cs"/>
         </a:defRPr>
       </a:lvl4pPr>
-      <a:lvl5pPr marL="2057400" indent="-228600" algn="l" defTabSz="914400" rtl="0" eaLnBrk="1" latinLnBrk="0" hangingPunct="1">
+      <a:lvl5pPr marL="932688" indent="-182880" algn="l" defTabSz="914400" rtl="0" eaLnBrk="1" latinLnBrk="0" hangingPunct="1">
         <a:lnSpc>
           <a:spcPct val="90000"/>
         </a:lnSpc>
         <a:spcBef>
-          <a:spcPts val="500"/>
+          <a:spcPts val="200"/>
         </a:spcBef>
-        <a:buFont typeface="Arial" panose="020B0604020202020204" pitchFamily="34" charset="0"/>
-        <a:buChar char="•"/>
-        <a:defRPr sz="1800" kern="1200">
+        <a:spcAft>
+          <a:spcPts val="400"/>
+        </a:spcAft>
+        <a:buClr>
+          <a:schemeClr val="accent1"/>
+        </a:buClr>
+        <a:buFont typeface="Calibri" pitchFamily="34" charset="0"/>
+        <a:buChar char="◦"/>
+        <a:defRPr sz="1400" kern="1200">
           <a:solidFill>
-            <a:schemeClr val="tx1"/>
+            <a:schemeClr val="tx1">
+              <a:lumMod val="75000"/>
+              <a:lumOff val="25000"/>
+            </a:schemeClr>
           </a:solidFill>
           <a:latin typeface="+mn-lt"/>
           <a:ea typeface="+mn-ea"/>
           <a:cs typeface="+mn-cs"/>
         </a:defRPr>
       </a:lvl5pPr>
-      <a:lvl6pPr marL="2514600" indent="-228600" algn="l" defTabSz="914400" rtl="0" eaLnBrk="1" latinLnBrk="0" hangingPunct="1">
+      <a:lvl6pPr marL="1100000" indent="-228600" algn="l" defTabSz="914400" rtl="0" eaLnBrk="1" latinLnBrk="0" hangingPunct="1">
         <a:lnSpc>
           <a:spcPct val="90000"/>
         </a:lnSpc>
         <a:spcBef>
-          <a:spcPts val="500"/>
+          <a:spcPts val="200"/>
         </a:spcBef>
-        <a:buFont typeface="Arial" panose="020B0604020202020204" pitchFamily="34" charset="0"/>
-        <a:buChar char="•"/>
-        <a:defRPr sz="1800" kern="1200">
+        <a:spcAft>
+          <a:spcPts val="400"/>
+        </a:spcAft>
+        <a:buClr>
+          <a:schemeClr val="accent1"/>
+        </a:buClr>
+        <a:buFont typeface="Calibri" pitchFamily="34" charset="0"/>
+        <a:buChar char="◦"/>
+        <a:defRPr sz="1400" kern="1200">
           <a:solidFill>
-            <a:schemeClr val="tx1"/>
+            <a:schemeClr val="tx1">
+              <a:lumMod val="75000"/>
+              <a:lumOff val="25000"/>
+            </a:schemeClr>
           </a:solidFill>
           <a:latin typeface="+mn-lt"/>
           <a:ea typeface="+mn-ea"/>
           <a:cs typeface="+mn-cs"/>
         </a:defRPr>
       </a:lvl6pPr>
-      <a:lvl7pPr marL="2971800" indent="-228600" algn="l" defTabSz="914400" rtl="0" eaLnBrk="1" latinLnBrk="0" hangingPunct="1">
+      <a:lvl7pPr marL="1300000" indent="-228600" algn="l" defTabSz="914400" rtl="0" eaLnBrk="1" latinLnBrk="0" hangingPunct="1">
         <a:lnSpc>
           <a:spcPct val="90000"/>
         </a:lnSpc>
         <a:spcBef>
-          <a:spcPts val="500"/>
+          <a:spcPts val="200"/>
         </a:spcBef>
-        <a:buFont typeface="Arial" panose="020B0604020202020204" pitchFamily="34" charset="0"/>
-        <a:buChar char="•"/>
-        <a:defRPr sz="1800" kern="1200">
+        <a:spcAft>
+          <a:spcPts val="400"/>
+        </a:spcAft>
+        <a:buClr>
+          <a:schemeClr val="accent1"/>
+        </a:buClr>
+        <a:buFont typeface="Calibri" pitchFamily="34" charset="0"/>
+        <a:buChar char="◦"/>
+        <a:defRPr sz="1400" kern="1200">
           <a:solidFill>
-            <a:schemeClr val="tx1"/>
+            <a:schemeClr val="tx1">
+              <a:lumMod val="75000"/>
+              <a:lumOff val="25000"/>
+            </a:schemeClr>
           </a:solidFill>
           <a:latin typeface="+mn-lt"/>
           <a:ea typeface="+mn-ea"/>
           <a:cs typeface="+mn-cs"/>
         </a:defRPr>
       </a:lvl7pPr>
-      <a:lvl8pPr marL="3429000" indent="-228600" algn="l" defTabSz="914400" rtl="0" eaLnBrk="1" latinLnBrk="0" hangingPunct="1">
+      <a:lvl8pPr marL="1500000" indent="-228600" algn="l" defTabSz="914400" rtl="0" eaLnBrk="1" latinLnBrk="0" hangingPunct="1">
         <a:lnSpc>
           <a:spcPct val="90000"/>
         </a:lnSpc>
         <a:spcBef>
-          <a:spcPts val="500"/>
+          <a:spcPts val="200"/>
         </a:spcBef>
-        <a:buFont typeface="Arial" panose="020B0604020202020204" pitchFamily="34" charset="0"/>
-        <a:buChar char="•"/>
-        <a:defRPr sz="1800" kern="1200">
+        <a:spcAft>
+          <a:spcPts val="400"/>
+        </a:spcAft>
+        <a:buClr>
+          <a:schemeClr val="accent1"/>
+        </a:buClr>
+        <a:buFont typeface="Calibri" pitchFamily="34" charset="0"/>
+        <a:buChar char="◦"/>
+        <a:defRPr sz="1400" kern="1200">
           <a:solidFill>
-            <a:schemeClr val="tx1"/>
+            <a:schemeClr val="tx1">
+              <a:lumMod val="75000"/>
+              <a:lumOff val="25000"/>
+            </a:schemeClr>
           </a:solidFill>
           <a:latin typeface="+mn-lt"/>
           <a:ea typeface="+mn-ea"/>
           <a:cs typeface="+mn-cs"/>
         </a:defRPr>
       </a:lvl8pPr>
-      <a:lvl9pPr marL="3886200" indent="-228600" algn="l" defTabSz="914400" rtl="0" eaLnBrk="1" latinLnBrk="0" hangingPunct="1">
+      <a:lvl9pPr marL="1700000" indent="-228600" algn="l" defTabSz="914400" rtl="0" eaLnBrk="1" latinLnBrk="0" hangingPunct="1">
         <a:lnSpc>
           <a:spcPct val="90000"/>
         </a:lnSpc>
         <a:spcBef>
-          <a:spcPts val="500"/>
+          <a:spcPts val="200"/>
         </a:spcBef>
-        <a:buFont typeface="Arial" panose="020B0604020202020204" pitchFamily="34" charset="0"/>
-        <a:buChar char="•"/>
-        <a:defRPr sz="1800" kern="1200">
+        <a:spcAft>
+          <a:spcPts val="400"/>
+        </a:spcAft>
+        <a:buClr>
+          <a:schemeClr val="accent1"/>
+        </a:buClr>
+        <a:buFont typeface="Calibri" pitchFamily="34" charset="0"/>
+        <a:buChar char="◦"/>
+        <a:defRPr sz="1400" kern="1200">
           <a:solidFill>
-            <a:schemeClr val="tx1"/>
+            <a:schemeClr val="tx1">
+              <a:lumMod val="75000"/>
+              <a:lumOff val="25000"/>
+            </a:schemeClr>
           </a:solidFill>
           <a:latin typeface="+mn-lt"/>
           <a:ea typeface="+mn-ea"/>
@@ -3713,12 +4183,38 @@
             <p:ph type="ctrTitle"/>
           </p:nvPr>
         </p:nvSpPr>
-        <p:spPr/>
-        <p:txBody>
-          <a:bodyPr/>
-          <a:lstStyle/>
-          <a:p>
-            <a:endParaRPr lang="en-IN"/>
+        <p:spPr>
+          <a:xfrm>
+            <a:off x="1524000" y="1621410"/>
+            <a:ext cx="9144000" cy="1888553"/>
+          </a:xfrm>
+        </p:spPr>
+        <p:txBody>
+          <a:bodyPr>
+            <a:normAutofit/>
+          </a:bodyPr>
+          <a:lstStyle/>
+          <a:p>
+            <a:r>
+              <a:rPr lang="en-IN" dirty="0" err="1">
+                <a:latin typeface="Franklin Gothic Medium" panose="020B0603020102020204" pitchFamily="34" charset="0"/>
+              </a:rPr>
+              <a:t>BadUSB</a:t>
+            </a:r>
+            <a:br>
+              <a:rPr lang="en-IN" dirty="0">
+                <a:latin typeface="Franklin Gothic Medium" panose="020B0603020102020204" pitchFamily="34" charset="0"/>
+              </a:rPr>
+            </a:br>
+            <a:r>
+              <a:rPr lang="en-IN" sz="3600" dirty="0">
+                <a:latin typeface="Franklin Gothic Medium" panose="020B0603020102020204" pitchFamily="34" charset="0"/>
+              </a:rPr>
+              <a:t>Domain : ES</a:t>
+            </a:r>
+            <a:endParaRPr lang="en-IN" dirty="0">
+              <a:latin typeface="Franklin Gothic Medium" panose="020B0603020102020204" pitchFamily="34" charset="0"/>
+            </a:endParaRPr>
           </a:p>
         </p:txBody>
       </p:sp>
@@ -3738,12 +4234,49 @@
             <p:ph type="subTitle" idx="1"/>
           </p:nvPr>
         </p:nvSpPr>
-        <p:spPr/>
-        <p:txBody>
-          <a:bodyPr/>
-          <a:lstStyle/>
-          <a:p>
-            <a:endParaRPr lang="en-IN"/>
+        <p:spPr>
+          <a:xfrm>
+            <a:off x="1524000" y="4950071"/>
+            <a:ext cx="9144000" cy="913401"/>
+          </a:xfrm>
+        </p:spPr>
+        <p:txBody>
+          <a:bodyPr>
+            <a:normAutofit/>
+          </a:bodyPr>
+          <a:lstStyle/>
+          <a:p>
+            <a:pPr marL="342900" indent="-342900" algn="l">
+              <a:buFont typeface="Arial" panose="020B0604020202020204" pitchFamily="34" charset="0"/>
+              <a:buChar char="•"/>
+            </a:pPr>
+            <a:r>
+              <a:rPr lang="en-IN" sz="1800" dirty="0">
+                <a:latin typeface="Franklin Gothic Medium" panose="020B0603020102020204" pitchFamily="34" charset="0"/>
+              </a:rPr>
+              <a:t>Vedant Barve</a:t>
+            </a:r>
+          </a:p>
+          <a:p>
+            <a:pPr marL="342900" indent="-342900" algn="l">
+              <a:buFont typeface="Arial" panose="020B0604020202020204" pitchFamily="34" charset="0"/>
+              <a:buChar char="•"/>
+            </a:pPr>
+            <a:r>
+              <a:rPr lang="en-IN" sz="1800" dirty="0">
+                <a:latin typeface="Franklin Gothic Medium" panose="020B0603020102020204" pitchFamily="34" charset="0"/>
+              </a:rPr>
+              <a:t>Tanay </a:t>
+            </a:r>
+            <a:r>
+              <a:rPr lang="en-IN" sz="1800" dirty="0" err="1">
+                <a:latin typeface="Franklin Gothic Medium" panose="020B0603020102020204" pitchFamily="34" charset="0"/>
+              </a:rPr>
+              <a:t>Manerikar</a:t>
+            </a:r>
+            <a:endParaRPr lang="en-IN" sz="1800" dirty="0">
+              <a:latin typeface="Franklin Gothic Medium" panose="020B0603020102020204" pitchFamily="34" charset="0"/>
+            </a:endParaRPr>
           </a:p>
         </p:txBody>
       </p:sp>
@@ -3777,10 +4310,180 @@
           <a:chExt cx="0" cy="0"/>
         </a:xfrm>
       </p:grpSpPr>
+      <p:sp>
+        <p:nvSpPr>
+          <p:cNvPr id="2" name="Title 1">
+            <a:extLst>
+              <a:ext uri="{FF2B5EF4-FFF2-40B4-BE49-F238E27FC236}">
+                <a16:creationId xmlns:a16="http://schemas.microsoft.com/office/drawing/2014/main" id="{B53D12F4-C0FF-125E-FF19-E2109BAD87D2}"/>
+              </a:ext>
+            </a:extLst>
+          </p:cNvPr>
+          <p:cNvSpPr>
+            <a:spLocks noGrp="1"/>
+          </p:cNvSpPr>
+          <p:nvPr>
+            <p:ph type="title"/>
+          </p:nvPr>
+        </p:nvSpPr>
+        <p:spPr/>
+        <p:txBody>
+          <a:bodyPr/>
+          <a:lstStyle/>
+          <a:p>
+            <a:r>
+              <a:rPr lang="en-IN" dirty="0"/>
+              <a:t>What is an HID?</a:t>
+            </a:r>
+          </a:p>
+        </p:txBody>
+      </p:sp>
+      <p:sp>
+        <p:nvSpPr>
+          <p:cNvPr id="3" name="Content Placeholder 2">
+            <a:extLst>
+              <a:ext uri="{FF2B5EF4-FFF2-40B4-BE49-F238E27FC236}">
+                <a16:creationId xmlns:a16="http://schemas.microsoft.com/office/drawing/2014/main" id="{EB0E54D9-050D-2CCE-F035-4368F0262AAA}"/>
+              </a:ext>
+            </a:extLst>
+          </p:cNvPr>
+          <p:cNvSpPr>
+            <a:spLocks noGrp="1"/>
+          </p:cNvSpPr>
+          <p:nvPr>
+            <p:ph idx="1"/>
+          </p:nvPr>
+        </p:nvSpPr>
+        <p:spPr/>
+        <p:txBody>
+          <a:bodyPr/>
+          <a:lstStyle/>
+          <a:p>
+            <a:r>
+              <a:rPr lang="en-US" dirty="0"/>
+              <a:t>Human Interface Devices (HID) is a device class definition to replace PS/2-style connectors with a generic USB driver to support HID devices such as keyboards, mice, game controllers, and so on.</a:t>
+            </a:r>
+          </a:p>
+          <a:p>
+            <a:endParaRPr lang="en-US" dirty="0"/>
+          </a:p>
+          <a:p>
+            <a:endParaRPr lang="en-IN" dirty="0"/>
+          </a:p>
+        </p:txBody>
+      </p:sp>
+      <p:pic>
+        <p:nvPicPr>
+          <p:cNvPr id="5" name="Picture 4">
+            <a:extLst>
+              <a:ext uri="{FF2B5EF4-FFF2-40B4-BE49-F238E27FC236}">
+                <a16:creationId xmlns:a16="http://schemas.microsoft.com/office/drawing/2014/main" id="{7958C772-7106-8AB8-08F2-058FF7E3DC6D}"/>
+              </a:ext>
+            </a:extLst>
+          </p:cNvPr>
+          <p:cNvPicPr>
+            <a:picLocks noChangeAspect="1"/>
+          </p:cNvPicPr>
+          <p:nvPr/>
+        </p:nvPicPr>
+        <p:blipFill>
+          <a:blip r:embed="rId2">
+            <a:extLst>
+              <a:ext uri="{28A0092B-C50C-407E-A947-70E740481C1C}">
+                <a14:useLocalDpi xmlns:a14="http://schemas.microsoft.com/office/drawing/2010/main" val="0"/>
+              </a:ext>
+            </a:extLst>
+          </a:blip>
+          <a:stretch>
+            <a:fillRect/>
+          </a:stretch>
+        </p:blipFill>
+        <p:spPr>
+          <a:xfrm>
+            <a:off x="5195357" y="3714274"/>
+            <a:ext cx="2154820" cy="2154820"/>
+          </a:xfrm>
+          <a:prstGeom prst="rect">
+            <a:avLst/>
+          </a:prstGeom>
+        </p:spPr>
+      </p:pic>
+      <p:pic>
+        <p:nvPicPr>
+          <p:cNvPr id="7" name="Picture 6">
+            <a:extLst>
+              <a:ext uri="{FF2B5EF4-FFF2-40B4-BE49-F238E27FC236}">
+                <a16:creationId xmlns:a16="http://schemas.microsoft.com/office/drawing/2014/main" id="{B12271A4-EC98-2B71-BAF6-487822BA7BA6}"/>
+              </a:ext>
+            </a:extLst>
+          </p:cNvPr>
+          <p:cNvPicPr>
+            <a:picLocks noChangeAspect="1"/>
+          </p:cNvPicPr>
+          <p:nvPr/>
+        </p:nvPicPr>
+        <p:blipFill>
+          <a:blip r:embed="rId3">
+            <a:extLst>
+              <a:ext uri="{28A0092B-C50C-407E-A947-70E740481C1C}">
+                <a14:useLocalDpi xmlns:a14="http://schemas.microsoft.com/office/drawing/2010/main" val="0"/>
+              </a:ext>
+            </a:extLst>
+          </a:blip>
+          <a:stretch>
+            <a:fillRect/>
+          </a:stretch>
+        </p:blipFill>
+        <p:spPr>
+          <a:xfrm>
+            <a:off x="1234910" y="3050460"/>
+            <a:ext cx="2698231" cy="2698231"/>
+          </a:xfrm>
+          <a:prstGeom prst="rect">
+            <a:avLst/>
+          </a:prstGeom>
+        </p:spPr>
+      </p:pic>
+      <p:pic>
+        <p:nvPicPr>
+          <p:cNvPr id="9" name="Picture 8">
+            <a:extLst>
+              <a:ext uri="{FF2B5EF4-FFF2-40B4-BE49-F238E27FC236}">
+                <a16:creationId xmlns:a16="http://schemas.microsoft.com/office/drawing/2014/main" id="{7F128F50-092D-BECE-5227-AAEC1162B399}"/>
+              </a:ext>
+            </a:extLst>
+          </p:cNvPr>
+          <p:cNvPicPr>
+            <a:picLocks noChangeAspect="1"/>
+          </p:cNvPicPr>
+          <p:nvPr/>
+        </p:nvPicPr>
+        <p:blipFill>
+          <a:blip r:embed="rId4">
+            <a:extLst>
+              <a:ext uri="{28A0092B-C50C-407E-A947-70E740481C1C}">
+                <a14:useLocalDpi xmlns:a14="http://schemas.microsoft.com/office/drawing/2010/main" val="0"/>
+              </a:ext>
+            </a:extLst>
+          </a:blip>
+          <a:stretch>
+            <a:fillRect/>
+          </a:stretch>
+        </p:blipFill>
+        <p:spPr>
+          <a:xfrm>
+            <a:off x="8898902" y="3264129"/>
+            <a:ext cx="2484562" cy="2484562"/>
+          </a:xfrm>
+          <a:prstGeom prst="rect">
+            <a:avLst/>
+          </a:prstGeom>
+        </p:spPr>
+      </p:pic>
     </p:spTree>
     <p:extLst>
       <p:ext uri="{BB962C8B-B14F-4D97-AF65-F5344CB8AC3E}">
-        <p14:creationId xmlns:p14="http://schemas.microsoft.com/office/powerpoint/2010/main" val="107015094"/>
+        <p14:creationId xmlns:p14="http://schemas.microsoft.com/office/powerpoint/2010/main" val="4218805477"/>
       </p:ext>
     </p:extLst>
   </p:cSld>
@@ -3807,84 +4510,12 @@
           <a:chExt cx="0" cy="0"/>
         </a:xfrm>
       </p:grpSpPr>
-      <p:pic>
-        <p:nvPicPr>
-          <p:cNvPr id="3" name="Picture 2">
+      <p:sp>
+        <p:nvSpPr>
+          <p:cNvPr id="2" name="Rectangle 1">
             <a:extLst>
               <a:ext uri="{FF2B5EF4-FFF2-40B4-BE49-F238E27FC236}">
-                <a16:creationId xmlns:a16="http://schemas.microsoft.com/office/drawing/2014/main" id="{D20AD36B-7D20-F307-984A-914914AB6249}"/>
-              </a:ext>
-            </a:extLst>
-          </p:cNvPr>
-          <p:cNvPicPr>
-            <a:picLocks noChangeAspect="1"/>
-          </p:cNvPicPr>
-          <p:nvPr/>
-        </p:nvPicPr>
-        <p:blipFill>
-          <a:blip r:embed="rId2">
-            <a:extLst>
-              <a:ext uri="{28A0092B-C50C-407E-A947-70E740481C1C}">
-                <a14:useLocalDpi xmlns:a14="http://schemas.microsoft.com/office/drawing/2010/main" val="0"/>
-              </a:ext>
-            </a:extLst>
-          </a:blip>
-          <a:stretch>
-            <a:fillRect/>
-          </a:stretch>
-        </p:blipFill>
-        <p:spPr>
-          <a:xfrm>
-            <a:off x="1350125" y="639149"/>
-            <a:ext cx="540000" cy="540000"/>
-          </a:xfrm>
-          <a:prstGeom prst="rect">
-            <a:avLst/>
-          </a:prstGeom>
-        </p:spPr>
-      </p:pic>
-      <p:pic>
-        <p:nvPicPr>
-          <p:cNvPr id="5" name="Picture 4">
-            <a:extLst>
-              <a:ext uri="{FF2B5EF4-FFF2-40B4-BE49-F238E27FC236}">
-                <a16:creationId xmlns:a16="http://schemas.microsoft.com/office/drawing/2014/main" id="{0E367A09-5801-7AFD-AE95-5AEF9063E401}"/>
-              </a:ext>
-            </a:extLst>
-          </p:cNvPr>
-          <p:cNvPicPr>
-            <a:picLocks noChangeAspect="1"/>
-          </p:cNvPicPr>
-          <p:nvPr/>
-        </p:nvPicPr>
-        <p:blipFill>
-          <a:blip r:embed="rId3">
-            <a:extLst>
-              <a:ext uri="{28A0092B-C50C-407E-A947-70E740481C1C}">
-                <a14:useLocalDpi xmlns:a14="http://schemas.microsoft.com/office/drawing/2010/main" val="0"/>
-              </a:ext>
-            </a:extLst>
-          </a:blip>
-          <a:stretch>
-            <a:fillRect/>
-          </a:stretch>
-        </p:blipFill>
-        <p:spPr>
-          <a:xfrm>
-            <a:off x="2065411" y="277694"/>
-            <a:ext cx="1080000" cy="1080000"/>
-          </a:xfrm>
-          <a:prstGeom prst="rect">
-            <a:avLst/>
-          </a:prstGeom>
-        </p:spPr>
-      </p:pic>
-      <p:sp>
-        <p:nvSpPr>
-          <p:cNvPr id="6" name="Rectangle 5">
-            <a:extLst>
-              <a:ext uri="{FF2B5EF4-FFF2-40B4-BE49-F238E27FC236}">
-                <a16:creationId xmlns:a16="http://schemas.microsoft.com/office/drawing/2014/main" id="{BA478818-F0C9-E090-811E-B3C09BB98279}"/>
+                <a16:creationId xmlns:a16="http://schemas.microsoft.com/office/drawing/2014/main" id="{53B99590-45C3-EC99-44DA-A0A3E9991658}"/>
               </a:ext>
             </a:extLst>
           </p:cNvPr>
@@ -3893,14 +4524,17 @@
         </p:nvSpPr>
         <p:spPr>
           <a:xfrm>
-            <a:off x="1890125" y="1357695"/>
-            <a:ext cx="1440000" cy="4671875"/>
+            <a:off x="1764384" y="1150070"/>
+            <a:ext cx="3063711" cy="4845377"/>
           </a:xfrm>
           <a:prstGeom prst="rect">
             <a:avLst/>
           </a:prstGeom>
-          <a:noFill/>
-          <a:ln w="28575"/>
+          <a:solidFill>
+            <a:schemeClr val="accent3">
+              <a:lumMod val="75000"/>
+            </a:schemeClr>
+          </a:solidFill>
         </p:spPr>
         <p:style>
           <a:lnRef idx="2">
@@ -3923,16 +4557,199 @@
           <a:lstStyle/>
           <a:p>
             <a:pPr algn="ctr"/>
-            <a:endParaRPr lang="en-IN"/>
-          </a:p>
-        </p:txBody>
-      </p:sp>
-      <p:sp>
-        <p:nvSpPr>
-          <p:cNvPr id="7" name="TextBox 6">
+            <a:r>
+              <a:rPr lang="en-IN" dirty="0"/>
+              <a:t>Available </a:t>
+            </a:r>
+          </a:p>
+          <a:p>
+            <a:pPr algn="ctr"/>
+            <a:r>
+              <a:rPr lang="en-IN" dirty="0"/>
+              <a:t>Memory</a:t>
+            </a:r>
+          </a:p>
+        </p:txBody>
+      </p:sp>
+      <p:grpSp>
+        <p:nvGrpSpPr>
+          <p:cNvPr id="7" name="Group 6">
             <a:extLst>
               <a:ext uri="{FF2B5EF4-FFF2-40B4-BE49-F238E27FC236}">
-                <a16:creationId xmlns:a16="http://schemas.microsoft.com/office/drawing/2014/main" id="{7FDDF5FC-6456-1D81-9B2C-1A306B62E48E}"/>
+                <a16:creationId xmlns:a16="http://schemas.microsoft.com/office/drawing/2014/main" id="{F8927833-921B-3356-E789-3F03D4B921F8}"/>
+              </a:ext>
+            </a:extLst>
+          </p:cNvPr>
+          <p:cNvGrpSpPr/>
+          <p:nvPr/>
+        </p:nvGrpSpPr>
+        <p:grpSpPr>
+          <a:xfrm>
+            <a:off x="7363906" y="1150070"/>
+            <a:ext cx="3063711" cy="4845377"/>
+            <a:chOff x="7363906" y="1150070"/>
+            <a:chExt cx="3063711" cy="4845377"/>
+          </a:xfrm>
+        </p:grpSpPr>
+        <p:sp>
+          <p:nvSpPr>
+            <p:cNvPr id="3" name="Rectangle 2">
+              <a:extLst>
+                <a:ext uri="{FF2B5EF4-FFF2-40B4-BE49-F238E27FC236}">
+                  <a16:creationId xmlns:a16="http://schemas.microsoft.com/office/drawing/2014/main" id="{D481990D-74BF-9CA4-80D0-58509D27A57B}"/>
+                </a:ext>
+              </a:extLst>
+            </p:cNvPr>
+            <p:cNvSpPr/>
+            <p:nvPr/>
+          </p:nvSpPr>
+          <p:spPr>
+            <a:xfrm>
+              <a:off x="7363906" y="1150070"/>
+              <a:ext cx="3063711" cy="4845377"/>
+            </a:xfrm>
+            <a:prstGeom prst="rect">
+              <a:avLst/>
+            </a:prstGeom>
+            <a:solidFill>
+              <a:schemeClr val="accent6">
+                <a:lumMod val="60000"/>
+                <a:lumOff val="40000"/>
+              </a:schemeClr>
+            </a:solidFill>
+          </p:spPr>
+          <p:style>
+            <a:lnRef idx="2">
+              <a:schemeClr val="accent1">
+                <a:shade val="15000"/>
+              </a:schemeClr>
+            </a:lnRef>
+            <a:fillRef idx="1">
+              <a:schemeClr val="accent1"/>
+            </a:fillRef>
+            <a:effectRef idx="0">
+              <a:schemeClr val="accent1"/>
+            </a:effectRef>
+            <a:fontRef idx="minor">
+              <a:schemeClr val="lt1"/>
+            </a:fontRef>
+          </p:style>
+          <p:txBody>
+            <a:bodyPr rtlCol="0" anchor="ctr"/>
+            <a:lstStyle/>
+            <a:p>
+              <a:pPr algn="ctr"/>
+              <a:r>
+                <a:rPr lang="en-IN" dirty="0"/>
+                <a:t>Bootloader</a:t>
+              </a:r>
+            </a:p>
+          </p:txBody>
+        </p:sp>
+        <p:sp>
+          <p:nvSpPr>
+            <p:cNvPr id="4" name="Rectangle 3">
+              <a:extLst>
+                <a:ext uri="{FF2B5EF4-FFF2-40B4-BE49-F238E27FC236}">
+                  <a16:creationId xmlns:a16="http://schemas.microsoft.com/office/drawing/2014/main" id="{19C1CBC5-A55E-80E2-5BF8-957627FC19B2}"/>
+                </a:ext>
+              </a:extLst>
+            </p:cNvPr>
+            <p:cNvSpPr/>
+            <p:nvPr/>
+          </p:nvSpPr>
+          <p:spPr>
+            <a:xfrm>
+              <a:off x="8127477" y="2049237"/>
+              <a:ext cx="2300140" cy="3946209"/>
+            </a:xfrm>
+            <a:prstGeom prst="rect">
+              <a:avLst/>
+            </a:prstGeom>
+            <a:solidFill>
+              <a:schemeClr val="accent3">
+                <a:lumMod val="75000"/>
+              </a:schemeClr>
+            </a:solidFill>
+          </p:spPr>
+          <p:style>
+            <a:lnRef idx="2">
+              <a:schemeClr val="accent1">
+                <a:shade val="15000"/>
+              </a:schemeClr>
+            </a:lnRef>
+            <a:fillRef idx="1">
+              <a:schemeClr val="accent1"/>
+            </a:fillRef>
+            <a:effectRef idx="0">
+              <a:schemeClr val="accent1"/>
+            </a:effectRef>
+            <a:fontRef idx="minor">
+              <a:schemeClr val="lt1"/>
+            </a:fontRef>
+          </p:style>
+          <p:txBody>
+            <a:bodyPr rtlCol="0" anchor="ctr"/>
+            <a:lstStyle/>
+            <a:p>
+              <a:pPr algn="ctr"/>
+              <a:r>
+                <a:rPr lang="en-IN" dirty="0"/>
+                <a:t>Available </a:t>
+              </a:r>
+            </a:p>
+            <a:p>
+              <a:pPr algn="ctr"/>
+              <a:r>
+                <a:rPr lang="en-IN" dirty="0"/>
+                <a:t>Memory</a:t>
+              </a:r>
+            </a:p>
+          </p:txBody>
+        </p:sp>
+        <p:sp>
+          <p:nvSpPr>
+            <p:cNvPr id="6" name="TextBox 5">
+              <a:extLst>
+                <a:ext uri="{FF2B5EF4-FFF2-40B4-BE49-F238E27FC236}">
+                  <a16:creationId xmlns:a16="http://schemas.microsoft.com/office/drawing/2014/main" id="{C970243D-D842-18CD-DE98-77933AA11F09}"/>
+                </a:ext>
+              </a:extLst>
+            </p:cNvPr>
+            <p:cNvSpPr txBox="1"/>
+            <p:nvPr/>
+          </p:nvSpPr>
+          <p:spPr>
+            <a:xfrm>
+              <a:off x="7663992" y="1276488"/>
+              <a:ext cx="2622223" cy="646331"/>
+            </a:xfrm>
+            <a:prstGeom prst="rect">
+              <a:avLst/>
+            </a:prstGeom>
+            <a:noFill/>
+          </p:spPr>
+          <p:txBody>
+            <a:bodyPr wrap="square" rtlCol="0">
+              <a:spAutoFit/>
+            </a:bodyPr>
+            <a:lstStyle/>
+            <a:p>
+              <a:pPr algn="ctr"/>
+              <a:r>
+                <a:rPr lang="en-IN" dirty="0"/>
+                <a:t>MICRONUCLEUS BOOTLOADER</a:t>
+              </a:r>
+            </a:p>
+          </p:txBody>
+        </p:sp>
+      </p:grpSp>
+      <p:sp>
+        <p:nvSpPr>
+          <p:cNvPr id="8" name="TextBox 7">
+            <a:extLst>
+              <a:ext uri="{FF2B5EF4-FFF2-40B4-BE49-F238E27FC236}">
+                <a16:creationId xmlns:a16="http://schemas.microsoft.com/office/drawing/2014/main" id="{DDACB3C1-B758-2518-8267-ACF3C62C48AC}"/>
               </a:ext>
             </a:extLst>
           </p:cNvPr>
@@ -3941,8 +4758,8 @@
         </p:nvSpPr>
         <p:spPr>
           <a:xfrm>
-            <a:off x="1885411" y="1437892"/>
-            <a:ext cx="1440000" cy="369332"/>
+            <a:off x="2894686" y="677887"/>
+            <a:ext cx="803105" cy="369332"/>
           </a:xfrm>
           <a:prstGeom prst="rect">
             <a:avLst/>
@@ -3950,25 +4767,220 @@
           <a:noFill/>
         </p:spPr>
         <p:txBody>
-          <a:bodyPr wrap="square" rtlCol="0">
+          <a:bodyPr wrap="none" rtlCol="0">
             <a:spAutoFit/>
           </a:bodyPr>
           <a:lstStyle/>
           <a:p>
+            <a:r>
+              <a:rPr lang="en-IN" dirty="0"/>
+              <a:t>Before</a:t>
+            </a:r>
+          </a:p>
+        </p:txBody>
+      </p:sp>
+      <p:sp>
+        <p:nvSpPr>
+          <p:cNvPr id="9" name="TextBox 8">
+            <a:extLst>
+              <a:ext uri="{FF2B5EF4-FFF2-40B4-BE49-F238E27FC236}">
+                <a16:creationId xmlns:a16="http://schemas.microsoft.com/office/drawing/2014/main" id="{D82C6691-A290-5628-C785-576E9664C37A}"/>
+              </a:ext>
+            </a:extLst>
+          </p:cNvPr>
+          <p:cNvSpPr txBox="1"/>
+          <p:nvPr/>
+        </p:nvSpPr>
+        <p:spPr>
+          <a:xfrm>
+            <a:off x="8494208" y="677887"/>
+            <a:ext cx="658257" cy="369332"/>
+          </a:xfrm>
+          <a:prstGeom prst="rect">
+            <a:avLst/>
+          </a:prstGeom>
+          <a:noFill/>
+        </p:spPr>
+        <p:txBody>
+          <a:bodyPr wrap="none" rtlCol="0">
+            <a:spAutoFit/>
+          </a:bodyPr>
+          <a:lstStyle/>
+          <a:p>
+            <a:r>
+              <a:rPr lang="en-IN" dirty="0"/>
+              <a:t>After</a:t>
+            </a:r>
+          </a:p>
+        </p:txBody>
+      </p:sp>
+      <p:sp>
+        <p:nvSpPr>
+          <p:cNvPr id="10" name="Left Brace 9">
+            <a:extLst>
+              <a:ext uri="{FF2B5EF4-FFF2-40B4-BE49-F238E27FC236}">
+                <a16:creationId xmlns:a16="http://schemas.microsoft.com/office/drawing/2014/main" id="{67EEE532-0B70-BD10-4C7E-5853EDFBFE07}"/>
+              </a:ext>
+            </a:extLst>
+          </p:cNvPr>
+          <p:cNvSpPr/>
+          <p:nvPr/>
+        </p:nvSpPr>
+        <p:spPr>
+          <a:xfrm>
+            <a:off x="1263192" y="1150070"/>
+            <a:ext cx="226243" cy="4845376"/>
+          </a:xfrm>
+          <a:prstGeom prst="leftBrace">
+            <a:avLst/>
+          </a:prstGeom>
+          <a:ln/>
+        </p:spPr>
+        <p:style>
+          <a:lnRef idx="3">
+            <a:schemeClr val="dk1"/>
+          </a:lnRef>
+          <a:fillRef idx="0">
+            <a:schemeClr val="dk1"/>
+          </a:fillRef>
+          <a:effectRef idx="2">
+            <a:schemeClr val="dk1"/>
+          </a:effectRef>
+          <a:fontRef idx="minor">
+            <a:schemeClr val="tx1"/>
+          </a:fontRef>
+        </p:style>
+        <p:txBody>
+          <a:bodyPr rtlCol="0" anchor="ctr"/>
+          <a:lstStyle/>
+          <a:p>
             <a:pPr algn="ctr"/>
-            <a:r>
-              <a:rPr lang="en-IN" b="1" u="sng" dirty="0"/>
-              <a:t>PORTS</a:t>
-            </a:r>
-          </a:p>
-        </p:txBody>
-      </p:sp>
+            <a:endParaRPr lang="en-IN"/>
+          </a:p>
+        </p:txBody>
+      </p:sp>
+      <p:sp>
+        <p:nvSpPr>
+          <p:cNvPr id="11" name="TextBox 10">
+            <a:extLst>
+              <a:ext uri="{FF2B5EF4-FFF2-40B4-BE49-F238E27FC236}">
+                <a16:creationId xmlns:a16="http://schemas.microsoft.com/office/drawing/2014/main" id="{56208A73-FAFA-E671-6D39-D46AC77FD2D9}"/>
+              </a:ext>
+            </a:extLst>
+          </p:cNvPr>
+          <p:cNvSpPr txBox="1"/>
+          <p:nvPr/>
+        </p:nvSpPr>
+        <p:spPr>
+          <a:xfrm>
+            <a:off x="287091" y="3012112"/>
+            <a:ext cx="976101" cy="923330"/>
+          </a:xfrm>
+          <a:prstGeom prst="rect">
+            <a:avLst/>
+          </a:prstGeom>
+          <a:noFill/>
+        </p:spPr>
+        <p:txBody>
+          <a:bodyPr wrap="none" rtlCol="0">
+            <a:spAutoFit/>
+          </a:bodyPr>
+          <a:lstStyle/>
+          <a:p>
+            <a:pPr algn="ctr"/>
+            <a:r>
+              <a:rPr lang="en-IN" dirty="0"/>
+              <a:t>8KB</a:t>
+            </a:r>
+          </a:p>
+          <a:p>
+            <a:pPr algn="ctr"/>
+            <a:r>
+              <a:rPr lang="en-IN" dirty="0"/>
+              <a:t>Flash</a:t>
+            </a:r>
+          </a:p>
+          <a:p>
+            <a:pPr algn="ctr"/>
+            <a:r>
+              <a:rPr lang="en-IN" dirty="0"/>
+              <a:t>memory</a:t>
+            </a:r>
+          </a:p>
+        </p:txBody>
+      </p:sp>
+    </p:spTree>
+    <p:extLst>
+      <p:ext uri="{BB962C8B-B14F-4D97-AF65-F5344CB8AC3E}">
+        <p14:creationId xmlns:p14="http://schemas.microsoft.com/office/powerpoint/2010/main" val="107015094"/>
+      </p:ext>
+    </p:extLst>
+  </p:cSld>
+  <p:clrMapOvr>
+    <a:masterClrMapping/>
+  </p:clrMapOvr>
+</p:sld>
+</file>
+
+<file path=ppt/slides/slide4.xml><?xml version="1.0" encoding="utf-8"?>
+<p:sld xmlns:a="http://schemas.openxmlformats.org/drawingml/2006/main" xmlns:r="http://schemas.openxmlformats.org/officeDocument/2006/relationships" xmlns:p="http://schemas.openxmlformats.org/presentationml/2006/main">
+  <p:cSld>
+    <p:spTree>
+      <p:nvGrpSpPr>
+        <p:cNvPr id="1" name=""/>
+        <p:cNvGrpSpPr/>
+        <p:nvPr/>
+      </p:nvGrpSpPr>
+      <p:grpSpPr>
+        <a:xfrm>
+          <a:off x="0" y="0"/>
+          <a:ext cx="0" cy="0"/>
+          <a:chOff x="0" y="0"/>
+          <a:chExt cx="0" cy="0"/>
+        </a:xfrm>
+      </p:grpSpPr>
       <p:pic>
         <p:nvPicPr>
-          <p:cNvPr id="11" name="Picture 10">
+          <p:cNvPr id="3" name="Picture 2">
             <a:extLst>
               <a:ext uri="{FF2B5EF4-FFF2-40B4-BE49-F238E27FC236}">
-                <a16:creationId xmlns:a16="http://schemas.microsoft.com/office/drawing/2014/main" id="{3CE3399A-3353-570B-8D21-8211F25BD2C0}"/>
+                <a16:creationId xmlns:a16="http://schemas.microsoft.com/office/drawing/2014/main" id="{40D377B0-DCF4-D4A6-AD75-4FF5C3BC18CA}"/>
+              </a:ext>
+            </a:extLst>
+          </p:cNvPr>
+          <p:cNvPicPr>
+            <a:picLocks noChangeAspect="1"/>
+          </p:cNvPicPr>
+          <p:nvPr/>
+        </p:nvPicPr>
+        <p:blipFill>
+          <a:blip r:embed="rId2">
+            <a:extLst>
+              <a:ext uri="{28A0092B-C50C-407E-A947-70E740481C1C}">
+                <a14:useLocalDpi xmlns:a14="http://schemas.microsoft.com/office/drawing/2010/main" val="0"/>
+              </a:ext>
+            </a:extLst>
+          </a:blip>
+          <a:stretch>
+            <a:fillRect/>
+          </a:stretch>
+        </p:blipFill>
+        <p:spPr>
+          <a:xfrm>
+            <a:off x="1582917" y="3450884"/>
+            <a:ext cx="835174" cy="835174"/>
+          </a:xfrm>
+          <a:prstGeom prst="rect">
+            <a:avLst/>
+          </a:prstGeom>
+        </p:spPr>
+      </p:pic>
+      <p:pic>
+        <p:nvPicPr>
+          <p:cNvPr id="5" name="Picture 4">
+            <a:extLst>
+              <a:ext uri="{FF2B5EF4-FFF2-40B4-BE49-F238E27FC236}">
+                <a16:creationId xmlns:a16="http://schemas.microsoft.com/office/drawing/2014/main" id="{6F16B167-17D2-DF8B-D49F-D70E1E01D9BA}"/>
               </a:ext>
             </a:extLst>
           </p:cNvPr>
@@ -3991,7 +5003,917 @@
         </p:blipFill>
         <p:spPr>
           <a:xfrm>
-            <a:off x="8861875" y="246831"/>
+            <a:off x="5347702" y="2187623"/>
+            <a:ext cx="938097" cy="938097"/>
+          </a:xfrm>
+          <a:prstGeom prst="rect">
+            <a:avLst/>
+          </a:prstGeom>
+        </p:spPr>
+      </p:pic>
+      <p:pic>
+        <p:nvPicPr>
+          <p:cNvPr id="7" name="Picture 6">
+            <a:extLst>
+              <a:ext uri="{FF2B5EF4-FFF2-40B4-BE49-F238E27FC236}">
+                <a16:creationId xmlns:a16="http://schemas.microsoft.com/office/drawing/2014/main" id="{A0D81651-F531-FCAB-9053-3E80F569C2EA}"/>
+              </a:ext>
+            </a:extLst>
+          </p:cNvPr>
+          <p:cNvPicPr>
+            <a:picLocks noChangeAspect="1"/>
+          </p:cNvPicPr>
+          <p:nvPr/>
+        </p:nvPicPr>
+        <p:blipFill>
+          <a:blip r:embed="rId2">
+            <a:extLst>
+              <a:ext uri="{28A0092B-C50C-407E-A947-70E740481C1C}">
+                <a14:useLocalDpi xmlns:a14="http://schemas.microsoft.com/office/drawing/2010/main" val="0"/>
+              </a:ext>
+            </a:extLst>
+          </a:blip>
+          <a:stretch>
+            <a:fillRect/>
+          </a:stretch>
+        </p:blipFill>
+        <p:spPr>
+          <a:xfrm>
+            <a:off x="2418091" y="1094967"/>
+            <a:ext cx="835174" cy="835174"/>
+          </a:xfrm>
+          <a:prstGeom prst="rect">
+            <a:avLst/>
+          </a:prstGeom>
+        </p:spPr>
+      </p:pic>
+      <p:pic>
+        <p:nvPicPr>
+          <p:cNvPr id="9" name="Picture 8">
+            <a:extLst>
+              <a:ext uri="{FF2B5EF4-FFF2-40B4-BE49-F238E27FC236}">
+                <a16:creationId xmlns:a16="http://schemas.microsoft.com/office/drawing/2014/main" id="{0784DABE-1EA3-5620-1807-85D3721BFE23}"/>
+              </a:ext>
+            </a:extLst>
+          </p:cNvPr>
+          <p:cNvPicPr>
+            <a:picLocks noChangeAspect="1"/>
+          </p:cNvPicPr>
+          <p:nvPr/>
+        </p:nvPicPr>
+        <p:blipFill>
+          <a:blip r:embed="rId4">
+            <a:extLst>
+              <a:ext uri="{28A0092B-C50C-407E-A947-70E740481C1C}">
+                <a14:useLocalDpi xmlns:a14="http://schemas.microsoft.com/office/drawing/2010/main" val="0"/>
+              </a:ext>
+            </a:extLst>
+          </a:blip>
+          <a:stretch>
+            <a:fillRect/>
+          </a:stretch>
+        </p:blipFill>
+        <p:spPr>
+          <a:xfrm>
+            <a:off x="8884699" y="1272970"/>
+            <a:ext cx="938098" cy="938098"/>
+          </a:xfrm>
+          <a:prstGeom prst="rect">
+            <a:avLst/>
+          </a:prstGeom>
+        </p:spPr>
+      </p:pic>
+      <p:pic>
+        <p:nvPicPr>
+          <p:cNvPr id="10" name="Picture 9">
+            <a:extLst>
+              <a:ext uri="{FF2B5EF4-FFF2-40B4-BE49-F238E27FC236}">
+                <a16:creationId xmlns:a16="http://schemas.microsoft.com/office/drawing/2014/main" id="{DC3E6158-CC6F-B602-9A7D-F6E827447FA2}"/>
+              </a:ext>
+            </a:extLst>
+          </p:cNvPr>
+          <p:cNvPicPr>
+            <a:picLocks noChangeAspect="1"/>
+          </p:cNvPicPr>
+          <p:nvPr/>
+        </p:nvPicPr>
+        <p:blipFill>
+          <a:blip r:embed="rId2">
+            <a:extLst>
+              <a:ext uri="{28A0092B-C50C-407E-A947-70E740481C1C}">
+                <a14:useLocalDpi xmlns:a14="http://schemas.microsoft.com/office/drawing/2010/main" val="0"/>
+              </a:ext>
+            </a:extLst>
+          </a:blip>
+          <a:stretch>
+            <a:fillRect/>
+          </a:stretch>
+        </p:blipFill>
+        <p:spPr>
+          <a:xfrm>
+            <a:off x="8632467" y="3125720"/>
+            <a:ext cx="938097" cy="938097"/>
+          </a:xfrm>
+          <a:prstGeom prst="rect">
+            <a:avLst/>
+          </a:prstGeom>
+        </p:spPr>
+      </p:pic>
+      <p:pic>
+        <p:nvPicPr>
+          <p:cNvPr id="13" name="Picture 12">
+            <a:extLst>
+              <a:ext uri="{FF2B5EF4-FFF2-40B4-BE49-F238E27FC236}">
+                <a16:creationId xmlns:a16="http://schemas.microsoft.com/office/drawing/2014/main" id="{69833393-A3DE-B88F-239C-DF86CA4D55FE}"/>
+              </a:ext>
+            </a:extLst>
+          </p:cNvPr>
+          <p:cNvPicPr>
+            <a:picLocks noChangeAspect="1"/>
+          </p:cNvPicPr>
+          <p:nvPr/>
+        </p:nvPicPr>
+        <p:blipFill>
+          <a:blip r:embed="rId4">
+            <a:extLst>
+              <a:ext uri="{28A0092B-C50C-407E-A947-70E740481C1C}">
+                <a14:useLocalDpi xmlns:a14="http://schemas.microsoft.com/office/drawing/2010/main" val="0"/>
+              </a:ext>
+            </a:extLst>
+          </a:blip>
+          <a:stretch>
+            <a:fillRect/>
+          </a:stretch>
+        </p:blipFill>
+        <p:spPr>
+          <a:xfrm>
+            <a:off x="6576704" y="4634269"/>
+            <a:ext cx="938098" cy="938098"/>
+          </a:xfrm>
+          <a:prstGeom prst="rect">
+            <a:avLst/>
+          </a:prstGeom>
+        </p:spPr>
+      </p:pic>
+      <p:pic>
+        <p:nvPicPr>
+          <p:cNvPr id="14" name="Picture 13">
+            <a:extLst>
+              <a:ext uri="{FF2B5EF4-FFF2-40B4-BE49-F238E27FC236}">
+                <a16:creationId xmlns:a16="http://schemas.microsoft.com/office/drawing/2014/main" id="{EF32953E-B288-F95B-B7C2-F7E56A4893B6}"/>
+              </a:ext>
+            </a:extLst>
+          </p:cNvPr>
+          <p:cNvPicPr>
+            <a:picLocks noChangeAspect="1"/>
+          </p:cNvPicPr>
+          <p:nvPr/>
+        </p:nvPicPr>
+        <p:blipFill>
+          <a:blip r:embed="rId4">
+            <a:extLst>
+              <a:ext uri="{28A0092B-C50C-407E-A947-70E740481C1C}">
+                <a14:useLocalDpi xmlns:a14="http://schemas.microsoft.com/office/drawing/2010/main" val="0"/>
+              </a:ext>
+            </a:extLst>
+          </a:blip>
+          <a:stretch>
+            <a:fillRect/>
+          </a:stretch>
+        </p:blipFill>
+        <p:spPr>
+          <a:xfrm>
+            <a:off x="3676258" y="4606723"/>
+            <a:ext cx="938098" cy="938098"/>
+          </a:xfrm>
+          <a:prstGeom prst="rect">
+            <a:avLst/>
+          </a:prstGeom>
+        </p:spPr>
+      </p:pic>
+      <p:cxnSp>
+        <p:nvCxnSpPr>
+          <p:cNvPr id="18" name="Straight Arrow Connector 17">
+            <a:extLst>
+              <a:ext uri="{FF2B5EF4-FFF2-40B4-BE49-F238E27FC236}">
+                <a16:creationId xmlns:a16="http://schemas.microsoft.com/office/drawing/2014/main" id="{FFDEFFEC-246E-A964-D89A-BF44AE6842F0}"/>
+              </a:ext>
+            </a:extLst>
+          </p:cNvPr>
+          <p:cNvCxnSpPr>
+            <a:cxnSpLocks/>
+          </p:cNvCxnSpPr>
+          <p:nvPr/>
+        </p:nvCxnSpPr>
+        <p:spPr>
+          <a:xfrm>
+            <a:off x="3364809" y="1937620"/>
+            <a:ext cx="1603116" cy="796826"/>
+          </a:xfrm>
+          <a:prstGeom prst="straightConnector1">
+            <a:avLst/>
+          </a:prstGeom>
+          <a:ln>
+            <a:prstDash val="sysDash"/>
+            <a:headEnd type="triangle"/>
+            <a:tailEnd type="triangle"/>
+          </a:ln>
+        </p:spPr>
+        <p:style>
+          <a:lnRef idx="3">
+            <a:schemeClr val="dk1"/>
+          </a:lnRef>
+          <a:fillRef idx="0">
+            <a:schemeClr val="dk1"/>
+          </a:fillRef>
+          <a:effectRef idx="2">
+            <a:schemeClr val="dk1"/>
+          </a:effectRef>
+          <a:fontRef idx="minor">
+            <a:schemeClr val="tx1"/>
+          </a:fontRef>
+        </p:style>
+      </p:cxnSp>
+      <p:cxnSp>
+        <p:nvCxnSpPr>
+          <p:cNvPr id="20" name="Straight Arrow Connector 19">
+            <a:extLst>
+              <a:ext uri="{FF2B5EF4-FFF2-40B4-BE49-F238E27FC236}">
+                <a16:creationId xmlns:a16="http://schemas.microsoft.com/office/drawing/2014/main" id="{4BF77B3E-A0C5-3B55-34FA-D6B420ECD42F}"/>
+              </a:ext>
+            </a:extLst>
+          </p:cNvPr>
+          <p:cNvCxnSpPr>
+            <a:cxnSpLocks/>
+          </p:cNvCxnSpPr>
+          <p:nvPr/>
+        </p:nvCxnSpPr>
+        <p:spPr>
+          <a:xfrm flipV="1">
+            <a:off x="2587757" y="3137442"/>
+            <a:ext cx="2177002" cy="731029"/>
+          </a:xfrm>
+          <a:prstGeom prst="straightConnector1">
+            <a:avLst/>
+          </a:prstGeom>
+          <a:ln>
+            <a:prstDash val="sysDash"/>
+            <a:headEnd type="triangle"/>
+            <a:tailEnd type="triangle"/>
+          </a:ln>
+        </p:spPr>
+        <p:style>
+          <a:lnRef idx="3">
+            <a:schemeClr val="dk1"/>
+          </a:lnRef>
+          <a:fillRef idx="0">
+            <a:schemeClr val="dk1"/>
+          </a:fillRef>
+          <a:effectRef idx="2">
+            <a:schemeClr val="dk1"/>
+          </a:effectRef>
+          <a:fontRef idx="minor">
+            <a:schemeClr val="tx1"/>
+          </a:fontRef>
+        </p:style>
+      </p:cxnSp>
+      <p:cxnSp>
+        <p:nvCxnSpPr>
+          <p:cNvPr id="23" name="Straight Arrow Connector 22">
+            <a:extLst>
+              <a:ext uri="{FF2B5EF4-FFF2-40B4-BE49-F238E27FC236}">
+                <a16:creationId xmlns:a16="http://schemas.microsoft.com/office/drawing/2014/main" id="{62A195AE-FEF2-CA85-820F-600CA421A0CA}"/>
+              </a:ext>
+            </a:extLst>
+          </p:cNvPr>
+          <p:cNvCxnSpPr>
+            <a:cxnSpLocks/>
+          </p:cNvCxnSpPr>
+          <p:nvPr/>
+        </p:nvCxnSpPr>
+        <p:spPr>
+          <a:xfrm flipV="1">
+            <a:off x="4449451" y="3663532"/>
+            <a:ext cx="626702" cy="765799"/>
+          </a:xfrm>
+          <a:prstGeom prst="straightConnector1">
+            <a:avLst/>
+          </a:prstGeom>
+          <a:ln>
+            <a:prstDash val="sysDash"/>
+            <a:headEnd type="triangle"/>
+            <a:tailEnd type="triangle"/>
+          </a:ln>
+        </p:spPr>
+        <p:style>
+          <a:lnRef idx="3">
+            <a:schemeClr val="dk1"/>
+          </a:lnRef>
+          <a:fillRef idx="0">
+            <a:schemeClr val="dk1"/>
+          </a:fillRef>
+          <a:effectRef idx="2">
+            <a:schemeClr val="dk1"/>
+          </a:effectRef>
+          <a:fontRef idx="minor">
+            <a:schemeClr val="tx1"/>
+          </a:fontRef>
+        </p:style>
+      </p:cxnSp>
+      <p:cxnSp>
+        <p:nvCxnSpPr>
+          <p:cNvPr id="26" name="Straight Arrow Connector 25">
+            <a:extLst>
+              <a:ext uri="{FF2B5EF4-FFF2-40B4-BE49-F238E27FC236}">
+                <a16:creationId xmlns:a16="http://schemas.microsoft.com/office/drawing/2014/main" id="{842C01F4-1DA6-2E59-5509-D6381E353541}"/>
+              </a:ext>
+            </a:extLst>
+          </p:cNvPr>
+          <p:cNvCxnSpPr>
+            <a:cxnSpLocks/>
+          </p:cNvCxnSpPr>
+          <p:nvPr/>
+        </p:nvCxnSpPr>
+        <p:spPr>
+          <a:xfrm flipH="1" flipV="1">
+            <a:off x="6363441" y="3639966"/>
+            <a:ext cx="426525" cy="926375"/>
+          </a:xfrm>
+          <a:prstGeom prst="straightConnector1">
+            <a:avLst/>
+          </a:prstGeom>
+          <a:ln>
+            <a:prstDash val="sysDash"/>
+            <a:headEnd type="triangle"/>
+            <a:tailEnd type="triangle"/>
+          </a:ln>
+        </p:spPr>
+        <p:style>
+          <a:lnRef idx="3">
+            <a:schemeClr val="dk1"/>
+          </a:lnRef>
+          <a:fillRef idx="0">
+            <a:schemeClr val="dk1"/>
+          </a:fillRef>
+          <a:effectRef idx="2">
+            <a:schemeClr val="dk1"/>
+          </a:effectRef>
+          <a:fontRef idx="minor">
+            <a:schemeClr val="tx1"/>
+          </a:fontRef>
+        </p:style>
+      </p:cxnSp>
+      <p:cxnSp>
+        <p:nvCxnSpPr>
+          <p:cNvPr id="30" name="Straight Arrow Connector 29">
+            <a:extLst>
+              <a:ext uri="{FF2B5EF4-FFF2-40B4-BE49-F238E27FC236}">
+                <a16:creationId xmlns:a16="http://schemas.microsoft.com/office/drawing/2014/main" id="{E6253CDD-53BE-E173-FDA0-DCED9AA296E5}"/>
+              </a:ext>
+            </a:extLst>
+          </p:cNvPr>
+          <p:cNvCxnSpPr>
+            <a:cxnSpLocks/>
+          </p:cNvCxnSpPr>
+          <p:nvPr/>
+        </p:nvCxnSpPr>
+        <p:spPr>
+          <a:xfrm>
+            <a:off x="6702960" y="3000432"/>
+            <a:ext cx="1639761" cy="502524"/>
+          </a:xfrm>
+          <a:prstGeom prst="straightConnector1">
+            <a:avLst/>
+          </a:prstGeom>
+          <a:ln>
+            <a:prstDash val="sysDash"/>
+            <a:headEnd type="triangle"/>
+            <a:tailEnd type="triangle"/>
+          </a:ln>
+        </p:spPr>
+        <p:style>
+          <a:lnRef idx="3">
+            <a:schemeClr val="dk1"/>
+          </a:lnRef>
+          <a:fillRef idx="0">
+            <a:schemeClr val="dk1"/>
+          </a:fillRef>
+          <a:effectRef idx="2">
+            <a:schemeClr val="dk1"/>
+          </a:effectRef>
+          <a:fontRef idx="minor">
+            <a:schemeClr val="tx1"/>
+          </a:fontRef>
+        </p:style>
+      </p:cxnSp>
+      <p:cxnSp>
+        <p:nvCxnSpPr>
+          <p:cNvPr id="32" name="Straight Arrow Connector 31">
+            <a:extLst>
+              <a:ext uri="{FF2B5EF4-FFF2-40B4-BE49-F238E27FC236}">
+                <a16:creationId xmlns:a16="http://schemas.microsoft.com/office/drawing/2014/main" id="{1D4EA5F6-BDB1-FE67-3F21-D2BC96152D36}"/>
+              </a:ext>
+            </a:extLst>
+          </p:cNvPr>
+          <p:cNvCxnSpPr>
+            <a:cxnSpLocks/>
+          </p:cNvCxnSpPr>
+          <p:nvPr/>
+        </p:nvCxnSpPr>
+        <p:spPr>
+          <a:xfrm flipV="1">
+            <a:off x="6702960" y="2177592"/>
+            <a:ext cx="1432372" cy="382471"/>
+          </a:xfrm>
+          <a:prstGeom prst="straightConnector1">
+            <a:avLst/>
+          </a:prstGeom>
+          <a:ln>
+            <a:prstDash val="sysDash"/>
+            <a:headEnd type="triangle"/>
+            <a:tailEnd type="triangle"/>
+          </a:ln>
+        </p:spPr>
+        <p:style>
+          <a:lnRef idx="3">
+            <a:schemeClr val="dk1"/>
+          </a:lnRef>
+          <a:fillRef idx="0">
+            <a:schemeClr val="dk1"/>
+          </a:fillRef>
+          <a:effectRef idx="2">
+            <a:schemeClr val="dk1"/>
+          </a:effectRef>
+          <a:fontRef idx="minor">
+            <a:schemeClr val="tx1"/>
+          </a:fontRef>
+        </p:style>
+      </p:cxnSp>
+      <p:sp>
+        <p:nvSpPr>
+          <p:cNvPr id="34" name="TextBox 33">
+            <a:extLst>
+              <a:ext uri="{FF2B5EF4-FFF2-40B4-BE49-F238E27FC236}">
+                <a16:creationId xmlns:a16="http://schemas.microsoft.com/office/drawing/2014/main" id="{94A61683-6036-4D15-E066-3CBA6C3E8F4C}"/>
+              </a:ext>
+            </a:extLst>
+          </p:cNvPr>
+          <p:cNvSpPr txBox="1"/>
+          <p:nvPr/>
+        </p:nvSpPr>
+        <p:spPr>
+          <a:xfrm>
+            <a:off x="5302437" y="1568288"/>
+            <a:ext cx="1029128" cy="369332"/>
+          </a:xfrm>
+          <a:prstGeom prst="rect">
+            <a:avLst/>
+          </a:prstGeom>
+          <a:noFill/>
+        </p:spPr>
+        <p:txBody>
+          <a:bodyPr wrap="none" rtlCol="0">
+            <a:spAutoFit/>
+          </a:bodyPr>
+          <a:lstStyle/>
+          <a:p>
+            <a:r>
+              <a:rPr lang="en-IN" dirty="0">
+                <a:latin typeface="Franklin Gothic Medium" panose="020B0603020102020204" pitchFamily="34" charset="0"/>
+              </a:rPr>
+              <a:t>Gateway</a:t>
+            </a:r>
+          </a:p>
+        </p:txBody>
+      </p:sp>
+      <p:sp>
+        <p:nvSpPr>
+          <p:cNvPr id="35" name="TextBox 34">
+            <a:extLst>
+              <a:ext uri="{FF2B5EF4-FFF2-40B4-BE49-F238E27FC236}">
+                <a16:creationId xmlns:a16="http://schemas.microsoft.com/office/drawing/2014/main" id="{1FD46B2C-F2A7-F384-6408-EE4ADB8B29DE}"/>
+              </a:ext>
+            </a:extLst>
+          </p:cNvPr>
+          <p:cNvSpPr txBox="1"/>
+          <p:nvPr/>
+        </p:nvSpPr>
+        <p:spPr>
+          <a:xfrm>
+            <a:off x="1804382" y="1949558"/>
+            <a:ext cx="1560427" cy="369332"/>
+          </a:xfrm>
+          <a:prstGeom prst="rect">
+            <a:avLst/>
+          </a:prstGeom>
+          <a:noFill/>
+        </p:spPr>
+        <p:txBody>
+          <a:bodyPr wrap="none" rtlCol="0">
+            <a:spAutoFit/>
+          </a:bodyPr>
+          <a:lstStyle/>
+          <a:p>
+            <a:r>
+              <a:rPr lang="en-IN" dirty="0">
+                <a:latin typeface="Franklin Gothic Medium" panose="020B0603020102020204" pitchFamily="34" charset="0"/>
+              </a:rPr>
+              <a:t>192.168.29.3</a:t>
+            </a:r>
+          </a:p>
+        </p:txBody>
+      </p:sp>
+      <p:sp>
+        <p:nvSpPr>
+          <p:cNvPr id="36" name="TextBox 35">
+            <a:extLst>
+              <a:ext uri="{FF2B5EF4-FFF2-40B4-BE49-F238E27FC236}">
+                <a16:creationId xmlns:a16="http://schemas.microsoft.com/office/drawing/2014/main" id="{31E697BD-10F0-CA30-1241-294396AC50B6}"/>
+              </a:ext>
+            </a:extLst>
+          </p:cNvPr>
+          <p:cNvSpPr txBox="1"/>
+          <p:nvPr/>
+        </p:nvSpPr>
+        <p:spPr>
+          <a:xfrm>
+            <a:off x="1309470" y="4286058"/>
+            <a:ext cx="1691682" cy="369332"/>
+          </a:xfrm>
+          <a:prstGeom prst="rect">
+            <a:avLst/>
+          </a:prstGeom>
+          <a:noFill/>
+        </p:spPr>
+        <p:txBody>
+          <a:bodyPr wrap="none" rtlCol="0">
+            <a:spAutoFit/>
+          </a:bodyPr>
+          <a:lstStyle/>
+          <a:p>
+            <a:r>
+              <a:rPr lang="en-IN" dirty="0">
+                <a:latin typeface="Franklin Gothic Medium" panose="020B0603020102020204" pitchFamily="34" charset="0"/>
+              </a:rPr>
+              <a:t>192.168.29.10</a:t>
+            </a:r>
+          </a:p>
+        </p:txBody>
+      </p:sp>
+      <p:sp>
+        <p:nvSpPr>
+          <p:cNvPr id="37" name="TextBox 36">
+            <a:extLst>
+              <a:ext uri="{FF2B5EF4-FFF2-40B4-BE49-F238E27FC236}">
+                <a16:creationId xmlns:a16="http://schemas.microsoft.com/office/drawing/2014/main" id="{9F47A463-0A59-B815-3961-F74ED1C431AC}"/>
+              </a:ext>
+            </a:extLst>
+          </p:cNvPr>
+          <p:cNvSpPr txBox="1"/>
+          <p:nvPr/>
+        </p:nvSpPr>
+        <p:spPr>
+          <a:xfrm>
+            <a:off x="3365093" y="5537547"/>
+            <a:ext cx="1693925" cy="369332"/>
+          </a:xfrm>
+          <a:prstGeom prst="rect">
+            <a:avLst/>
+          </a:prstGeom>
+          <a:noFill/>
+        </p:spPr>
+        <p:txBody>
+          <a:bodyPr wrap="none" rtlCol="0">
+            <a:spAutoFit/>
+          </a:bodyPr>
+          <a:lstStyle/>
+          <a:p>
+            <a:r>
+              <a:rPr lang="en-IN" dirty="0">
+                <a:latin typeface="Franklin Gothic Medium" panose="020B0603020102020204" pitchFamily="34" charset="0"/>
+              </a:rPr>
+              <a:t>192.168.29.11</a:t>
+            </a:r>
+          </a:p>
+        </p:txBody>
+      </p:sp>
+      <p:sp>
+        <p:nvSpPr>
+          <p:cNvPr id="38" name="TextBox 37">
+            <a:extLst>
+              <a:ext uri="{FF2B5EF4-FFF2-40B4-BE49-F238E27FC236}">
+                <a16:creationId xmlns:a16="http://schemas.microsoft.com/office/drawing/2014/main" id="{60A4FBF5-99A0-CB99-B2D9-24BFBA62B7A6}"/>
+              </a:ext>
+            </a:extLst>
+          </p:cNvPr>
+          <p:cNvSpPr txBox="1"/>
+          <p:nvPr/>
+        </p:nvSpPr>
+        <p:spPr>
+          <a:xfrm>
+            <a:off x="6331565" y="5572367"/>
+            <a:ext cx="1695079" cy="369332"/>
+          </a:xfrm>
+          <a:prstGeom prst="rect">
+            <a:avLst/>
+          </a:prstGeom>
+          <a:noFill/>
+        </p:spPr>
+        <p:txBody>
+          <a:bodyPr wrap="none" rtlCol="0">
+            <a:spAutoFit/>
+          </a:bodyPr>
+          <a:lstStyle/>
+          <a:p>
+            <a:r>
+              <a:rPr lang="en-IN" dirty="0">
+                <a:latin typeface="Franklin Gothic Medium" panose="020B0603020102020204" pitchFamily="34" charset="0"/>
+              </a:rPr>
+              <a:t>192.168.29.78</a:t>
+            </a:r>
+          </a:p>
+        </p:txBody>
+      </p:sp>
+      <p:sp>
+        <p:nvSpPr>
+          <p:cNvPr id="39" name="TextBox 38">
+            <a:extLst>
+              <a:ext uri="{FF2B5EF4-FFF2-40B4-BE49-F238E27FC236}">
+                <a16:creationId xmlns:a16="http://schemas.microsoft.com/office/drawing/2014/main" id="{F4B36E65-4941-1A8E-4C4E-DF0AC7FAE02C}"/>
+              </a:ext>
+            </a:extLst>
+          </p:cNvPr>
+          <p:cNvSpPr txBox="1"/>
+          <p:nvPr/>
+        </p:nvSpPr>
+        <p:spPr>
+          <a:xfrm>
+            <a:off x="8342721" y="4082141"/>
+            <a:ext cx="1695079" cy="369332"/>
+          </a:xfrm>
+          <a:prstGeom prst="rect">
+            <a:avLst/>
+          </a:prstGeom>
+          <a:noFill/>
+        </p:spPr>
+        <p:txBody>
+          <a:bodyPr wrap="none" rtlCol="0">
+            <a:spAutoFit/>
+          </a:bodyPr>
+          <a:lstStyle/>
+          <a:p>
+            <a:r>
+              <a:rPr lang="en-IN" dirty="0">
+                <a:latin typeface="Franklin Gothic Medium" panose="020B0603020102020204" pitchFamily="34" charset="0"/>
+              </a:rPr>
+              <a:t>192.168.29.32</a:t>
+            </a:r>
+          </a:p>
+        </p:txBody>
+      </p:sp>
+      <p:sp>
+        <p:nvSpPr>
+          <p:cNvPr id="40" name="TextBox 39">
+            <a:extLst>
+              <a:ext uri="{FF2B5EF4-FFF2-40B4-BE49-F238E27FC236}">
+                <a16:creationId xmlns:a16="http://schemas.microsoft.com/office/drawing/2014/main" id="{3E954EC8-56DE-D4FB-A110-7E2106B17A03}"/>
+              </a:ext>
+            </a:extLst>
+          </p:cNvPr>
+          <p:cNvSpPr txBox="1"/>
+          <p:nvPr/>
+        </p:nvSpPr>
+        <p:spPr>
+          <a:xfrm>
+            <a:off x="8539995" y="2231922"/>
+            <a:ext cx="1688667" cy="369332"/>
+          </a:xfrm>
+          <a:prstGeom prst="rect">
+            <a:avLst/>
+          </a:prstGeom>
+          <a:noFill/>
+        </p:spPr>
+        <p:txBody>
+          <a:bodyPr wrap="none" rtlCol="0">
+            <a:spAutoFit/>
+          </a:bodyPr>
+          <a:lstStyle/>
+          <a:p>
+            <a:r>
+              <a:rPr lang="en-IN" dirty="0">
+                <a:latin typeface="Franklin Gothic Medium" panose="020B0603020102020204" pitchFamily="34" charset="0"/>
+              </a:rPr>
+              <a:t>192.168.29.37</a:t>
+            </a:r>
+          </a:p>
+        </p:txBody>
+      </p:sp>
+      <p:sp>
+        <p:nvSpPr>
+          <p:cNvPr id="41" name="TextBox 40">
+            <a:extLst>
+              <a:ext uri="{FF2B5EF4-FFF2-40B4-BE49-F238E27FC236}">
+                <a16:creationId xmlns:a16="http://schemas.microsoft.com/office/drawing/2014/main" id="{1619AFD6-FDDD-C70B-6916-05CC31F55AFC}"/>
+              </a:ext>
+            </a:extLst>
+          </p:cNvPr>
+          <p:cNvSpPr txBox="1"/>
+          <p:nvPr/>
+        </p:nvSpPr>
+        <p:spPr>
+          <a:xfrm>
+            <a:off x="5013600" y="3200995"/>
+            <a:ext cx="1559273" cy="369332"/>
+          </a:xfrm>
+          <a:prstGeom prst="rect">
+            <a:avLst/>
+          </a:prstGeom>
+          <a:noFill/>
+        </p:spPr>
+        <p:txBody>
+          <a:bodyPr wrap="none" rtlCol="0">
+            <a:spAutoFit/>
+          </a:bodyPr>
+          <a:lstStyle/>
+          <a:p>
+            <a:r>
+              <a:rPr lang="en-IN" dirty="0">
+                <a:latin typeface="Franklin Gothic Medium" panose="020B0603020102020204" pitchFamily="34" charset="0"/>
+              </a:rPr>
+              <a:t>192.168.29.1</a:t>
+            </a:r>
+          </a:p>
+        </p:txBody>
+      </p:sp>
+      <p:sp>
+        <p:nvSpPr>
+          <p:cNvPr id="42" name="TextBox 41">
+            <a:extLst>
+              <a:ext uri="{FF2B5EF4-FFF2-40B4-BE49-F238E27FC236}">
+                <a16:creationId xmlns:a16="http://schemas.microsoft.com/office/drawing/2014/main" id="{3DA6F8F4-B54E-07C8-6E5F-0165E5062631}"/>
+              </a:ext>
+            </a:extLst>
+          </p:cNvPr>
+          <p:cNvSpPr txBox="1"/>
+          <p:nvPr/>
+        </p:nvSpPr>
+        <p:spPr>
+          <a:xfrm>
+            <a:off x="8884699" y="934258"/>
+            <a:ext cx="1022331" cy="369332"/>
+          </a:xfrm>
+          <a:prstGeom prst="rect">
+            <a:avLst/>
+          </a:prstGeom>
+          <a:noFill/>
+        </p:spPr>
+        <p:txBody>
+          <a:bodyPr wrap="none" rtlCol="0">
+            <a:spAutoFit/>
+          </a:bodyPr>
+          <a:lstStyle/>
+          <a:p>
+            <a:r>
+              <a:rPr lang="en-IN" dirty="0">
+                <a:latin typeface="Franklin Gothic Medium" panose="020B0603020102020204" pitchFamily="34" charset="0"/>
+              </a:rPr>
+              <a:t>Attacker</a:t>
+            </a:r>
+          </a:p>
+        </p:txBody>
+      </p:sp>
+      <p:sp>
+        <p:nvSpPr>
+          <p:cNvPr id="43" name="TextBox 42">
+            <a:extLst>
+              <a:ext uri="{FF2B5EF4-FFF2-40B4-BE49-F238E27FC236}">
+                <a16:creationId xmlns:a16="http://schemas.microsoft.com/office/drawing/2014/main" id="{0A4FE118-A825-32AB-3DB1-3A811DBC715B}"/>
+              </a:ext>
+            </a:extLst>
+          </p:cNvPr>
+          <p:cNvSpPr txBox="1"/>
+          <p:nvPr/>
+        </p:nvSpPr>
+        <p:spPr>
+          <a:xfrm>
+            <a:off x="1659911" y="3137442"/>
+            <a:ext cx="803425" cy="369332"/>
+          </a:xfrm>
+          <a:prstGeom prst="rect">
+            <a:avLst/>
+          </a:prstGeom>
+          <a:noFill/>
+        </p:spPr>
+        <p:txBody>
+          <a:bodyPr wrap="none" rtlCol="0">
+            <a:spAutoFit/>
+          </a:bodyPr>
+          <a:lstStyle/>
+          <a:p>
+            <a:r>
+              <a:rPr lang="en-IN" dirty="0">
+                <a:latin typeface="Franklin Gothic Medium" panose="020B0603020102020204" pitchFamily="34" charset="0"/>
+              </a:rPr>
+              <a:t>Victim</a:t>
+            </a:r>
+          </a:p>
+        </p:txBody>
+      </p:sp>
+    </p:spTree>
+    <p:extLst>
+      <p:ext uri="{BB962C8B-B14F-4D97-AF65-F5344CB8AC3E}">
+        <p14:creationId xmlns:p14="http://schemas.microsoft.com/office/powerpoint/2010/main" val="1628474598"/>
+      </p:ext>
+    </p:extLst>
+  </p:cSld>
+  <p:clrMapOvr>
+    <a:masterClrMapping/>
+  </p:clrMapOvr>
+</p:sld>
+</file>
+
+<file path=ppt/slides/slide5.xml><?xml version="1.0" encoding="utf-8"?>
+<p:sld xmlns:a="http://schemas.openxmlformats.org/drawingml/2006/main" xmlns:r="http://schemas.openxmlformats.org/officeDocument/2006/relationships" xmlns:p="http://schemas.openxmlformats.org/presentationml/2006/main">
+  <p:cSld>
+    <p:spTree>
+      <p:nvGrpSpPr>
+        <p:cNvPr id="1" name=""/>
+        <p:cNvGrpSpPr/>
+        <p:nvPr/>
+      </p:nvGrpSpPr>
+      <p:grpSpPr>
+        <a:xfrm>
+          <a:off x="0" y="0"/>
+          <a:ext cx="0" cy="0"/>
+          <a:chOff x="0" y="0"/>
+          <a:chExt cx="0" cy="0"/>
+        </a:xfrm>
+      </p:grpSpPr>
+      <p:pic>
+        <p:nvPicPr>
+          <p:cNvPr id="3" name="Picture 2">
+            <a:extLst>
+              <a:ext uri="{FF2B5EF4-FFF2-40B4-BE49-F238E27FC236}">
+                <a16:creationId xmlns:a16="http://schemas.microsoft.com/office/drawing/2014/main" id="{D20AD36B-7D20-F307-984A-914914AB6249}"/>
+              </a:ext>
+            </a:extLst>
+          </p:cNvPr>
+          <p:cNvPicPr>
+            <a:picLocks noChangeAspect="1"/>
+          </p:cNvPicPr>
+          <p:nvPr/>
+        </p:nvPicPr>
+        <p:blipFill>
+          <a:blip r:embed="rId2">
+            <a:extLst>
+              <a:ext uri="{28A0092B-C50C-407E-A947-70E740481C1C}">
+                <a14:useLocalDpi xmlns:a14="http://schemas.microsoft.com/office/drawing/2010/main" val="0"/>
+              </a:ext>
+            </a:extLst>
+          </a:blip>
+          <a:stretch>
+            <a:fillRect/>
+          </a:stretch>
+        </p:blipFill>
+        <p:spPr>
+          <a:xfrm>
+            <a:off x="1350125" y="639149"/>
+            <a:ext cx="540000" cy="540000"/>
+          </a:xfrm>
+          <a:prstGeom prst="rect">
+            <a:avLst/>
+          </a:prstGeom>
+        </p:spPr>
+      </p:pic>
+      <p:pic>
+        <p:nvPicPr>
+          <p:cNvPr id="5" name="Picture 4">
+            <a:extLst>
+              <a:ext uri="{FF2B5EF4-FFF2-40B4-BE49-F238E27FC236}">
+                <a16:creationId xmlns:a16="http://schemas.microsoft.com/office/drawing/2014/main" id="{0E367A09-5801-7AFD-AE95-5AEF9063E401}"/>
+              </a:ext>
+            </a:extLst>
+          </p:cNvPr>
+          <p:cNvPicPr>
+            <a:picLocks noChangeAspect="1"/>
+          </p:cNvPicPr>
+          <p:nvPr/>
+        </p:nvPicPr>
+        <p:blipFill>
+          <a:blip r:embed="rId3">
+            <a:extLst>
+              <a:ext uri="{28A0092B-C50C-407E-A947-70E740481C1C}">
+                <a14:useLocalDpi xmlns:a14="http://schemas.microsoft.com/office/drawing/2010/main" val="0"/>
+              </a:ext>
+            </a:extLst>
+          </a:blip>
+          <a:stretch>
+            <a:fillRect/>
+          </a:stretch>
+        </p:blipFill>
+        <p:spPr>
+          <a:xfrm>
+            <a:off x="2065411" y="277694"/>
             <a:ext cx="1080000" cy="1080000"/>
           </a:xfrm>
           <a:prstGeom prst="rect">
@@ -3999,6 +5921,90 @@
           </a:prstGeom>
         </p:spPr>
       </p:pic>
+      <p:sp>
+        <p:nvSpPr>
+          <p:cNvPr id="6" name="Rectangle 5">
+            <a:extLst>
+              <a:ext uri="{FF2B5EF4-FFF2-40B4-BE49-F238E27FC236}">
+                <a16:creationId xmlns:a16="http://schemas.microsoft.com/office/drawing/2014/main" id="{BA478818-F0C9-E090-811E-B3C09BB98279}"/>
+              </a:ext>
+            </a:extLst>
+          </p:cNvPr>
+          <p:cNvSpPr/>
+          <p:nvPr/>
+        </p:nvSpPr>
+        <p:spPr>
+          <a:xfrm>
+            <a:off x="1890125" y="1357695"/>
+            <a:ext cx="1440000" cy="4671875"/>
+          </a:xfrm>
+          <a:prstGeom prst="rect">
+            <a:avLst/>
+          </a:prstGeom>
+          <a:noFill/>
+          <a:ln w="28575"/>
+        </p:spPr>
+        <p:style>
+          <a:lnRef idx="2">
+            <a:schemeClr val="accent1">
+              <a:shade val="15000"/>
+            </a:schemeClr>
+          </a:lnRef>
+          <a:fillRef idx="1">
+            <a:schemeClr val="accent1"/>
+          </a:fillRef>
+          <a:effectRef idx="0">
+            <a:schemeClr val="accent1"/>
+          </a:effectRef>
+          <a:fontRef idx="minor">
+            <a:schemeClr val="lt1"/>
+          </a:fontRef>
+        </p:style>
+        <p:txBody>
+          <a:bodyPr rtlCol="0" anchor="ctr"/>
+          <a:lstStyle/>
+          <a:p>
+            <a:pPr algn="ctr"/>
+            <a:endParaRPr lang="en-IN"/>
+          </a:p>
+        </p:txBody>
+      </p:sp>
+      <p:sp>
+        <p:nvSpPr>
+          <p:cNvPr id="7" name="TextBox 6">
+            <a:extLst>
+              <a:ext uri="{FF2B5EF4-FFF2-40B4-BE49-F238E27FC236}">
+                <a16:creationId xmlns:a16="http://schemas.microsoft.com/office/drawing/2014/main" id="{7FDDF5FC-6456-1D81-9B2C-1A306B62E48E}"/>
+              </a:ext>
+            </a:extLst>
+          </p:cNvPr>
+          <p:cNvSpPr txBox="1"/>
+          <p:nvPr/>
+        </p:nvSpPr>
+        <p:spPr>
+          <a:xfrm>
+            <a:off x="1885411" y="1437892"/>
+            <a:ext cx="1440000" cy="369332"/>
+          </a:xfrm>
+          <a:prstGeom prst="rect">
+            <a:avLst/>
+          </a:prstGeom>
+          <a:noFill/>
+        </p:spPr>
+        <p:txBody>
+          <a:bodyPr wrap="square" rtlCol="0">
+            <a:spAutoFit/>
+          </a:bodyPr>
+          <a:lstStyle/>
+          <a:p>
+            <a:pPr algn="ctr"/>
+            <a:r>
+              <a:rPr lang="en-IN" b="1" u="sng" dirty="0"/>
+              <a:t>PORTS</a:t>
+            </a:r>
+          </a:p>
+        </p:txBody>
+      </p:sp>
       <p:sp>
         <p:nvSpPr>
           <p:cNvPr id="12" name="Rectangle 11">
@@ -4931,6 +6937,117 @@
           </a:p>
         </p:txBody>
       </p:sp>
+      <p:pic>
+        <p:nvPicPr>
+          <p:cNvPr id="4" name="Picture 3">
+            <a:extLst>
+              <a:ext uri="{FF2B5EF4-FFF2-40B4-BE49-F238E27FC236}">
+                <a16:creationId xmlns:a16="http://schemas.microsoft.com/office/drawing/2014/main" id="{9190113F-1036-B756-5DBA-8D84A664D313}"/>
+              </a:ext>
+            </a:extLst>
+          </p:cNvPr>
+          <p:cNvPicPr>
+            <a:picLocks noChangeAspect="1"/>
+          </p:cNvPicPr>
+          <p:nvPr/>
+        </p:nvPicPr>
+        <p:blipFill>
+          <a:blip r:embed="rId4">
+            <a:extLst>
+              <a:ext uri="{28A0092B-C50C-407E-A947-70E740481C1C}">
+                <a14:useLocalDpi xmlns:a14="http://schemas.microsoft.com/office/drawing/2010/main" val="0"/>
+              </a:ext>
+            </a:extLst>
+          </a:blip>
+          <a:stretch>
+            <a:fillRect/>
+          </a:stretch>
+        </p:blipFill>
+        <p:spPr>
+          <a:xfrm>
+            <a:off x="5644892" y="444579"/>
+            <a:ext cx="684504" cy="684504"/>
+          </a:xfrm>
+          <a:prstGeom prst="rect">
+            <a:avLst/>
+          </a:prstGeom>
+        </p:spPr>
+      </p:pic>
+      <p:cxnSp>
+        <p:nvCxnSpPr>
+          <p:cNvPr id="9" name="Straight Connector 8">
+            <a:extLst>
+              <a:ext uri="{FF2B5EF4-FFF2-40B4-BE49-F238E27FC236}">
+                <a16:creationId xmlns:a16="http://schemas.microsoft.com/office/drawing/2014/main" id="{4D38F16A-2241-E729-F16A-890093129F55}"/>
+              </a:ext>
+            </a:extLst>
+          </p:cNvPr>
+          <p:cNvCxnSpPr/>
+          <p:nvPr/>
+        </p:nvCxnSpPr>
+        <p:spPr>
+          <a:xfrm>
+            <a:off x="5987144" y="1179149"/>
+            <a:ext cx="0" cy="443409"/>
+          </a:xfrm>
+          <a:prstGeom prst="line">
+            <a:avLst/>
+          </a:prstGeom>
+          <a:ln>
+            <a:prstDash val="lgDash"/>
+          </a:ln>
+        </p:spPr>
+        <p:style>
+          <a:lnRef idx="3">
+            <a:schemeClr val="dk1"/>
+          </a:lnRef>
+          <a:fillRef idx="0">
+            <a:schemeClr val="dk1"/>
+          </a:fillRef>
+          <a:effectRef idx="2">
+            <a:schemeClr val="dk1"/>
+          </a:effectRef>
+          <a:fontRef idx="minor">
+            <a:schemeClr val="tx1"/>
+          </a:fontRef>
+        </p:style>
+      </p:cxnSp>
+      <p:pic>
+        <p:nvPicPr>
+          <p:cNvPr id="10" name="Picture 9">
+            <a:extLst>
+              <a:ext uri="{FF2B5EF4-FFF2-40B4-BE49-F238E27FC236}">
+                <a16:creationId xmlns:a16="http://schemas.microsoft.com/office/drawing/2014/main" id="{C7649F7C-6EE8-B6AF-32CE-F16CF6979621}"/>
+              </a:ext>
+            </a:extLst>
+          </p:cNvPr>
+          <p:cNvPicPr>
+            <a:picLocks noChangeAspect="1"/>
+          </p:cNvPicPr>
+          <p:nvPr/>
+        </p:nvPicPr>
+        <p:blipFill>
+          <a:blip r:embed="rId5">
+            <a:extLst>
+              <a:ext uri="{28A0092B-C50C-407E-A947-70E740481C1C}">
+                <a14:useLocalDpi xmlns:a14="http://schemas.microsoft.com/office/drawing/2010/main" val="0"/>
+              </a:ext>
+            </a:extLst>
+          </a:blip>
+          <a:stretch>
+            <a:fillRect/>
+          </a:stretch>
+        </p:blipFill>
+        <p:spPr>
+          <a:xfrm>
+            <a:off x="8828877" y="147312"/>
+            <a:ext cx="1095636" cy="1095636"/>
+          </a:xfrm>
+          <a:prstGeom prst="rect">
+            <a:avLst/>
+          </a:prstGeom>
+        </p:spPr>
+      </p:pic>
     </p:spTree>
     <p:extLst>
       <p:ext uri="{BB962C8B-B14F-4D97-AF65-F5344CB8AC3E}">
@@ -4944,55 +7061,769 @@
 </p:sld>
 </file>
 
+<file path=ppt/slides/slide6.xml><?xml version="1.0" encoding="utf-8"?>
+<p:sld xmlns:a="http://schemas.openxmlformats.org/drawingml/2006/main" xmlns:r="http://schemas.openxmlformats.org/officeDocument/2006/relationships" xmlns:p="http://schemas.openxmlformats.org/presentationml/2006/main">
+  <p:cSld>
+    <p:spTree>
+      <p:nvGrpSpPr>
+        <p:cNvPr id="1" name=""/>
+        <p:cNvGrpSpPr/>
+        <p:nvPr/>
+      </p:nvGrpSpPr>
+      <p:grpSpPr>
+        <a:xfrm>
+          <a:off x="0" y="0"/>
+          <a:ext cx="0" cy="0"/>
+          <a:chOff x="0" y="0"/>
+          <a:chExt cx="0" cy="0"/>
+        </a:xfrm>
+      </p:grpSpPr>
+      <p:grpSp>
+        <p:nvGrpSpPr>
+          <p:cNvPr id="19" name="Group 18">
+            <a:extLst>
+              <a:ext uri="{FF2B5EF4-FFF2-40B4-BE49-F238E27FC236}">
+                <a16:creationId xmlns:a16="http://schemas.microsoft.com/office/drawing/2014/main" id="{CDDD36FE-6776-E3D8-F01B-2BC20D15B97E}"/>
+              </a:ext>
+            </a:extLst>
+          </p:cNvPr>
+          <p:cNvGrpSpPr/>
+          <p:nvPr/>
+        </p:nvGrpSpPr>
+        <p:grpSpPr>
+          <a:xfrm>
+            <a:off x="7762874" y="4152901"/>
+            <a:ext cx="1514475" cy="2028823"/>
+            <a:chOff x="995475" y="518993"/>
+            <a:chExt cx="1800000" cy="2281356"/>
+          </a:xfrm>
+        </p:grpSpPr>
+        <p:sp>
+          <p:nvSpPr>
+            <p:cNvPr id="2" name="Rectangle: Rounded Corners 1">
+              <a:extLst>
+                <a:ext uri="{FF2B5EF4-FFF2-40B4-BE49-F238E27FC236}">
+                  <a16:creationId xmlns:a16="http://schemas.microsoft.com/office/drawing/2014/main" id="{63281691-4F26-F04D-BE60-9D0C47E79522}"/>
+                </a:ext>
+              </a:extLst>
+            </p:cNvPr>
+            <p:cNvSpPr/>
+            <p:nvPr/>
+          </p:nvSpPr>
+          <p:spPr>
+            <a:xfrm>
+              <a:off x="995475" y="1000349"/>
+              <a:ext cx="1800000" cy="1800000"/>
+            </a:xfrm>
+            <a:prstGeom prst="roundRect">
+              <a:avLst/>
+            </a:prstGeom>
+          </p:spPr>
+          <p:style>
+            <a:lnRef idx="2">
+              <a:schemeClr val="accent1">
+                <a:shade val="15000"/>
+              </a:schemeClr>
+            </a:lnRef>
+            <a:fillRef idx="1">
+              <a:schemeClr val="accent1"/>
+            </a:fillRef>
+            <a:effectRef idx="0">
+              <a:schemeClr val="accent1"/>
+            </a:effectRef>
+            <a:fontRef idx="minor">
+              <a:schemeClr val="lt1"/>
+            </a:fontRef>
+          </p:style>
+          <p:txBody>
+            <a:bodyPr rtlCol="0" anchor="ctr"/>
+            <a:lstStyle/>
+            <a:p>
+              <a:pPr algn="ctr"/>
+              <a:endParaRPr lang="en-IN" dirty="0"/>
+            </a:p>
+          </p:txBody>
+        </p:sp>
+        <p:sp>
+          <p:nvSpPr>
+            <p:cNvPr id="3" name="TextBox 2">
+              <a:extLst>
+                <a:ext uri="{FF2B5EF4-FFF2-40B4-BE49-F238E27FC236}">
+                  <a16:creationId xmlns:a16="http://schemas.microsoft.com/office/drawing/2014/main" id="{79E823DA-F320-75D7-EE62-A11B2CED7D6F}"/>
+                </a:ext>
+              </a:extLst>
+            </p:cNvPr>
+            <p:cNvSpPr txBox="1"/>
+            <p:nvPr/>
+          </p:nvSpPr>
+          <p:spPr>
+            <a:xfrm>
+              <a:off x="1226172" y="1039864"/>
+              <a:ext cx="1338606" cy="369332"/>
+            </a:xfrm>
+            <a:prstGeom prst="rect">
+              <a:avLst/>
+            </a:prstGeom>
+            <a:noFill/>
+          </p:spPr>
+          <p:txBody>
+            <a:bodyPr wrap="square" rtlCol="0">
+              <a:spAutoFit/>
+            </a:bodyPr>
+            <a:lstStyle/>
+            <a:p>
+              <a:pPr algn="ctr"/>
+              <a:r>
+                <a:rPr lang="en-IN" dirty="0"/>
+                <a:t>Attiny85</a:t>
+              </a:r>
+            </a:p>
+          </p:txBody>
+        </p:sp>
+        <p:sp>
+          <p:nvSpPr>
+            <p:cNvPr id="4" name="Rectangle: Rounded Corners 3">
+              <a:extLst>
+                <a:ext uri="{FF2B5EF4-FFF2-40B4-BE49-F238E27FC236}">
+                  <a16:creationId xmlns:a16="http://schemas.microsoft.com/office/drawing/2014/main" id="{469BD4D7-DF6E-F7AB-2641-2BC69F4938F2}"/>
+                </a:ext>
+              </a:extLst>
+            </p:cNvPr>
+            <p:cNvSpPr/>
+            <p:nvPr/>
+          </p:nvSpPr>
+          <p:spPr>
+            <a:xfrm>
+              <a:off x="1226172" y="1409197"/>
+              <a:ext cx="1338606" cy="1176722"/>
+            </a:xfrm>
+            <a:prstGeom prst="roundRect">
+              <a:avLst/>
+            </a:prstGeom>
+            <a:solidFill>
+              <a:schemeClr val="accent1">
+                <a:lumMod val="60000"/>
+                <a:lumOff val="40000"/>
+              </a:schemeClr>
+            </a:solidFill>
+          </p:spPr>
+          <p:style>
+            <a:lnRef idx="2">
+              <a:schemeClr val="accent1">
+                <a:shade val="15000"/>
+              </a:schemeClr>
+            </a:lnRef>
+            <a:fillRef idx="1">
+              <a:schemeClr val="accent1"/>
+            </a:fillRef>
+            <a:effectRef idx="0">
+              <a:schemeClr val="accent1"/>
+            </a:effectRef>
+            <a:fontRef idx="minor">
+              <a:schemeClr val="lt1"/>
+            </a:fontRef>
+          </p:style>
+          <p:txBody>
+            <a:bodyPr rtlCol="0" anchor="ctr"/>
+            <a:lstStyle/>
+            <a:p>
+              <a:pPr algn="ctr"/>
+              <a:r>
+                <a:rPr lang="en-IN" sz="1400" dirty="0">
+                  <a:solidFill>
+                    <a:schemeClr val="tx1"/>
+                  </a:solidFill>
+                </a:rPr>
+                <a:t>Micronucleus bootloader</a:t>
+              </a:r>
+            </a:p>
+          </p:txBody>
+        </p:sp>
+        <p:sp>
+          <p:nvSpPr>
+            <p:cNvPr id="5" name="Rectangle 4">
+              <a:extLst>
+                <a:ext uri="{FF2B5EF4-FFF2-40B4-BE49-F238E27FC236}">
+                  <a16:creationId xmlns:a16="http://schemas.microsoft.com/office/drawing/2014/main" id="{45940EB4-02AD-0D63-970C-7AB303640AD5}"/>
+                </a:ext>
+              </a:extLst>
+            </p:cNvPr>
+            <p:cNvSpPr/>
+            <p:nvPr/>
+          </p:nvSpPr>
+          <p:spPr>
+            <a:xfrm>
+              <a:off x="1547812" y="518993"/>
+              <a:ext cx="695325" cy="481356"/>
+            </a:xfrm>
+            <a:prstGeom prst="rect">
+              <a:avLst/>
+            </a:prstGeom>
+          </p:spPr>
+          <p:style>
+            <a:lnRef idx="2">
+              <a:schemeClr val="accent1">
+                <a:shade val="15000"/>
+              </a:schemeClr>
+            </a:lnRef>
+            <a:fillRef idx="1">
+              <a:schemeClr val="accent1"/>
+            </a:fillRef>
+            <a:effectRef idx="0">
+              <a:schemeClr val="accent1"/>
+            </a:effectRef>
+            <a:fontRef idx="minor">
+              <a:schemeClr val="lt1"/>
+            </a:fontRef>
+          </p:style>
+          <p:txBody>
+            <a:bodyPr rtlCol="0" anchor="ctr"/>
+            <a:lstStyle/>
+            <a:p>
+              <a:pPr algn="ctr"/>
+              <a:endParaRPr lang="en-IN" dirty="0"/>
+            </a:p>
+          </p:txBody>
+        </p:sp>
+      </p:grpSp>
+      <p:grpSp>
+        <p:nvGrpSpPr>
+          <p:cNvPr id="14" name="Group 13">
+            <a:extLst>
+              <a:ext uri="{FF2B5EF4-FFF2-40B4-BE49-F238E27FC236}">
+                <a16:creationId xmlns:a16="http://schemas.microsoft.com/office/drawing/2014/main" id="{55BACBD1-C7E6-94FE-DBA7-B7879A96DC39}"/>
+              </a:ext>
+            </a:extLst>
+          </p:cNvPr>
+          <p:cNvGrpSpPr/>
+          <p:nvPr/>
+        </p:nvGrpSpPr>
+        <p:grpSpPr>
+          <a:xfrm>
+            <a:off x="6629400" y="518993"/>
+            <a:ext cx="3876675" cy="2186107"/>
+            <a:chOff x="6629400" y="518993"/>
+            <a:chExt cx="3876675" cy="2186107"/>
+          </a:xfrm>
+        </p:grpSpPr>
+        <p:sp>
+          <p:nvSpPr>
+            <p:cNvPr id="11" name="Rectangle 10">
+              <a:extLst>
+                <a:ext uri="{FF2B5EF4-FFF2-40B4-BE49-F238E27FC236}">
+                  <a16:creationId xmlns:a16="http://schemas.microsoft.com/office/drawing/2014/main" id="{D7E20CE2-51CB-D216-FB00-BFFCD9391CBF}"/>
+                </a:ext>
+              </a:extLst>
+            </p:cNvPr>
+            <p:cNvSpPr/>
+            <p:nvPr/>
+          </p:nvSpPr>
+          <p:spPr>
+            <a:xfrm>
+              <a:off x="6629400" y="518993"/>
+              <a:ext cx="3876675" cy="1557457"/>
+            </a:xfrm>
+            <a:prstGeom prst="rect">
+              <a:avLst/>
+            </a:prstGeom>
+            <a:solidFill>
+              <a:schemeClr val="bg1">
+                <a:lumMod val="95000"/>
+              </a:schemeClr>
+            </a:solidFill>
+          </p:spPr>
+          <p:style>
+            <a:lnRef idx="2">
+              <a:schemeClr val="accent1">
+                <a:shade val="15000"/>
+              </a:schemeClr>
+            </a:lnRef>
+            <a:fillRef idx="1">
+              <a:schemeClr val="accent1"/>
+            </a:fillRef>
+            <a:effectRef idx="0">
+              <a:schemeClr val="accent1"/>
+            </a:effectRef>
+            <a:fontRef idx="minor">
+              <a:schemeClr val="lt1"/>
+            </a:fontRef>
+          </p:style>
+          <p:txBody>
+            <a:bodyPr rtlCol="0" anchor="ctr"/>
+            <a:lstStyle/>
+            <a:p>
+              <a:pPr algn="ctr"/>
+              <a:r>
+                <a:rPr lang="en-IN" dirty="0">
+                  <a:solidFill>
+                    <a:schemeClr val="tx1"/>
+                  </a:solidFill>
+                </a:rPr>
+                <a:t>Windows as victim</a:t>
+              </a:r>
+            </a:p>
+            <a:p>
+              <a:pPr algn="ctr"/>
+              <a:r>
+                <a:rPr lang="en-IN" dirty="0">
+                  <a:solidFill>
+                    <a:schemeClr val="tx1"/>
+                  </a:solidFill>
+                </a:rPr>
+                <a:t>(Winsock2 API)</a:t>
+              </a:r>
+            </a:p>
+            <a:p>
+              <a:pPr algn="ctr"/>
+              <a:r>
+                <a:rPr lang="en-IN" dirty="0">
+                  <a:solidFill>
+                    <a:schemeClr val="tx1"/>
+                  </a:solidFill>
+                </a:rPr>
+                <a:t>PORT = *</a:t>
+              </a:r>
+            </a:p>
+          </p:txBody>
+        </p:sp>
+        <p:sp>
+          <p:nvSpPr>
+            <p:cNvPr id="12" name="Rectangle 11">
+              <a:extLst>
+                <a:ext uri="{FF2B5EF4-FFF2-40B4-BE49-F238E27FC236}">
+                  <a16:creationId xmlns:a16="http://schemas.microsoft.com/office/drawing/2014/main" id="{59B588A0-952C-42BB-62DD-E59ED21F219D}"/>
+                </a:ext>
+              </a:extLst>
+            </p:cNvPr>
+            <p:cNvSpPr/>
+            <p:nvPr/>
+          </p:nvSpPr>
+          <p:spPr>
+            <a:xfrm>
+              <a:off x="8520112" y="2076450"/>
+              <a:ext cx="85725" cy="400050"/>
+            </a:xfrm>
+            <a:prstGeom prst="rect">
+              <a:avLst/>
+            </a:prstGeom>
+          </p:spPr>
+          <p:style>
+            <a:lnRef idx="2">
+              <a:schemeClr val="accent1">
+                <a:shade val="15000"/>
+              </a:schemeClr>
+            </a:lnRef>
+            <a:fillRef idx="1">
+              <a:schemeClr val="accent1"/>
+            </a:fillRef>
+            <a:effectRef idx="0">
+              <a:schemeClr val="accent1"/>
+            </a:effectRef>
+            <a:fontRef idx="minor">
+              <a:schemeClr val="lt1"/>
+            </a:fontRef>
+          </p:style>
+          <p:txBody>
+            <a:bodyPr rtlCol="0" anchor="ctr"/>
+            <a:lstStyle/>
+            <a:p>
+              <a:pPr algn="ctr"/>
+              <a:endParaRPr lang="en-IN" dirty="0"/>
+            </a:p>
+          </p:txBody>
+        </p:sp>
+        <p:sp>
+          <p:nvSpPr>
+            <p:cNvPr id="13" name="Rectangle 12">
+              <a:extLst>
+                <a:ext uri="{FF2B5EF4-FFF2-40B4-BE49-F238E27FC236}">
+                  <a16:creationId xmlns:a16="http://schemas.microsoft.com/office/drawing/2014/main" id="{397C21B0-CD6A-2F1D-E4B4-5A2EF44571DA}"/>
+                </a:ext>
+              </a:extLst>
+            </p:cNvPr>
+            <p:cNvSpPr/>
+            <p:nvPr/>
+          </p:nvSpPr>
+          <p:spPr>
+            <a:xfrm>
+              <a:off x="7805736" y="2476500"/>
+              <a:ext cx="1514475" cy="228600"/>
+            </a:xfrm>
+            <a:prstGeom prst="rect">
+              <a:avLst/>
+            </a:prstGeom>
+          </p:spPr>
+          <p:style>
+            <a:lnRef idx="2">
+              <a:schemeClr val="accent1">
+                <a:shade val="15000"/>
+              </a:schemeClr>
+            </a:lnRef>
+            <a:fillRef idx="1">
+              <a:schemeClr val="accent1"/>
+            </a:fillRef>
+            <a:effectRef idx="0">
+              <a:schemeClr val="accent1"/>
+            </a:effectRef>
+            <a:fontRef idx="minor">
+              <a:schemeClr val="lt1"/>
+            </a:fontRef>
+          </p:style>
+          <p:txBody>
+            <a:bodyPr rtlCol="0" anchor="ctr"/>
+            <a:lstStyle/>
+            <a:p>
+              <a:pPr algn="ctr"/>
+              <a:endParaRPr lang="en-IN" dirty="0"/>
+            </a:p>
+          </p:txBody>
+        </p:sp>
+      </p:grpSp>
+      <p:grpSp>
+        <p:nvGrpSpPr>
+          <p:cNvPr id="15" name="Group 14">
+            <a:extLst>
+              <a:ext uri="{FF2B5EF4-FFF2-40B4-BE49-F238E27FC236}">
+                <a16:creationId xmlns:a16="http://schemas.microsoft.com/office/drawing/2014/main" id="{645F4557-35D9-69B5-0EBE-3E99AF0B34E8}"/>
+              </a:ext>
+            </a:extLst>
+          </p:cNvPr>
+          <p:cNvGrpSpPr/>
+          <p:nvPr/>
+        </p:nvGrpSpPr>
+        <p:grpSpPr>
+          <a:xfrm>
+            <a:off x="852487" y="518993"/>
+            <a:ext cx="3876675" cy="2186107"/>
+            <a:chOff x="6629400" y="518993"/>
+            <a:chExt cx="3876675" cy="2186107"/>
+          </a:xfrm>
+        </p:grpSpPr>
+        <p:sp>
+          <p:nvSpPr>
+            <p:cNvPr id="16" name="Rectangle 15">
+              <a:extLst>
+                <a:ext uri="{FF2B5EF4-FFF2-40B4-BE49-F238E27FC236}">
+                  <a16:creationId xmlns:a16="http://schemas.microsoft.com/office/drawing/2014/main" id="{50959682-DBED-2E88-101C-C6AC9C16F7BA}"/>
+                </a:ext>
+              </a:extLst>
+            </p:cNvPr>
+            <p:cNvSpPr/>
+            <p:nvPr/>
+          </p:nvSpPr>
+          <p:spPr>
+            <a:xfrm>
+              <a:off x="6629400" y="518993"/>
+              <a:ext cx="3876675" cy="1557457"/>
+            </a:xfrm>
+            <a:prstGeom prst="rect">
+              <a:avLst/>
+            </a:prstGeom>
+            <a:solidFill>
+              <a:schemeClr val="bg1">
+                <a:lumMod val="95000"/>
+              </a:schemeClr>
+            </a:solidFill>
+          </p:spPr>
+          <p:style>
+            <a:lnRef idx="2">
+              <a:schemeClr val="accent1">
+                <a:shade val="15000"/>
+              </a:schemeClr>
+            </a:lnRef>
+            <a:fillRef idx="1">
+              <a:schemeClr val="accent1"/>
+            </a:fillRef>
+            <a:effectRef idx="0">
+              <a:schemeClr val="accent1"/>
+            </a:effectRef>
+            <a:fontRef idx="minor">
+              <a:schemeClr val="lt1"/>
+            </a:fontRef>
+          </p:style>
+          <p:txBody>
+            <a:bodyPr rtlCol="0" anchor="ctr"/>
+            <a:lstStyle/>
+            <a:p>
+              <a:pPr algn="ctr"/>
+              <a:r>
+                <a:rPr lang="en-IN" dirty="0">
+                  <a:solidFill>
+                    <a:schemeClr val="tx1"/>
+                  </a:solidFill>
+                </a:rPr>
+                <a:t>Windows as attacker</a:t>
+              </a:r>
+            </a:p>
+            <a:p>
+              <a:pPr algn="ctr"/>
+              <a:r>
+                <a:rPr lang="en-IN" dirty="0">
+                  <a:solidFill>
+                    <a:schemeClr val="tx1"/>
+                  </a:solidFill>
+                </a:rPr>
+                <a:t>(Winsock2 API)</a:t>
+              </a:r>
+            </a:p>
+            <a:p>
+              <a:pPr algn="ctr"/>
+              <a:r>
+                <a:rPr lang="en-IN" dirty="0">
+                  <a:solidFill>
+                    <a:schemeClr val="tx1"/>
+                  </a:solidFill>
+                </a:rPr>
+                <a:t>PORT = 8000 (HTTP Server)</a:t>
+              </a:r>
+            </a:p>
+            <a:p>
+              <a:pPr algn="ctr"/>
+              <a:r>
+                <a:rPr lang="en-IN" dirty="0">
+                  <a:solidFill>
+                    <a:schemeClr val="tx1"/>
+                  </a:solidFill>
+                </a:rPr>
+                <a:t>PORT = 55555(SOCKET Server)</a:t>
+              </a:r>
+            </a:p>
+          </p:txBody>
+        </p:sp>
+        <p:sp>
+          <p:nvSpPr>
+            <p:cNvPr id="17" name="Rectangle 16">
+              <a:extLst>
+                <a:ext uri="{FF2B5EF4-FFF2-40B4-BE49-F238E27FC236}">
+                  <a16:creationId xmlns:a16="http://schemas.microsoft.com/office/drawing/2014/main" id="{A4B2C2D1-0E83-0C4E-C7B5-18D8F7A45401}"/>
+                </a:ext>
+              </a:extLst>
+            </p:cNvPr>
+            <p:cNvSpPr/>
+            <p:nvPr/>
+          </p:nvSpPr>
+          <p:spPr>
+            <a:xfrm>
+              <a:off x="8520112" y="2076450"/>
+              <a:ext cx="85725" cy="400050"/>
+            </a:xfrm>
+            <a:prstGeom prst="rect">
+              <a:avLst/>
+            </a:prstGeom>
+          </p:spPr>
+          <p:style>
+            <a:lnRef idx="2">
+              <a:schemeClr val="accent1">
+                <a:shade val="15000"/>
+              </a:schemeClr>
+            </a:lnRef>
+            <a:fillRef idx="1">
+              <a:schemeClr val="accent1"/>
+            </a:fillRef>
+            <a:effectRef idx="0">
+              <a:schemeClr val="accent1"/>
+            </a:effectRef>
+            <a:fontRef idx="minor">
+              <a:schemeClr val="lt1"/>
+            </a:fontRef>
+          </p:style>
+          <p:txBody>
+            <a:bodyPr rtlCol="0" anchor="ctr"/>
+            <a:lstStyle/>
+            <a:p>
+              <a:pPr algn="ctr"/>
+              <a:endParaRPr lang="en-IN" dirty="0"/>
+            </a:p>
+          </p:txBody>
+        </p:sp>
+        <p:sp>
+          <p:nvSpPr>
+            <p:cNvPr id="18" name="Rectangle 17">
+              <a:extLst>
+                <a:ext uri="{FF2B5EF4-FFF2-40B4-BE49-F238E27FC236}">
+                  <a16:creationId xmlns:a16="http://schemas.microsoft.com/office/drawing/2014/main" id="{86F9BB15-60BE-9AD8-FB90-228E8574912A}"/>
+                </a:ext>
+              </a:extLst>
+            </p:cNvPr>
+            <p:cNvSpPr/>
+            <p:nvPr/>
+          </p:nvSpPr>
+          <p:spPr>
+            <a:xfrm>
+              <a:off x="7805736" y="2476500"/>
+              <a:ext cx="1514475" cy="228600"/>
+            </a:xfrm>
+            <a:prstGeom prst="rect">
+              <a:avLst/>
+            </a:prstGeom>
+          </p:spPr>
+          <p:style>
+            <a:lnRef idx="2">
+              <a:schemeClr val="accent1">
+                <a:shade val="15000"/>
+              </a:schemeClr>
+            </a:lnRef>
+            <a:fillRef idx="1">
+              <a:schemeClr val="accent1"/>
+            </a:fillRef>
+            <a:effectRef idx="0">
+              <a:schemeClr val="accent1"/>
+            </a:effectRef>
+            <a:fontRef idx="minor">
+              <a:schemeClr val="lt1"/>
+            </a:fontRef>
+          </p:style>
+          <p:txBody>
+            <a:bodyPr rtlCol="0" anchor="ctr"/>
+            <a:lstStyle/>
+            <a:p>
+              <a:pPr algn="ctr"/>
+              <a:endParaRPr lang="en-IN" dirty="0"/>
+            </a:p>
+          </p:txBody>
+        </p:sp>
+      </p:grpSp>
+      <p:cxnSp>
+        <p:nvCxnSpPr>
+          <p:cNvPr id="21" name="Straight Arrow Connector 20">
+            <a:extLst>
+              <a:ext uri="{FF2B5EF4-FFF2-40B4-BE49-F238E27FC236}">
+                <a16:creationId xmlns:a16="http://schemas.microsoft.com/office/drawing/2014/main" id="{89108422-6BDA-5442-BFEC-7CBCFBAFD4D4}"/>
+              </a:ext>
+            </a:extLst>
+          </p:cNvPr>
+          <p:cNvCxnSpPr/>
+          <p:nvPr/>
+        </p:nvCxnSpPr>
+        <p:spPr>
+          <a:xfrm flipV="1">
+            <a:off x="8520111" y="2828925"/>
+            <a:ext cx="0" cy="1152525"/>
+          </a:xfrm>
+          <a:prstGeom prst="straightConnector1">
+            <a:avLst/>
+          </a:prstGeom>
+          <a:ln>
+            <a:tailEnd type="triangle"/>
+          </a:ln>
+        </p:spPr>
+        <p:style>
+          <a:lnRef idx="3">
+            <a:schemeClr val="dk1"/>
+          </a:lnRef>
+          <a:fillRef idx="0">
+            <a:schemeClr val="dk1"/>
+          </a:fillRef>
+          <a:effectRef idx="2">
+            <a:schemeClr val="dk1"/>
+          </a:effectRef>
+          <a:fontRef idx="minor">
+            <a:schemeClr val="tx1"/>
+          </a:fontRef>
+        </p:style>
+      </p:cxnSp>
+      <p:cxnSp>
+        <p:nvCxnSpPr>
+          <p:cNvPr id="23" name="Straight Arrow Connector 22">
+            <a:extLst>
+              <a:ext uri="{FF2B5EF4-FFF2-40B4-BE49-F238E27FC236}">
+                <a16:creationId xmlns:a16="http://schemas.microsoft.com/office/drawing/2014/main" id="{7377079D-6A13-6F9D-2B38-70E5A276A48C}"/>
+              </a:ext>
+            </a:extLst>
+          </p:cNvPr>
+          <p:cNvCxnSpPr/>
+          <p:nvPr/>
+        </p:nvCxnSpPr>
+        <p:spPr>
+          <a:xfrm>
+            <a:off x="4933950" y="1297721"/>
+            <a:ext cx="1476375" cy="0"/>
+          </a:xfrm>
+          <a:prstGeom prst="straightConnector1">
+            <a:avLst/>
+          </a:prstGeom>
+          <a:ln>
+            <a:headEnd type="arrow" w="med" len="med"/>
+            <a:tailEnd type="arrow" w="med" len="med"/>
+          </a:ln>
+        </p:spPr>
+        <p:style>
+          <a:lnRef idx="3">
+            <a:schemeClr val="dk1"/>
+          </a:lnRef>
+          <a:fillRef idx="0">
+            <a:schemeClr val="dk1"/>
+          </a:fillRef>
+          <a:effectRef idx="2">
+            <a:schemeClr val="dk1"/>
+          </a:effectRef>
+          <a:fontRef idx="minor">
+            <a:schemeClr val="tx1"/>
+          </a:fontRef>
+        </p:style>
+      </p:cxnSp>
+    </p:spTree>
+    <p:extLst>
+      <p:ext uri="{BB962C8B-B14F-4D97-AF65-F5344CB8AC3E}">
+        <p14:creationId xmlns:p14="http://schemas.microsoft.com/office/powerpoint/2010/main" val="4073072626"/>
+      </p:ext>
+    </p:extLst>
+  </p:cSld>
+  <p:clrMapOvr>
+    <a:masterClrMapping/>
+  </p:clrMapOvr>
+</p:sld>
+</file>
+
 <file path=ppt/theme/theme1.xml><?xml version="1.0" encoding="utf-8"?>
-<a:theme xmlns:a="http://schemas.openxmlformats.org/drawingml/2006/main" name="Office Theme">
+<a:theme xmlns:a="http://schemas.openxmlformats.org/drawingml/2006/main" name="Retrospect">
   <a:themeElements>
-    <a:clrScheme name="Office">
+    <a:clrScheme name="Retrospect">
       <a:dk1>
-        <a:sysClr val="windowText" lastClr="000000"/>
+        <a:srgbClr val="000000"/>
       </a:dk1>
       <a:lt1>
         <a:sysClr val="window" lastClr="FFFFFF"/>
       </a:lt1>
       <a:dk2>
-        <a:srgbClr val="44546A"/>
+        <a:srgbClr val="637052"/>
       </a:dk2>
       <a:lt2>
-        <a:srgbClr val="E7E6E6"/>
+        <a:srgbClr val="CCDDEA"/>
       </a:lt2>
       <a:accent1>
-        <a:srgbClr val="4472C4"/>
+        <a:srgbClr val="E48312"/>
       </a:accent1>
       <a:accent2>
-        <a:srgbClr val="ED7D31"/>
+        <a:srgbClr val="BD582C"/>
       </a:accent2>
       <a:accent3>
-        <a:srgbClr val="A5A5A5"/>
+        <a:srgbClr val="865640"/>
       </a:accent3>
       <a:accent4>
-        <a:srgbClr val="FFC000"/>
+        <a:srgbClr val="9B8357"/>
       </a:accent4>
       <a:accent5>
-        <a:srgbClr val="5B9BD5"/>
+        <a:srgbClr val="C2BC80"/>
       </a:accent5>
       <a:accent6>
-        <a:srgbClr val="70AD47"/>
+        <a:srgbClr val="94A088"/>
       </a:accent6>
       <a:hlink>
-        <a:srgbClr val="0563C1"/>
+        <a:srgbClr val="2998E3"/>
       </a:hlink>
       <a:folHlink>
-        <a:srgbClr val="954F72"/>
+        <a:srgbClr val="8C8C8C"/>
       </a:folHlink>
     </a:clrScheme>
-    <a:fontScheme name="Office">
+    <a:fontScheme name="Retrospect">
       <a:majorFont>
         <a:latin typeface="Calibri Light" panose="020F0302020204030204"/>
         <a:ea typeface=""/>
         <a:cs typeface=""/>
-        <a:font script="Jpan" typeface="游ゴシック Light"/>
+        <a:font script="Jpan" typeface="ＭＳ Ｐゴシック"/>
         <a:font script="Hang" typeface="맑은 고딕"/>
-        <a:font script="Hans" typeface="等线 Light"/>
+        <a:font script="Hans" typeface="宋体"/>
         <a:font script="Hant" typeface="新細明體"/>
         <a:font script="Arab" typeface="Times New Roman"/>
         <a:font script="Hebr" typeface="Times New Roman"/>
@@ -5020,31 +7851,14 @@
         <a:font script="Viet" typeface="Times New Roman"/>
         <a:font script="Uigh" typeface="Microsoft Uighur"/>
         <a:font script="Geor" typeface="Sylfaen"/>
-        <a:font script="Armn" typeface="Arial"/>
-        <a:font script="Bugi" typeface="Leelawadee UI"/>
-        <a:font script="Bopo" typeface="Microsoft JhengHei"/>
-        <a:font script="Java" typeface="Javanese Text"/>
-        <a:font script="Lisu" typeface="Segoe UI"/>
-        <a:font script="Mymr" typeface="Myanmar Text"/>
-        <a:font script="Nkoo" typeface="Ebrima"/>
-        <a:font script="Olck" typeface="Nirmala UI"/>
-        <a:font script="Osma" typeface="Ebrima"/>
-        <a:font script="Phag" typeface="Phagspa"/>
-        <a:font script="Syrn" typeface="Estrangelo Edessa"/>
-        <a:font script="Syrj" typeface="Estrangelo Edessa"/>
-        <a:font script="Syre" typeface="Estrangelo Edessa"/>
-        <a:font script="Sora" typeface="Nirmala UI"/>
-        <a:font script="Tale" typeface="Microsoft Tai Le"/>
-        <a:font script="Talu" typeface="Microsoft New Tai Lue"/>
-        <a:font script="Tfng" typeface="Ebrima"/>
       </a:majorFont>
       <a:minorFont>
         <a:latin typeface="Calibri" panose="020F0502020204030204"/>
         <a:ea typeface=""/>
         <a:cs typeface=""/>
-        <a:font script="Jpan" typeface="游ゴシック"/>
+        <a:font script="Jpan" typeface="ＭＳ Ｐゴシック"/>
         <a:font script="Hang" typeface="맑은 고딕"/>
-        <a:font script="Hans" typeface="等线"/>
+        <a:font script="Hans" typeface="宋体"/>
         <a:font script="Hant" typeface="新細明體"/>
         <a:font script="Arab" typeface="Arial"/>
         <a:font script="Hebr" typeface="Arial"/>
@@ -5072,26 +7886,9 @@
         <a:font script="Viet" typeface="Arial"/>
         <a:font script="Uigh" typeface="Microsoft Uighur"/>
         <a:font script="Geor" typeface="Sylfaen"/>
-        <a:font script="Armn" typeface="Arial"/>
-        <a:font script="Bugi" typeface="Leelawadee UI"/>
-        <a:font script="Bopo" typeface="Microsoft JhengHei"/>
-        <a:font script="Java" typeface="Javanese Text"/>
-        <a:font script="Lisu" typeface="Segoe UI"/>
-        <a:font script="Mymr" typeface="Myanmar Text"/>
-        <a:font script="Nkoo" typeface="Ebrima"/>
-        <a:font script="Olck" typeface="Nirmala UI"/>
-        <a:font script="Osma" typeface="Ebrima"/>
-        <a:font script="Phag" typeface="Phagspa"/>
-        <a:font script="Syrn" typeface="Estrangelo Edessa"/>
-        <a:font script="Syrj" typeface="Estrangelo Edessa"/>
-        <a:font script="Syre" typeface="Estrangelo Edessa"/>
-        <a:font script="Sora" typeface="Nirmala UI"/>
-        <a:font script="Tale" typeface="Microsoft Tai Le"/>
-        <a:font script="Talu" typeface="Microsoft New Tai Lue"/>
-        <a:font script="Tfng" typeface="Ebrima"/>
       </a:minorFont>
     </a:fontScheme>
-    <a:fmtScheme name="Office">
+    <a:fmtScheme name="Retrospect">
       <a:fillStyleLst>
         <a:solidFill>
           <a:schemeClr val="phClr"/>
@@ -5100,76 +7897,81 @@
           <a:gsLst>
             <a:gs pos="0">
               <a:schemeClr val="phClr">
-                <a:lumMod val="110000"/>
-                <a:satMod val="105000"/>
-                <a:tint val="67000"/>
+                <a:tint val="65000"/>
+                <a:shade val="92000"/>
+                <a:satMod val="130000"/>
               </a:schemeClr>
             </a:gs>
-            <a:gs pos="50000">
+            <a:gs pos="45000">
               <a:schemeClr val="phClr">
-                <a:lumMod val="105000"/>
-                <a:satMod val="103000"/>
-                <a:tint val="73000"/>
+                <a:tint val="60000"/>
+                <a:shade val="99000"/>
+                <a:satMod val="120000"/>
               </a:schemeClr>
             </a:gs>
             <a:gs pos="100000">
               <a:schemeClr val="phClr">
-                <a:lumMod val="105000"/>
-                <a:satMod val="109000"/>
-                <a:tint val="81000"/>
+                <a:tint val="55000"/>
+                <a:satMod val="140000"/>
               </a:schemeClr>
             </a:gs>
           </a:gsLst>
-          <a:lin ang="5400000" scaled="0"/>
+          <a:path path="circle">
+            <a:fillToRect l="100000" t="100000" r="100000" b="100000"/>
+          </a:path>
         </a:gradFill>
         <a:gradFill rotWithShape="1">
           <a:gsLst>
             <a:gs pos="0">
               <a:schemeClr val="phClr">
-                <a:satMod val="103000"/>
-                <a:lumMod val="102000"/>
-                <a:tint val="94000"/>
+                <a:shade val="85000"/>
+                <a:satMod val="130000"/>
               </a:schemeClr>
             </a:gs>
-            <a:gs pos="50000">
+            <a:gs pos="34000">
               <a:schemeClr val="phClr">
-                <a:satMod val="110000"/>
-                <a:lumMod val="100000"/>
-                <a:shade val="100000"/>
+                <a:shade val="87000"/>
+                <a:satMod val="125000"/>
+              </a:schemeClr>
+            </a:gs>
+            <a:gs pos="70000">
+              <a:schemeClr val="phClr">
+                <a:tint val="100000"/>
+                <a:shade val="90000"/>
+                <a:satMod val="130000"/>
               </a:schemeClr>
             </a:gs>
             <a:gs pos="100000">
               <a:schemeClr val="phClr">
-                <a:lumMod val="99000"/>
-                <a:satMod val="120000"/>
-                <a:shade val="78000"/>
+                <a:tint val="100000"/>
+                <a:shade val="100000"/>
+                <a:satMod val="110000"/>
               </a:schemeClr>
             </a:gs>
           </a:gsLst>
-          <a:lin ang="5400000" scaled="0"/>
+          <a:path path="circle">
+            <a:fillToRect l="100000" t="100000" r="100000" b="100000"/>
+          </a:path>
         </a:gradFill>
       </a:fillStyleLst>
       <a:lnStyleLst>
-        <a:ln w="6350" cap="flat" cmpd="sng" algn="ctr">
-          <a:solidFill>
-            <a:schemeClr val="phClr"/>
-          </a:solidFill>
-          <a:prstDash val="solid"/>
-          <a:miter lim="800000"/>
-        </a:ln>
         <a:ln w="12700" cap="flat" cmpd="sng" algn="ctr">
           <a:solidFill>
             <a:schemeClr val="phClr"/>
           </a:solidFill>
           <a:prstDash val="solid"/>
-          <a:miter lim="800000"/>
         </a:ln>
-        <a:ln w="19050" cap="flat" cmpd="sng" algn="ctr">
+        <a:ln w="15875" cap="flat" cmpd="sng" algn="ctr">
           <a:solidFill>
             <a:schemeClr val="phClr"/>
           </a:solidFill>
           <a:prstDash val="solid"/>
-          <a:miter lim="800000"/>
+        </a:ln>
+        <a:ln w="25400" cap="flat" cmpd="sng" algn="ctr">
+          <a:solidFill>
+            <a:schemeClr val="phClr"/>
+          </a:solidFill>
+          <a:prstDash val="solid"/>
         </a:ln>
       </a:lnStyleLst>
       <a:effectStyleLst>
@@ -5177,16 +7979,33 @@
           <a:effectLst/>
         </a:effectStyle>
         <a:effectStyle>
-          <a:effectLst/>
+          <a:effectLst>
+            <a:outerShdw blurRad="38100" dist="25400" dir="2700000" algn="br" rotWithShape="0">
+              <a:srgbClr val="000000">
+                <a:alpha val="60000"/>
+              </a:srgbClr>
+            </a:outerShdw>
+          </a:effectLst>
         </a:effectStyle>
         <a:effectStyle>
           <a:effectLst>
-            <a:outerShdw blurRad="57150" dist="19050" dir="5400000" algn="ctr" rotWithShape="0">
+            <a:outerShdw blurRad="44450" dist="25400" dir="2700000" algn="br" rotWithShape="0">
               <a:srgbClr val="000000">
-                <a:alpha val="63000"/>
+                <a:alpha val="60000"/>
               </a:srgbClr>
             </a:outerShdw>
           </a:effectLst>
+          <a:scene3d>
+            <a:camera prst="orthographicFront">
+              <a:rot lat="0" lon="0" rev="0"/>
+            </a:camera>
+            <a:lightRig rig="threePt" dir="t">
+              <a:rot lat="0" lon="0" rev="19800000"/>
+            </a:lightRig>
+          </a:scene3d>
+          <a:sp3d prstMaterial="flat">
+            <a:bevelT w="25400" h="31750"/>
+          </a:sp3d>
         </a:effectStyle>
       </a:effectStyleLst>
       <a:bgFillStyleLst>
@@ -5195,45 +8014,71 @@
         </a:solidFill>
         <a:solidFill>
           <a:schemeClr val="phClr">
-            <a:tint val="95000"/>
-            <a:satMod val="170000"/>
+            <a:tint val="90000"/>
+            <a:shade val="97000"/>
+            <a:satMod val="130000"/>
           </a:schemeClr>
         </a:solidFill>
         <a:gradFill rotWithShape="1">
           <a:gsLst>
             <a:gs pos="0">
               <a:schemeClr val="phClr">
-                <a:tint val="93000"/>
-                <a:satMod val="150000"/>
-                <a:shade val="98000"/>
-                <a:lumMod val="102000"/>
+                <a:tint val="96000"/>
+                <a:shade val="99000"/>
+                <a:satMod val="140000"/>
               </a:schemeClr>
             </a:gs>
-            <a:gs pos="50000">
+            <a:gs pos="65000">
               <a:schemeClr val="phClr">
-                <a:tint val="98000"/>
+                <a:tint val="100000"/>
+                <a:shade val="80000"/>
                 <a:satMod val="130000"/>
-                <a:shade val="90000"/>
-                <a:lumMod val="103000"/>
               </a:schemeClr>
             </a:gs>
             <a:gs pos="100000">
               <a:schemeClr val="phClr">
-                <a:shade val="63000"/>
+                <a:tint val="100000"/>
+                <a:shade val="48000"/>
                 <a:satMod val="120000"/>
               </a:schemeClr>
             </a:gs>
           </a:gsLst>
-          <a:lin ang="5400000" scaled="0"/>
+          <a:lin ang="16200000" scaled="0"/>
         </a:gradFill>
       </a:bgFillStyleLst>
     </a:fmtScheme>
   </a:themeElements>
-  <a:objectDefaults/>
+  <a:objectDefaults>
+    <a:spDef>
+      <a:spPr/>
+      <a:bodyPr rtlCol="0" anchor="ctr"/>
+      <a:lstStyle>
+        <a:defPPr algn="ctr">
+          <a:defRPr dirty="0"/>
+        </a:defPPr>
+      </a:lstStyle>
+      <a:style>
+        <a:lnRef idx="2">
+          <a:schemeClr val="accent1">
+            <a:shade val="15000"/>
+          </a:schemeClr>
+        </a:lnRef>
+        <a:fillRef idx="1">
+          <a:schemeClr val="accent1"/>
+        </a:fillRef>
+        <a:effectRef idx="0">
+          <a:schemeClr val="accent1"/>
+        </a:effectRef>
+        <a:fontRef idx="minor">
+          <a:schemeClr val="lt1"/>
+        </a:fontRef>
+      </a:style>
+    </a:spDef>
+  </a:objectDefaults>
   <a:extraClrSchemeLst/>
   <a:extLst>
     <a:ext uri="{05A4C25C-085E-4340-85A3-A5531E510DB2}">
-      <thm15:themeFamily xmlns:thm15="http://schemas.microsoft.com/office/thememl/2012/main" name="Office Theme" id="{62F939B6-93AF-4DB8-9C6B-D6C7DFDC589F}" vid="{4A3C46E8-61CC-4603-A589-7422A47A8E4A}"/>
+      <thm15:themeFamily xmlns:thm15="http://schemas.microsoft.com/office/thememl/2012/main" name="Retrospect" id="{5F128B03-DCCA-4EEB-AB3B-CF2899314A46}" vid="{3F1AAB62-24C6-49D2-8E01-B56FAC9A3DCD}"/>
     </a:ext>
   </a:extLst>
 </a:theme>
